--- a/lecture/js.pptx
+++ b/lecture/js.pptx
@@ -30,6 +30,15 @@
     <p:sldId id="278" r:id="rId25"/>
     <p:sldId id="277" r:id="rId26"/>
     <p:sldId id="280" r:id="rId27"/>
+    <p:sldId id="281" r:id="rId28"/>
+    <p:sldId id="284" r:id="rId29"/>
+    <p:sldId id="283" r:id="rId30"/>
+    <p:sldId id="286" r:id="rId31"/>
+    <p:sldId id="285" r:id="rId32"/>
+    <p:sldId id="282" r:id="rId33"/>
+    <p:sldId id="287" r:id="rId34"/>
+    <p:sldId id="289" r:id="rId35"/>
+    <p:sldId id="288" r:id="rId36"/>
   </p:sldIdLst>
   <p:sldSz cx="9144000" cy="6858000" type="screen4x3"/>
   <p:notesSz cx="6858000" cy="9144000"/>
@@ -221,12 +230,12 @@
   <p:extLst>
     <p:ext uri="{EFAFB233-063F-42B5-8137-9DF3F51BA10A}">
       <p15:sldGuideLst xmlns:p15="http://schemas.microsoft.com/office/powerpoint/2012/main">
-        <p15:guide id="1" orient="horz" pos="2160" userDrawn="1">
+        <p15:guide id="1" orient="horz" pos="2186" userDrawn="1">
           <p15:clr>
             <a:srgbClr val="A4A3A4"/>
           </p15:clr>
         </p15:guide>
-        <p15:guide id="2" pos="2886" userDrawn="1">
+        <p15:guide id="2" pos="2880" userDrawn="1">
           <p15:clr>
             <a:srgbClr val="A4A3A4"/>
           </p15:clr>
@@ -8815,6 +8824,2091 @@
 </p:sld>
 </file>
 
+<file path=ppt/slides/slide26.xml><?xml version="1.0" encoding="utf-8"?>
+<p:sld xmlns:a="http://schemas.openxmlformats.org/drawingml/2006/main" xmlns:r="http://schemas.openxmlformats.org/officeDocument/2006/relationships" xmlns:p="http://schemas.openxmlformats.org/presentationml/2006/main">
+  <p:cSld>
+    <p:spTree>
+      <p:nvGrpSpPr>
+        <p:cNvPr id="1" name=""/>
+        <p:cNvGrpSpPr/>
+        <p:nvPr/>
+      </p:nvGrpSpPr>
+      <p:grpSpPr/>
+      <p:sp>
+        <p:nvSpPr>
+          <p:cNvPr id="2" name="标题 1"/>
+          <p:cNvSpPr>
+            <a:spLocks noGrp="1"/>
+          </p:cNvSpPr>
+          <p:nvPr>
+            <p:ph type="title"/>
+          </p:nvPr>
+        </p:nvSpPr>
+        <p:spPr/>
+        <p:txBody>
+          <a:bodyPr/>
+          <a:p>
+            <a:endParaRPr lang="en-US" altLang="zh-CN" u="heavy"/>
+          </a:p>
+        </p:txBody>
+      </p:sp>
+      <p:sp>
+        <p:nvSpPr>
+          <p:cNvPr id="6" name="文本框 5"/>
+          <p:cNvSpPr txBox="1"/>
+          <p:nvPr/>
+        </p:nvSpPr>
+        <p:spPr>
+          <a:xfrm>
+            <a:off x="179705" y="3314700"/>
+            <a:ext cx="5080000" cy="3106420"/>
+          </a:xfrm>
+          <a:prstGeom prst="rect">
+            <a:avLst/>
+          </a:prstGeom>
+        </p:spPr>
+        <p:txBody>
+          <a:bodyPr>
+            <a:spAutoFit/>
+          </a:bodyPr>
+          <a:p>
+            <a:pPr algn="l">
+              <a:spcBef>
+                <a:spcPct val="20000"/>
+              </a:spcBef>
+              <a:buClrTx/>
+              <a:buSzTx/>
+              <a:buFontTx/>
+            </a:pPr>
+            <a:r>
+              <a:rPr lang="en-US" altLang="zh-CN" sz="1400">
+                <a:latin typeface="+mn-lt"/>
+                <a:ea typeface="+mn-ea"/>
+              </a:rPr>
+              <a:t>export default function </a:t>
+            </a:r>
+            <a:r>
+              <a:rPr lang="en-US" altLang="zh-CN" sz="1400">
+                <a:solidFill>
+                  <a:srgbClr val="FF0000"/>
+                </a:solidFill>
+                <a:latin typeface="+mn-lt"/>
+                <a:ea typeface="+mn-ea"/>
+              </a:rPr>
+              <a:t>withRouter</a:t>
+            </a:r>
+            <a:r>
+              <a:rPr lang="en-US" altLang="zh-CN" sz="1400">
+                <a:latin typeface="+mn-lt"/>
+                <a:ea typeface="+mn-ea"/>
+              </a:rPr>
+              <a:t>(Component) {</a:t>
+            </a:r>
+            <a:endParaRPr lang="en-US" altLang="zh-CN" sz="1400">
+              <a:latin typeface="+mn-lt"/>
+              <a:ea typeface="+mn-ea"/>
+            </a:endParaRPr>
+          </a:p>
+          <a:p>
+            <a:pPr algn="l">
+              <a:spcBef>
+                <a:spcPct val="20000"/>
+              </a:spcBef>
+              <a:buClrTx/>
+              <a:buSzTx/>
+              <a:buFontTx/>
+            </a:pPr>
+            <a:r>
+              <a:rPr lang="en-US" altLang="zh-CN" sz="1400">
+                <a:latin typeface="+mn-lt"/>
+                <a:ea typeface="+mn-ea"/>
+              </a:rPr>
+              <a:t>    function ComponentWithRouterProp(props) {</a:t>
+            </a:r>
+            <a:endParaRPr lang="en-US" altLang="zh-CN" sz="1400">
+              <a:latin typeface="+mn-lt"/>
+              <a:ea typeface="+mn-ea"/>
+            </a:endParaRPr>
+          </a:p>
+          <a:p>
+            <a:pPr algn="l">
+              <a:spcBef>
+                <a:spcPct val="20000"/>
+              </a:spcBef>
+              <a:buClrTx/>
+              <a:buSzTx/>
+              <a:buFontTx/>
+            </a:pPr>
+            <a:endParaRPr lang="en-US" altLang="zh-CN" sz="1400">
+              <a:latin typeface="+mn-lt"/>
+              <a:ea typeface="+mn-ea"/>
+            </a:endParaRPr>
+          </a:p>
+          <a:p>
+            <a:pPr algn="l">
+              <a:spcBef>
+                <a:spcPct val="20000"/>
+              </a:spcBef>
+              <a:buClrTx/>
+              <a:buSzTx/>
+              <a:buFontTx/>
+            </a:pPr>
+            <a:r>
+              <a:rPr lang="en-US" altLang="zh-CN" sz="1400">
+                <a:latin typeface="+mn-lt"/>
+                <a:ea typeface="+mn-ea"/>
+              </a:rPr>
+              <a:t>            const location = useLocation();</a:t>
+            </a:r>
+            <a:endParaRPr lang="en-US" altLang="zh-CN" sz="1400">
+              <a:latin typeface="+mn-lt"/>
+              <a:ea typeface="+mn-ea"/>
+            </a:endParaRPr>
+          </a:p>
+          <a:p>
+            <a:pPr algn="l">
+              <a:spcBef>
+                <a:spcPct val="20000"/>
+              </a:spcBef>
+              <a:buClrTx/>
+              <a:buSzTx/>
+              <a:buFontTx/>
+            </a:pPr>
+            <a:r>
+              <a:rPr lang="en-US" altLang="zh-CN" sz="1400">
+                <a:latin typeface="+mn-lt"/>
+                <a:ea typeface="+mn-ea"/>
+              </a:rPr>
+              <a:t>            const navigate = useNavigate();</a:t>
+            </a:r>
+            <a:endParaRPr lang="en-US" altLang="zh-CN" sz="1400">
+              <a:latin typeface="+mn-lt"/>
+              <a:ea typeface="+mn-ea"/>
+            </a:endParaRPr>
+          </a:p>
+          <a:p>
+            <a:pPr algn="l">
+              <a:spcBef>
+                <a:spcPct val="20000"/>
+              </a:spcBef>
+              <a:buClrTx/>
+              <a:buSzTx/>
+              <a:buFontTx/>
+            </a:pPr>
+            <a:r>
+              <a:rPr lang="en-US" altLang="zh-CN" sz="1400">
+                <a:latin typeface="+mn-lt"/>
+                <a:ea typeface="+mn-ea"/>
+              </a:rPr>
+              <a:t>    return &lt;Component {...props} location={location} navigate={navigate} /&gt;;</a:t>
+            </a:r>
+            <a:endParaRPr lang="en-US" altLang="zh-CN" sz="1400">
+              <a:latin typeface="+mn-lt"/>
+              <a:ea typeface="+mn-ea"/>
+            </a:endParaRPr>
+          </a:p>
+          <a:p>
+            <a:pPr algn="l">
+              <a:spcBef>
+                <a:spcPct val="20000"/>
+              </a:spcBef>
+              <a:buClrTx/>
+              <a:buSzTx/>
+              <a:buFontTx/>
+            </a:pPr>
+            <a:endParaRPr lang="en-US" altLang="zh-CN" sz="1400">
+              <a:latin typeface="+mn-lt"/>
+              <a:ea typeface="+mn-ea"/>
+            </a:endParaRPr>
+          </a:p>
+          <a:p>
+            <a:pPr algn="l">
+              <a:spcBef>
+                <a:spcPct val="20000"/>
+              </a:spcBef>
+              <a:buClrTx/>
+              <a:buSzTx/>
+              <a:buFontTx/>
+            </a:pPr>
+            <a:r>
+              <a:rPr lang="en-US" altLang="zh-CN" sz="1400">
+                <a:latin typeface="+mn-lt"/>
+                <a:ea typeface="+mn-ea"/>
+              </a:rPr>
+              <a:t>    }</a:t>
+            </a:r>
+            <a:endParaRPr lang="en-US" altLang="zh-CN" sz="1400">
+              <a:latin typeface="+mn-lt"/>
+              <a:ea typeface="+mn-ea"/>
+            </a:endParaRPr>
+          </a:p>
+          <a:p>
+            <a:pPr algn="l">
+              <a:spcBef>
+                <a:spcPct val="20000"/>
+              </a:spcBef>
+              <a:buClrTx/>
+              <a:buSzTx/>
+              <a:buFontTx/>
+            </a:pPr>
+            <a:endParaRPr lang="en-US" altLang="zh-CN" sz="1400">
+              <a:latin typeface="+mn-lt"/>
+              <a:ea typeface="+mn-ea"/>
+            </a:endParaRPr>
+          </a:p>
+          <a:p>
+            <a:pPr algn="l">
+              <a:spcBef>
+                <a:spcPct val="20000"/>
+              </a:spcBef>
+              <a:buClrTx/>
+              <a:buSzTx/>
+              <a:buFontTx/>
+            </a:pPr>
+            <a:r>
+              <a:rPr lang="en-US" altLang="zh-CN" sz="1400">
+                <a:latin typeface="+mn-lt"/>
+                <a:ea typeface="+mn-ea"/>
+              </a:rPr>
+              <a:t>    return ComponentWithRouterProp;</a:t>
+            </a:r>
+            <a:endParaRPr lang="en-US" altLang="zh-CN" sz="1400">
+              <a:latin typeface="+mn-lt"/>
+              <a:ea typeface="+mn-ea"/>
+            </a:endParaRPr>
+          </a:p>
+          <a:p>
+            <a:pPr algn="l">
+              <a:spcBef>
+                <a:spcPct val="20000"/>
+              </a:spcBef>
+              <a:buClrTx/>
+              <a:buSzTx/>
+              <a:buFontTx/>
+            </a:pPr>
+            <a:r>
+              <a:rPr lang="en-US" altLang="zh-CN" sz="1400">
+                <a:latin typeface="+mn-lt"/>
+                <a:ea typeface="+mn-ea"/>
+              </a:rPr>
+              <a:t>}</a:t>
+            </a:r>
+            <a:endParaRPr lang="en-US" altLang="zh-CN" sz="1400">
+              <a:latin typeface="+mn-lt"/>
+              <a:ea typeface="+mn-ea"/>
+            </a:endParaRPr>
+          </a:p>
+        </p:txBody>
+      </p:sp>
+      <p:sp>
+        <p:nvSpPr>
+          <p:cNvPr id="7" name="文本框 6"/>
+          <p:cNvSpPr txBox="1"/>
+          <p:nvPr/>
+        </p:nvSpPr>
+        <p:spPr>
+          <a:xfrm>
+            <a:off x="323215" y="1341120"/>
+            <a:ext cx="5641340" cy="2096770"/>
+          </a:xfrm>
+          <a:prstGeom prst="rect">
+            <a:avLst/>
+          </a:prstGeom>
+        </p:spPr>
+        <p:txBody>
+          <a:bodyPr>
+            <a:noAutofit/>
+          </a:bodyPr>
+          <a:p>
+            <a:pPr marL="0" algn="l">
+              <a:lnSpc>
+                <a:spcPct val="100000"/>
+              </a:lnSpc>
+              <a:spcBef>
+                <a:spcPct val="20000"/>
+              </a:spcBef>
+              <a:buClrTx/>
+              <a:buSzTx/>
+              <a:buFont typeface="Arial" panose="020B0604020202020204"/>
+              <a:buChar char="•"/>
+            </a:pPr>
+            <a:r>
+              <a:rPr lang="en-US" altLang="zh-CN" sz="1400" b="0" i="0">
+                <a:solidFill>
+                  <a:schemeClr val="tx1"/>
+                </a:solidFill>
+                <a:latin typeface="+mn-lt"/>
+                <a:ea typeface="+mn-ea"/>
+              </a:rPr>
+              <a:t>React Hook（包括自定义Hook）</a:t>
+            </a:r>
+            <a:r>
+              <a:rPr lang="en-US" altLang="zh-CN" sz="1400" b="0" i="0">
+                <a:solidFill>
+                  <a:srgbClr val="FF0000"/>
+                </a:solidFill>
+                <a:latin typeface="+mn-lt"/>
+                <a:ea typeface="+mn-ea"/>
+              </a:rPr>
+              <a:t>只能在函数组件</a:t>
+            </a:r>
+            <a:r>
+              <a:rPr lang="en-US" altLang="zh-CN" sz="1400" b="0" i="0">
+                <a:solidFill>
+                  <a:schemeClr val="tx1"/>
+                </a:solidFill>
+                <a:latin typeface="+mn-lt"/>
+                <a:ea typeface="+mn-ea"/>
+              </a:rPr>
+              <a:t>中使用</a:t>
+            </a:r>
+            <a:endParaRPr lang="en-US" altLang="zh-CN" sz="1400" b="0" i="0">
+              <a:solidFill>
+                <a:schemeClr val="tx1"/>
+              </a:solidFill>
+              <a:latin typeface="+mn-lt"/>
+              <a:ea typeface="+mn-ea"/>
+            </a:endParaRPr>
+          </a:p>
+          <a:p>
+            <a:pPr marL="0" algn="l">
+              <a:lnSpc>
+                <a:spcPct val="100000"/>
+              </a:lnSpc>
+              <a:spcBef>
+                <a:spcPct val="20000"/>
+              </a:spcBef>
+              <a:buClrTx/>
+              <a:buSzTx/>
+              <a:buFont typeface="Arial" panose="020B0604020202020204"/>
+              <a:buChar char="•"/>
+            </a:pPr>
+            <a:r>
+              <a:rPr lang="en-US" altLang="zh-CN" sz="1400" b="0" i="0">
+                <a:solidFill>
+                  <a:schemeClr val="tx1"/>
+                </a:solidFill>
+                <a:latin typeface="+mn-lt"/>
+                <a:ea typeface="+mn-ea"/>
+              </a:rPr>
+              <a:t>许多老代码库包含大量基于类的组件</a:t>
+            </a:r>
+            <a:endParaRPr lang="en-US" altLang="zh-CN" sz="1400" b="0" i="0">
+              <a:solidFill>
+                <a:schemeClr val="tx1"/>
+              </a:solidFill>
+              <a:latin typeface="+mn-lt"/>
+              <a:ea typeface="+mn-ea"/>
+            </a:endParaRPr>
+          </a:p>
+          <a:p>
+            <a:pPr marL="0" algn="l">
+              <a:lnSpc>
+                <a:spcPct val="100000"/>
+              </a:lnSpc>
+              <a:spcBef>
+                <a:spcPct val="20000"/>
+              </a:spcBef>
+              <a:buClrTx/>
+              <a:buSzTx/>
+              <a:buFont typeface="Arial" panose="020B0604020202020204"/>
+              <a:buChar char="•"/>
+            </a:pPr>
+            <a:r>
+              <a:rPr lang="en-US" altLang="zh-CN" sz="1400" b="0" i="0">
+                <a:solidFill>
+                  <a:schemeClr val="tx1"/>
+                </a:solidFill>
+                <a:latin typeface="+mn-lt"/>
+                <a:ea typeface="+mn-ea"/>
+              </a:rPr>
+              <a:t>HOC可以包裹类组件而不需要重写它们</a:t>
+            </a:r>
+            <a:endParaRPr lang="en-US" altLang="zh-CN" sz="1400" b="0" i="0">
+              <a:solidFill>
+                <a:schemeClr val="tx1"/>
+              </a:solidFill>
+              <a:latin typeface="+mn-lt"/>
+              <a:ea typeface="+mn-ea"/>
+            </a:endParaRPr>
+          </a:p>
+          <a:p>
+            <a:pPr marL="0" algn="l">
+              <a:lnSpc>
+                <a:spcPct val="100000"/>
+              </a:lnSpc>
+              <a:spcBef>
+                <a:spcPct val="20000"/>
+              </a:spcBef>
+              <a:buClrTx/>
+              <a:buSzTx/>
+              <a:buFont typeface="Arial" panose="020B0604020202020204"/>
+              <a:buChar char="•"/>
+            </a:pPr>
+            <a:r>
+              <a:rPr lang="en-US" altLang="zh-CN" sz="1400" b="0" i="0">
+                <a:solidFill>
+                  <a:schemeClr val="tx1"/>
+                </a:solidFill>
+                <a:latin typeface="+mn-lt"/>
+                <a:ea typeface="+mn-ea"/>
+              </a:rPr>
+              <a:t>可以在HOC中实现componentDidMount等逻辑</a:t>
+            </a:r>
+            <a:endParaRPr lang="en-US" altLang="zh-CN" sz="1400" b="0" i="0">
+              <a:solidFill>
+                <a:schemeClr val="tx1"/>
+              </a:solidFill>
+              <a:latin typeface="+mn-lt"/>
+              <a:ea typeface="+mn-ea"/>
+            </a:endParaRPr>
+          </a:p>
+          <a:p>
+            <a:pPr marL="0" algn="l">
+              <a:lnSpc>
+                <a:spcPct val="100000"/>
+              </a:lnSpc>
+              <a:spcBef>
+                <a:spcPct val="20000"/>
+              </a:spcBef>
+              <a:buClrTx/>
+              <a:buSzTx/>
+              <a:buFont typeface="Arial" panose="020B0604020202020204"/>
+              <a:buChar char="•"/>
+            </a:pPr>
+            <a:r>
+              <a:rPr lang="en-US" altLang="zh-CN" sz="1400" b="0" i="0">
+                <a:solidFill>
+                  <a:schemeClr val="tx1"/>
+                </a:solidFill>
+                <a:latin typeface="+mn-lt"/>
+                <a:ea typeface="+mn-ea"/>
+              </a:rPr>
+              <a:t>将生命周期逻辑与业务组件解耦</a:t>
+            </a:r>
+            <a:endParaRPr lang="en-US" altLang="zh-CN" sz="1400" b="0" i="0">
+              <a:solidFill>
+                <a:schemeClr val="tx1"/>
+              </a:solidFill>
+              <a:latin typeface="+mn-lt"/>
+              <a:ea typeface="+mn-ea"/>
+            </a:endParaRPr>
+          </a:p>
+          <a:p>
+            <a:pPr marL="0" algn="l">
+              <a:lnSpc>
+                <a:spcPct val="100000"/>
+              </a:lnSpc>
+              <a:spcBef>
+                <a:spcPct val="20000"/>
+              </a:spcBef>
+              <a:buClrTx/>
+              <a:buSzTx/>
+              <a:buFont typeface="Arial" panose="020B0604020202020204"/>
+              <a:buChar char="•"/>
+            </a:pPr>
+            <a:r>
+              <a:rPr lang="en-US" altLang="zh-CN" sz="1400" b="0" i="0">
+                <a:solidFill>
+                  <a:schemeClr val="tx1"/>
+                </a:solidFill>
+                <a:latin typeface="+mn-lt"/>
+                <a:ea typeface="+mn-ea"/>
+              </a:rPr>
+              <a:t>方便统一管理将被废弃的生命周期方法</a:t>
+            </a:r>
+            <a:endParaRPr lang="en-US" altLang="zh-CN" sz="1400" b="0" i="0">
+              <a:solidFill>
+                <a:schemeClr val="tx1"/>
+              </a:solidFill>
+              <a:latin typeface="+mn-lt"/>
+              <a:ea typeface="+mn-ea"/>
+            </a:endParaRPr>
+          </a:p>
+        </p:txBody>
+      </p:sp>
+      <p:sp>
+        <p:nvSpPr>
+          <p:cNvPr id="10" name="文本框 9"/>
+          <p:cNvSpPr txBox="1"/>
+          <p:nvPr/>
+        </p:nvSpPr>
+        <p:spPr>
+          <a:xfrm>
+            <a:off x="4572000" y="3357562"/>
+            <a:ext cx="5080000" cy="2632075"/>
+          </a:xfrm>
+          <a:prstGeom prst="rect">
+            <a:avLst/>
+          </a:prstGeom>
+        </p:spPr>
+        <p:txBody>
+          <a:bodyPr>
+            <a:spAutoFit/>
+          </a:bodyPr>
+          <a:p>
+            <a:pPr marL="0" algn="l">
+              <a:spcBef>
+                <a:spcPct val="20000"/>
+              </a:spcBef>
+              <a:buClrTx/>
+              <a:buSzTx/>
+              <a:buFont typeface="Arial" panose="020B0604020202020204"/>
+            </a:pPr>
+            <a:r>
+              <a:rPr lang="en-US" altLang="zh-CN" sz="1400" b="0" i="0">
+                <a:latin typeface="+mn-lt"/>
+                <a:ea typeface="+mn-ea"/>
+              </a:rPr>
+              <a:t>function withDeprecationWarning(WrappedComponent) {</a:t>
+            </a:r>
+            <a:endParaRPr lang="en-US" altLang="zh-CN" sz="1400" b="0" i="0">
+              <a:latin typeface="+mn-lt"/>
+              <a:ea typeface="+mn-ea"/>
+            </a:endParaRPr>
+          </a:p>
+          <a:p>
+            <a:pPr marL="0" algn="l">
+              <a:spcBef>
+                <a:spcPct val="20000"/>
+              </a:spcBef>
+              <a:buClrTx/>
+              <a:buSzTx/>
+              <a:buFont typeface="Arial" panose="020B0604020202020204"/>
+            </a:pPr>
+            <a:r>
+              <a:rPr lang="en-US" altLang="zh-CN" sz="1400" b="0" i="0">
+                <a:latin typeface="+mn-lt"/>
+                <a:ea typeface="+mn-ea"/>
+              </a:rPr>
+              <a:t>  return class extends React.Component {</a:t>
+            </a:r>
+            <a:endParaRPr lang="en-US" altLang="zh-CN" sz="1400" b="0" i="0">
+              <a:latin typeface="+mn-lt"/>
+              <a:ea typeface="+mn-ea"/>
+            </a:endParaRPr>
+          </a:p>
+          <a:p>
+            <a:pPr marL="0" algn="l">
+              <a:spcBef>
+                <a:spcPct val="20000"/>
+              </a:spcBef>
+              <a:buClrTx/>
+              <a:buSzTx/>
+              <a:buFont typeface="Arial" panose="020B0604020202020204"/>
+            </a:pPr>
+            <a:r>
+              <a:rPr lang="en-US" altLang="zh-CN" sz="1400" b="0" i="0">
+                <a:latin typeface="+mn-lt"/>
+                <a:ea typeface="+mn-ea"/>
+              </a:rPr>
+              <a:t>    componentWillMount() {</a:t>
+            </a:r>
+            <a:endParaRPr lang="en-US" altLang="zh-CN" sz="1400" b="0" i="0">
+              <a:latin typeface="+mn-lt"/>
+              <a:ea typeface="+mn-ea"/>
+            </a:endParaRPr>
+          </a:p>
+          <a:p>
+            <a:pPr marL="0" algn="l">
+              <a:spcBef>
+                <a:spcPct val="20000"/>
+              </a:spcBef>
+              <a:buClrTx/>
+              <a:buSzTx/>
+              <a:buFont typeface="Arial" panose="020B0604020202020204"/>
+            </a:pPr>
+            <a:r>
+              <a:rPr lang="en-US" altLang="zh-CN" sz="1400" b="0" i="0">
+                <a:latin typeface="+mn-lt"/>
+                <a:ea typeface="+mn-ea"/>
+              </a:rPr>
+              <a:t>      console.warn('componentWillMount is deprecated');</a:t>
+            </a:r>
+            <a:endParaRPr lang="en-US" altLang="zh-CN" sz="1400" b="0" i="0">
+              <a:latin typeface="+mn-lt"/>
+              <a:ea typeface="+mn-ea"/>
+            </a:endParaRPr>
+          </a:p>
+          <a:p>
+            <a:pPr marL="0" algn="l">
+              <a:spcBef>
+                <a:spcPct val="20000"/>
+              </a:spcBef>
+              <a:buClrTx/>
+              <a:buSzTx/>
+              <a:buFont typeface="Arial" panose="020B0604020202020204"/>
+            </a:pPr>
+            <a:r>
+              <a:rPr lang="en-US" altLang="zh-CN" sz="1400" b="0" i="0">
+                <a:latin typeface="+mn-lt"/>
+                <a:ea typeface="+mn-ea"/>
+              </a:rPr>
+              <a:t>    }</a:t>
+            </a:r>
+            <a:endParaRPr lang="en-US" altLang="zh-CN" sz="1400" b="0" i="0">
+              <a:latin typeface="+mn-lt"/>
+              <a:ea typeface="+mn-ea"/>
+            </a:endParaRPr>
+          </a:p>
+          <a:p>
+            <a:pPr marL="0" algn="l">
+              <a:spcBef>
+                <a:spcPct val="20000"/>
+              </a:spcBef>
+              <a:buClrTx/>
+              <a:buSzTx/>
+              <a:buFont typeface="Arial" panose="020B0604020202020204"/>
+            </a:pPr>
+            <a:r>
+              <a:rPr lang="en-US" altLang="zh-CN" sz="1400" b="0" i="0">
+                <a:latin typeface="+mn-lt"/>
+                <a:ea typeface="+mn-ea"/>
+              </a:rPr>
+              <a:t>    render() {</a:t>
+            </a:r>
+            <a:endParaRPr lang="en-US" altLang="zh-CN" sz="1400" b="0" i="0">
+              <a:latin typeface="+mn-lt"/>
+              <a:ea typeface="+mn-ea"/>
+            </a:endParaRPr>
+          </a:p>
+          <a:p>
+            <a:pPr marL="0" algn="l">
+              <a:spcBef>
+                <a:spcPct val="20000"/>
+              </a:spcBef>
+              <a:buClrTx/>
+              <a:buSzTx/>
+              <a:buFont typeface="Arial" panose="020B0604020202020204"/>
+            </a:pPr>
+            <a:r>
+              <a:rPr lang="en-US" altLang="zh-CN" sz="1400" b="0" i="0">
+                <a:latin typeface="+mn-lt"/>
+                <a:ea typeface="+mn-ea"/>
+              </a:rPr>
+              <a:t>      return &lt;WrappedComponent {...this.props} /&gt;;</a:t>
+            </a:r>
+            <a:endParaRPr lang="en-US" altLang="zh-CN" sz="1400" b="0" i="0">
+              <a:latin typeface="+mn-lt"/>
+              <a:ea typeface="+mn-ea"/>
+            </a:endParaRPr>
+          </a:p>
+          <a:p>
+            <a:pPr marL="0" algn="l">
+              <a:spcBef>
+                <a:spcPct val="20000"/>
+              </a:spcBef>
+              <a:buClrTx/>
+              <a:buSzTx/>
+              <a:buFont typeface="Arial" panose="020B0604020202020204"/>
+            </a:pPr>
+            <a:r>
+              <a:rPr lang="en-US" altLang="zh-CN" sz="1400" b="0" i="0">
+                <a:latin typeface="+mn-lt"/>
+                <a:ea typeface="+mn-ea"/>
+              </a:rPr>
+              <a:t>    }</a:t>
+            </a:r>
+            <a:endParaRPr lang="en-US" altLang="zh-CN" sz="1400" b="0" i="0">
+              <a:latin typeface="+mn-lt"/>
+              <a:ea typeface="+mn-ea"/>
+            </a:endParaRPr>
+          </a:p>
+          <a:p>
+            <a:pPr marL="0" algn="l">
+              <a:spcBef>
+                <a:spcPct val="20000"/>
+              </a:spcBef>
+              <a:buClrTx/>
+              <a:buSzTx/>
+              <a:buFont typeface="Arial" panose="020B0604020202020204"/>
+            </a:pPr>
+            <a:r>
+              <a:rPr lang="en-US" altLang="zh-CN" sz="1400" b="0" i="0">
+                <a:latin typeface="+mn-lt"/>
+                <a:ea typeface="+mn-ea"/>
+              </a:rPr>
+              <a:t>  }</a:t>
+            </a:r>
+            <a:endParaRPr lang="en-US" altLang="zh-CN" sz="1400" b="0" i="0">
+              <a:latin typeface="+mn-lt"/>
+              <a:ea typeface="+mn-ea"/>
+            </a:endParaRPr>
+          </a:p>
+          <a:p>
+            <a:pPr marL="0" algn="l">
+              <a:spcBef>
+                <a:spcPct val="20000"/>
+              </a:spcBef>
+              <a:buClrTx/>
+              <a:buSzTx/>
+              <a:buFont typeface="Arial" panose="020B0604020202020204"/>
+            </a:pPr>
+            <a:r>
+              <a:rPr lang="en-US" altLang="zh-CN" sz="1400" b="0" i="0">
+                <a:latin typeface="+mn-lt"/>
+                <a:ea typeface="+mn-ea"/>
+              </a:rPr>
+              <a:t>}</a:t>
+            </a:r>
+            <a:endParaRPr lang="en-US" altLang="zh-CN" sz="1400" b="0" i="0">
+              <a:latin typeface="+mn-lt"/>
+              <a:ea typeface="+mn-ea"/>
+            </a:endParaRPr>
+          </a:p>
+        </p:txBody>
+      </p:sp>
+      <p:sp>
+        <p:nvSpPr>
+          <p:cNvPr id="11" name="文本框 10"/>
+          <p:cNvSpPr txBox="1"/>
+          <p:nvPr/>
+        </p:nvSpPr>
+        <p:spPr>
+          <a:xfrm>
+            <a:off x="35560" y="6420803"/>
+            <a:ext cx="5080000" cy="337185"/>
+          </a:xfrm>
+          <a:prstGeom prst="rect">
+            <a:avLst/>
+          </a:prstGeom>
+        </p:spPr>
+        <p:txBody>
+          <a:bodyPr>
+            <a:spAutoFit/>
+          </a:bodyPr>
+          <a:p>
+            <a:pPr marL="0" algn="l" latinLnBrk="1">
+              <a:buClrTx/>
+              <a:buSzTx/>
+              <a:buFontTx/>
+            </a:pPr>
+            <a:r>
+              <a:rPr lang="zh-CN" altLang="en-US" sz="1600" b="1" i="1">
+                <a:solidFill>
+                  <a:srgbClr val="A0A1A7"/>
+                </a:solidFill>
+                <a:latin typeface="+mj-lt"/>
+                <a:ea typeface="Menlo"/>
+                <a:cs typeface="+mj-lt"/>
+              </a:rPr>
+              <a:t>export default </a:t>
+            </a:r>
+            <a:r>
+              <a:rPr lang="zh-CN" altLang="en-US" sz="1600" b="1" i="1">
+                <a:solidFill>
+                  <a:srgbClr val="FF0000"/>
+                </a:solidFill>
+                <a:latin typeface="+mj-lt"/>
+                <a:ea typeface="Menlo"/>
+                <a:cs typeface="+mj-lt"/>
+              </a:rPr>
+              <a:t>withRouter</a:t>
+            </a:r>
+            <a:r>
+              <a:rPr lang="zh-CN" altLang="en-US" sz="1600" b="1" i="1">
+                <a:solidFill>
+                  <a:srgbClr val="A0A1A7"/>
+                </a:solidFill>
+                <a:latin typeface="+mj-lt"/>
+                <a:ea typeface="Menlo"/>
+                <a:cs typeface="+mj-lt"/>
+              </a:rPr>
+              <a:t>(Login); //使用方式</a:t>
+            </a:r>
+            <a:endParaRPr lang="zh-CN" altLang="en-US" sz="1600" b="1" i="1">
+              <a:solidFill>
+                <a:srgbClr val="A0A1A7"/>
+              </a:solidFill>
+              <a:latin typeface="+mj-lt"/>
+              <a:ea typeface="Menlo"/>
+              <a:cs typeface="+mj-lt"/>
+            </a:endParaRPr>
+          </a:p>
+        </p:txBody>
+      </p:sp>
+    </p:spTree>
+  </p:cSld>
+  <p:clrMapOvr>
+    <a:masterClrMapping/>
+  </p:clrMapOvr>
+</p:sld>
+</file>
+
+<file path=ppt/slides/slide27.xml><?xml version="1.0" encoding="utf-8"?>
+<p:sld xmlns:a="http://schemas.openxmlformats.org/drawingml/2006/main" xmlns:r="http://schemas.openxmlformats.org/officeDocument/2006/relationships" xmlns:p="http://schemas.openxmlformats.org/presentationml/2006/main">
+  <p:cSld>
+    <p:spTree>
+      <p:nvGrpSpPr>
+        <p:cNvPr id="1" name=""/>
+        <p:cNvGrpSpPr/>
+        <p:nvPr/>
+      </p:nvGrpSpPr>
+      <p:grpSpPr/>
+      <p:sp>
+        <p:nvSpPr>
+          <p:cNvPr id="2" name="标题 1"/>
+          <p:cNvSpPr>
+            <a:spLocks noGrp="1"/>
+          </p:cNvSpPr>
+          <p:nvPr>
+            <p:ph type="title"/>
+          </p:nvPr>
+        </p:nvSpPr>
+        <p:spPr/>
+        <p:txBody>
+          <a:bodyPr/>
+          <a:p>
+            <a:r>
+              <a:rPr lang="en-US" altLang="zh-CN" u="heavy"/>
+              <a:t>HOC</a:t>
+            </a:r>
+            <a:endParaRPr lang="en-US" altLang="zh-CN" u="heavy"/>
+          </a:p>
+        </p:txBody>
+      </p:sp>
+      <p:sp>
+        <p:nvSpPr>
+          <p:cNvPr id="7" name="文本框 6"/>
+          <p:cNvSpPr txBox="1"/>
+          <p:nvPr/>
+        </p:nvSpPr>
+        <p:spPr>
+          <a:xfrm>
+            <a:off x="323215" y="1341120"/>
+            <a:ext cx="7434580" cy="2096770"/>
+          </a:xfrm>
+          <a:prstGeom prst="rect">
+            <a:avLst/>
+          </a:prstGeom>
+        </p:spPr>
+        <p:txBody>
+          <a:bodyPr>
+            <a:noAutofit/>
+          </a:bodyPr>
+          <a:p>
+            <a:pPr marL="0" algn="l">
+              <a:lnSpc>
+                <a:spcPct val="100000"/>
+              </a:lnSpc>
+              <a:spcBef>
+                <a:spcPct val="20000"/>
+              </a:spcBef>
+              <a:buClrTx/>
+              <a:buSzTx/>
+              <a:buFont typeface="Arial" panose="020B0604020202020204"/>
+              <a:buChar char="•"/>
+            </a:pPr>
+            <a:r>
+              <a:rPr lang="en-US" altLang="zh-CN" sz="1400" b="0" i="0">
+                <a:solidFill>
+                  <a:schemeClr val="tx1"/>
+                </a:solidFill>
+                <a:latin typeface="+mn-lt"/>
+                <a:ea typeface="+mn-ea"/>
+              </a:rPr>
+              <a:t>React Hook（包括自定义Hook）</a:t>
+            </a:r>
+            <a:r>
+              <a:rPr lang="en-US" altLang="zh-CN" sz="1400" b="0" i="0">
+                <a:solidFill>
+                  <a:srgbClr val="FF0000"/>
+                </a:solidFill>
+                <a:latin typeface="+mn-lt"/>
+                <a:ea typeface="+mn-ea"/>
+              </a:rPr>
+              <a:t>只能在函数组件</a:t>
+            </a:r>
+            <a:r>
+              <a:rPr lang="en-US" altLang="zh-CN" sz="1400" b="0" i="0">
+                <a:solidFill>
+                  <a:schemeClr val="tx1"/>
+                </a:solidFill>
+                <a:latin typeface="+mn-lt"/>
+                <a:ea typeface="+mn-ea"/>
+              </a:rPr>
+              <a:t>中使用</a:t>
+            </a:r>
+            <a:endParaRPr lang="en-US" altLang="zh-CN" sz="1400" b="0" i="0">
+              <a:solidFill>
+                <a:schemeClr val="tx1"/>
+              </a:solidFill>
+              <a:latin typeface="+mn-lt"/>
+              <a:ea typeface="+mn-ea"/>
+            </a:endParaRPr>
+          </a:p>
+          <a:p>
+            <a:pPr marL="0" algn="l">
+              <a:lnSpc>
+                <a:spcPct val="100000"/>
+              </a:lnSpc>
+              <a:spcBef>
+                <a:spcPct val="20000"/>
+              </a:spcBef>
+              <a:buClrTx/>
+              <a:buSzTx/>
+              <a:buFont typeface="Arial" panose="020B0604020202020204"/>
+              <a:buChar char="•"/>
+            </a:pPr>
+            <a:r>
+              <a:rPr lang="en-US" altLang="zh-CN" sz="1400" b="0" i="0">
+                <a:solidFill>
+                  <a:schemeClr val="tx1"/>
+                </a:solidFill>
+                <a:latin typeface="+mn-lt"/>
+                <a:ea typeface="+mn-ea"/>
+              </a:rPr>
+              <a:t>许多老代码库包含大量基于类的组件</a:t>
+            </a:r>
+            <a:endParaRPr lang="en-US" altLang="zh-CN" sz="1400" b="0" i="0">
+              <a:solidFill>
+                <a:schemeClr val="tx1"/>
+              </a:solidFill>
+              <a:latin typeface="+mn-lt"/>
+              <a:ea typeface="+mn-ea"/>
+            </a:endParaRPr>
+          </a:p>
+          <a:p>
+            <a:pPr marL="0" algn="l">
+              <a:lnSpc>
+                <a:spcPct val="100000"/>
+              </a:lnSpc>
+              <a:spcBef>
+                <a:spcPct val="20000"/>
+              </a:spcBef>
+              <a:buClrTx/>
+              <a:buSzTx/>
+              <a:buFont typeface="Arial" panose="020B0604020202020204"/>
+              <a:buChar char="•"/>
+            </a:pPr>
+            <a:r>
+              <a:rPr lang="en-US" altLang="zh-CN" sz="1400" b="0" i="0">
+                <a:solidFill>
+                  <a:schemeClr val="tx1"/>
+                </a:solidFill>
+                <a:latin typeface="+mn-lt"/>
+                <a:ea typeface="+mn-ea"/>
+              </a:rPr>
+              <a:t>HOC可以包裹类组件而不需要重写它们</a:t>
+            </a:r>
+            <a:endParaRPr lang="en-US" altLang="zh-CN" sz="1400" b="0" i="0">
+              <a:solidFill>
+                <a:schemeClr val="tx1"/>
+              </a:solidFill>
+              <a:latin typeface="+mn-lt"/>
+              <a:ea typeface="+mn-ea"/>
+            </a:endParaRPr>
+          </a:p>
+          <a:p>
+            <a:pPr marL="0" algn="l">
+              <a:lnSpc>
+                <a:spcPct val="100000"/>
+              </a:lnSpc>
+              <a:spcBef>
+                <a:spcPct val="20000"/>
+              </a:spcBef>
+              <a:buClrTx/>
+              <a:buSzTx/>
+              <a:buFont typeface="Arial" panose="020B0604020202020204"/>
+              <a:buChar char="•"/>
+            </a:pPr>
+            <a:r>
+              <a:rPr lang="en-US" altLang="zh-CN" sz="1400" b="0" i="0">
+                <a:solidFill>
+                  <a:schemeClr val="tx1"/>
+                </a:solidFill>
+                <a:latin typeface="+mn-lt"/>
+                <a:ea typeface="+mn-ea"/>
+              </a:rPr>
+              <a:t>可以在HOC中实现componentDidMount等逻辑</a:t>
+            </a:r>
+            <a:endParaRPr lang="en-US" altLang="zh-CN" sz="1400" b="0" i="0">
+              <a:solidFill>
+                <a:schemeClr val="tx1"/>
+              </a:solidFill>
+              <a:latin typeface="+mn-lt"/>
+              <a:ea typeface="+mn-ea"/>
+            </a:endParaRPr>
+          </a:p>
+          <a:p>
+            <a:pPr marL="0" algn="l">
+              <a:lnSpc>
+                <a:spcPct val="100000"/>
+              </a:lnSpc>
+              <a:spcBef>
+                <a:spcPct val="20000"/>
+              </a:spcBef>
+              <a:buClrTx/>
+              <a:buSzTx/>
+              <a:buFont typeface="Arial" panose="020B0604020202020204"/>
+              <a:buChar char="•"/>
+            </a:pPr>
+            <a:r>
+              <a:rPr lang="en-US" altLang="zh-CN" sz="1400" b="0" i="0">
+                <a:solidFill>
+                  <a:schemeClr val="tx1"/>
+                </a:solidFill>
+                <a:latin typeface="+mn-lt"/>
+                <a:ea typeface="+mn-ea"/>
+              </a:rPr>
+              <a:t>将生命周期逻辑与业务组件解耦</a:t>
+            </a:r>
+            <a:endParaRPr lang="en-US" altLang="zh-CN" sz="1400" b="0" i="0">
+              <a:solidFill>
+                <a:schemeClr val="tx1"/>
+              </a:solidFill>
+              <a:latin typeface="+mn-lt"/>
+              <a:ea typeface="+mn-ea"/>
+            </a:endParaRPr>
+          </a:p>
+          <a:p>
+            <a:pPr marL="0" algn="l">
+              <a:lnSpc>
+                <a:spcPct val="100000"/>
+              </a:lnSpc>
+              <a:spcBef>
+                <a:spcPct val="20000"/>
+              </a:spcBef>
+              <a:buClrTx/>
+              <a:buSzTx/>
+              <a:buFont typeface="Arial" panose="020B0604020202020204"/>
+              <a:buChar char="•"/>
+            </a:pPr>
+            <a:r>
+              <a:rPr lang="en-US" altLang="zh-CN" sz="1400" b="0" i="0">
+                <a:solidFill>
+                  <a:schemeClr val="tx1"/>
+                </a:solidFill>
+                <a:latin typeface="+mn-lt"/>
+                <a:ea typeface="+mn-ea"/>
+              </a:rPr>
+              <a:t>方便统一管理将被废弃的生命周期方法</a:t>
+            </a:r>
+            <a:endParaRPr lang="en-US" altLang="zh-CN" sz="1400" b="0" i="0">
+              <a:solidFill>
+                <a:schemeClr val="tx1"/>
+              </a:solidFill>
+              <a:latin typeface="+mn-lt"/>
+              <a:ea typeface="+mn-ea"/>
+            </a:endParaRPr>
+          </a:p>
+          <a:p>
+            <a:pPr marL="0" algn="l">
+              <a:lnSpc>
+                <a:spcPct val="100000"/>
+              </a:lnSpc>
+              <a:spcBef>
+                <a:spcPct val="20000"/>
+              </a:spcBef>
+              <a:buClrTx/>
+              <a:buSzTx/>
+              <a:buFont typeface="Arial" panose="020B0604020202020204"/>
+              <a:buChar char="•"/>
+            </a:pPr>
+            <a:r>
+              <a:rPr lang="zh-CN" altLang="en-US" sz="1400" b="0" i="0">
+                <a:solidFill>
+                  <a:schemeClr val="tx1"/>
+                </a:solidFill>
+                <a:latin typeface="+mn-lt"/>
+                <a:ea typeface="+mn-ea"/>
+              </a:rPr>
+              <a:t>可以</a:t>
+            </a:r>
+            <a:r>
+              <a:rPr lang="zh-CN" altLang="en-US" sz="1400" b="0" i="0">
+                <a:solidFill>
+                  <a:srgbClr val="FF0000"/>
+                </a:solidFill>
+                <a:latin typeface="+mn-lt"/>
+                <a:ea typeface="+mn-ea"/>
+              </a:rPr>
+              <a:t>修改</a:t>
+            </a:r>
+            <a:r>
+              <a:rPr lang="en-US" altLang="zh-CN" sz="1400" b="0" i="0">
+                <a:solidFill>
+                  <a:srgbClr val="FF0000"/>
+                </a:solidFill>
+                <a:latin typeface="+mn-lt"/>
+                <a:ea typeface="+mn-ea"/>
+              </a:rPr>
+              <a:t>/</a:t>
+            </a:r>
+            <a:r>
+              <a:rPr lang="zh-CN" altLang="en-US" sz="1400" b="0" i="0">
+                <a:solidFill>
+                  <a:srgbClr val="FF0000"/>
+                </a:solidFill>
+                <a:latin typeface="+mn-lt"/>
+                <a:ea typeface="+mn-ea"/>
+              </a:rPr>
+              <a:t>过滤</a:t>
+            </a:r>
+            <a:r>
+              <a:rPr lang="en-US" altLang="zh-CN" sz="1400" b="0" i="0">
+                <a:solidFill>
+                  <a:srgbClr val="FF0000"/>
+                </a:solidFill>
+                <a:latin typeface="+mn-lt"/>
+                <a:ea typeface="+mn-ea"/>
+              </a:rPr>
+              <a:t>/</a:t>
+            </a:r>
+            <a:r>
+              <a:rPr lang="zh-CN" altLang="en-US" sz="1400" b="0" i="0">
+                <a:solidFill>
+                  <a:srgbClr val="FF0000"/>
+                </a:solidFill>
+                <a:latin typeface="+mn-lt"/>
+                <a:ea typeface="+mn-ea"/>
+              </a:rPr>
+              <a:t>注入</a:t>
+            </a:r>
+            <a:r>
+              <a:rPr lang="en-US" altLang="zh-CN" sz="1400" b="0" i="0">
+                <a:solidFill>
+                  <a:srgbClr val="FF0000"/>
+                </a:solidFill>
+                <a:latin typeface="+mn-lt"/>
+                <a:ea typeface="+mn-ea"/>
+              </a:rPr>
+              <a:t> props</a:t>
+            </a:r>
+            <a:endParaRPr lang="en-US" altLang="zh-CN" sz="1400" b="0" i="0">
+              <a:solidFill>
+                <a:srgbClr val="FF0000"/>
+              </a:solidFill>
+              <a:latin typeface="+mn-lt"/>
+              <a:ea typeface="+mn-ea"/>
+            </a:endParaRPr>
+          </a:p>
+          <a:p>
+            <a:pPr marL="0" algn="l">
+              <a:lnSpc>
+                <a:spcPct val="100000"/>
+              </a:lnSpc>
+              <a:spcBef>
+                <a:spcPct val="20000"/>
+              </a:spcBef>
+              <a:buClrTx/>
+              <a:buSzTx/>
+              <a:buFont typeface="Arial" panose="020B0604020202020204"/>
+              <a:buChar char="•"/>
+            </a:pPr>
+            <a:r>
+              <a:rPr lang="zh-CN" altLang="en-US" sz="1400" b="0" i="0">
+                <a:solidFill>
+                  <a:schemeClr val="tx1"/>
+                </a:solidFill>
+                <a:latin typeface="+mn-lt"/>
+                <a:ea typeface="+mn-ea"/>
+              </a:rPr>
+              <a:t>通过</a:t>
+            </a:r>
+            <a:r>
+              <a:rPr lang="en-US" altLang="zh-CN" sz="1400" b="0" i="0">
+                <a:solidFill>
+                  <a:srgbClr val="FF0000"/>
+                </a:solidFill>
+                <a:latin typeface="+mn-lt"/>
+                <a:ea typeface="+mn-ea"/>
+              </a:rPr>
+              <a:t> {...props}</a:t>
+            </a:r>
+            <a:r>
+              <a:rPr lang="en-US" altLang="zh-CN" sz="1400" b="0" i="0">
+                <a:solidFill>
+                  <a:schemeClr val="tx1"/>
+                </a:solidFill>
+                <a:latin typeface="+mn-lt"/>
+                <a:ea typeface="+mn-ea"/>
+              </a:rPr>
+              <a:t> </a:t>
+            </a:r>
+            <a:r>
+              <a:rPr lang="zh-CN" altLang="en-US" sz="1400" b="0" i="0">
+                <a:solidFill>
+                  <a:schemeClr val="tx1"/>
+                </a:solidFill>
+                <a:latin typeface="+mn-lt"/>
+                <a:ea typeface="+mn-ea"/>
+              </a:rPr>
+              <a:t>传递</a:t>
+            </a:r>
+            <a:endParaRPr lang="zh-CN" altLang="en-US" sz="1400" b="0" i="0">
+              <a:solidFill>
+                <a:schemeClr val="tx1"/>
+              </a:solidFill>
+              <a:latin typeface="+mn-lt"/>
+              <a:ea typeface="+mn-ea"/>
+            </a:endParaRPr>
+          </a:p>
+        </p:txBody>
+      </p:sp>
+      <p:sp>
+        <p:nvSpPr>
+          <p:cNvPr id="11" name="内容占位符 10"/>
+          <p:cNvSpPr>
+            <a:spLocks noGrp="1"/>
+          </p:cNvSpPr>
+          <p:nvPr>
+            <p:ph idx="1"/>
+          </p:nvPr>
+        </p:nvSpPr>
+        <p:spPr>
+          <a:xfrm>
+            <a:off x="4643755" y="3717290"/>
+            <a:ext cx="5091430" cy="4526280"/>
+          </a:xfrm>
+        </p:spPr>
+        <p:txBody>
+          <a:bodyPr/>
+          <a:p>
+            <a:pPr marL="0" indent="0">
+              <a:buNone/>
+            </a:pPr>
+            <a:r>
+              <a:rPr lang="en-US" altLang="zh-CN" sz="1400"/>
+              <a:t>function </a:t>
+            </a:r>
+            <a:r>
+              <a:rPr lang="en-US" altLang="zh-CN" sz="1400">
+                <a:solidFill>
+                  <a:srgbClr val="FF0000"/>
+                </a:solidFill>
+              </a:rPr>
+              <a:t>withFormMethods</a:t>
+            </a:r>
+            <a:r>
+              <a:rPr lang="en-US" altLang="zh-CN" sz="1400"/>
+              <a:t>(WrappedComponent) {</a:t>
+            </a:r>
+            <a:endParaRPr lang="en-US" altLang="zh-CN" sz="1400"/>
+          </a:p>
+          <a:p>
+            <a:pPr marL="0" indent="0">
+              <a:buNone/>
+            </a:pPr>
+            <a:r>
+              <a:rPr lang="en-US" altLang="zh-CN" sz="1400"/>
+              <a:t>  return React.forwardRef((props, ref) =&gt; {</a:t>
+            </a:r>
+            <a:endParaRPr lang="en-US" altLang="zh-CN" sz="1400"/>
+          </a:p>
+          <a:p>
+            <a:pPr marL="0" indent="0">
+              <a:buNone/>
+            </a:pPr>
+            <a:r>
+              <a:rPr lang="en-US" altLang="zh-CN" sz="1400"/>
+              <a:t>    const [form] = Form.useForm();</a:t>
+            </a:r>
+            <a:endParaRPr lang="en-US" altLang="zh-CN" sz="1400"/>
+          </a:p>
+          <a:p>
+            <a:pPr marL="0" indent="0">
+              <a:buNone/>
+            </a:pPr>
+            <a:r>
+              <a:rPr lang="en-US" altLang="zh-CN" sz="1400"/>
+              <a:t>    </a:t>
+            </a:r>
+            <a:endParaRPr lang="en-US" altLang="zh-CN" sz="1400"/>
+          </a:p>
+          <a:p>
+            <a:pPr marL="0" indent="0">
+              <a:buNone/>
+            </a:pPr>
+            <a:r>
+              <a:rPr lang="en-US" altLang="zh-CN" sz="1400"/>
+              <a:t>    React.useImperativeHandle(ref, () =&gt; ({</a:t>
+            </a:r>
+            <a:endParaRPr lang="en-US" altLang="zh-CN" sz="1400"/>
+          </a:p>
+          <a:p>
+            <a:pPr marL="0" indent="0">
+              <a:buNone/>
+            </a:pPr>
+            <a:r>
+              <a:rPr lang="en-US" altLang="zh-CN" sz="1400"/>
+              <a:t>      validateFields: form.validateFields,</a:t>
+            </a:r>
+            <a:endParaRPr lang="en-US" altLang="zh-CN" sz="1400"/>
+          </a:p>
+          <a:p>
+            <a:pPr marL="0" indent="0">
+              <a:buNone/>
+            </a:pPr>
+            <a:r>
+              <a:rPr lang="en-US" altLang="zh-CN" sz="1400"/>
+              <a:t>      // ...</a:t>
+            </a:r>
+            <a:r>
+              <a:rPr lang="zh-CN" altLang="en-US" sz="1400"/>
+              <a:t>其他方法</a:t>
+            </a:r>
+            <a:endParaRPr lang="zh-CN" altLang="en-US" sz="1400"/>
+          </a:p>
+          <a:p>
+            <a:pPr marL="0" indent="0">
+              <a:buNone/>
+            </a:pPr>
+            <a:r>
+              <a:rPr lang="en-US" altLang="zh-CN" sz="1400"/>
+              <a:t>    }));  </a:t>
+            </a:r>
+            <a:endParaRPr lang="en-US" altLang="zh-CN" sz="1400"/>
+          </a:p>
+          <a:p>
+            <a:pPr marL="0" indent="0">
+              <a:buNone/>
+            </a:pPr>
+            <a:r>
+              <a:rPr lang="en-US" altLang="zh-CN" sz="1400"/>
+              <a:t>    return &lt;WrappedComponent {...props} form={form} /&gt;;</a:t>
+            </a:r>
+            <a:endParaRPr lang="en-US" altLang="zh-CN" sz="1400"/>
+          </a:p>
+          <a:p>
+            <a:pPr marL="0" indent="0">
+              <a:buNone/>
+            </a:pPr>
+            <a:r>
+              <a:rPr lang="en-US" altLang="zh-CN" sz="1400"/>
+              <a:t>  });</a:t>
+            </a:r>
+            <a:endParaRPr lang="en-US" altLang="zh-CN" sz="1400"/>
+          </a:p>
+          <a:p>
+            <a:pPr marL="0" indent="0">
+              <a:buNone/>
+            </a:pPr>
+            <a:r>
+              <a:rPr lang="en-US" altLang="zh-CN" sz="1400"/>
+              <a:t>}</a:t>
+            </a:r>
+            <a:endParaRPr lang="en-US" altLang="zh-CN" sz="1400"/>
+          </a:p>
+          <a:p>
+            <a:pPr marL="0" indent="0">
+              <a:buNone/>
+            </a:pPr>
+            <a:endParaRPr lang="en-US" altLang="zh-CN" sz="1400"/>
+          </a:p>
+        </p:txBody>
+      </p:sp>
+      <p:sp>
+        <p:nvSpPr>
+          <p:cNvPr id="17" name="文本框 16"/>
+          <p:cNvSpPr txBox="1"/>
+          <p:nvPr/>
+        </p:nvSpPr>
+        <p:spPr>
+          <a:xfrm>
+            <a:off x="107315" y="3717290"/>
+            <a:ext cx="4572000" cy="2891790"/>
+          </a:xfrm>
+          <a:prstGeom prst="rect">
+            <a:avLst/>
+          </a:prstGeom>
+          <a:noFill/>
+        </p:spPr>
+        <p:txBody>
+          <a:bodyPr wrap="square" rtlCol="0" anchor="t">
+            <a:spAutoFit/>
+          </a:bodyPr>
+          <a:p>
+            <a:r>
+              <a:rPr lang="en-US" altLang="zh-CN" sz="1400"/>
+              <a:t>function </a:t>
+            </a:r>
+            <a:r>
+              <a:rPr lang="en-US" altLang="zh-CN" sz="1400">
+                <a:solidFill>
+                  <a:srgbClr val="FF0000"/>
+                </a:solidFill>
+              </a:rPr>
+              <a:t>withLogger</a:t>
+            </a:r>
+            <a:r>
+              <a:rPr lang="en-US" altLang="zh-CN" sz="1400"/>
+              <a:t>(WrappedComponent) {</a:t>
+            </a:r>
+            <a:endParaRPr lang="en-US" altLang="zh-CN" sz="1400"/>
+          </a:p>
+          <a:p>
+            <a:r>
+              <a:rPr lang="en-US" altLang="zh-CN" sz="1400"/>
+              <a:t>  return function EnhancedComponent(props) {</a:t>
+            </a:r>
+            <a:endParaRPr lang="en-US" altLang="zh-CN" sz="1400"/>
+          </a:p>
+          <a:p>
+            <a:r>
+              <a:rPr lang="en-US" altLang="zh-CN" sz="1400"/>
+              <a:t>    useEffect(() =&gt; {</a:t>
+            </a:r>
+            <a:endParaRPr lang="en-US" altLang="zh-CN" sz="1400"/>
+          </a:p>
+          <a:p>
+            <a:r>
+              <a:rPr lang="en-US" altLang="zh-CN" sz="1400"/>
+              <a:t>      console.log('Component rendered:', WrappedComponent.name);</a:t>
+            </a:r>
+            <a:endParaRPr lang="en-US" altLang="zh-CN" sz="1400"/>
+          </a:p>
+          <a:p>
+            <a:r>
+              <a:rPr lang="en-US" altLang="zh-CN" sz="1400"/>
+              <a:t>    }, []);</a:t>
+            </a:r>
+            <a:endParaRPr lang="en-US" altLang="zh-CN" sz="1400"/>
+          </a:p>
+          <a:p>
+            <a:r>
+              <a:rPr lang="en-US" altLang="zh-CN" sz="1400"/>
+              <a:t>    </a:t>
+            </a:r>
+            <a:endParaRPr lang="en-US" altLang="zh-CN" sz="1400"/>
+          </a:p>
+          <a:p>
+            <a:r>
+              <a:rPr lang="en-US" altLang="zh-CN" sz="1400"/>
+              <a:t>    return &lt;WrappedComponent {...props} /&gt;;</a:t>
+            </a:r>
+            <a:endParaRPr lang="en-US" altLang="zh-CN" sz="1400"/>
+          </a:p>
+          <a:p>
+            <a:r>
+              <a:rPr lang="en-US" altLang="zh-CN" sz="1400"/>
+              <a:t>  }</a:t>
+            </a:r>
+            <a:endParaRPr lang="en-US" altLang="zh-CN" sz="1400"/>
+          </a:p>
+          <a:p>
+            <a:r>
+              <a:rPr lang="en-US" altLang="zh-CN" sz="1400"/>
+              <a:t>}</a:t>
+            </a:r>
+            <a:endParaRPr lang="en-US" altLang="zh-CN" sz="1400"/>
+          </a:p>
+          <a:p>
+            <a:endParaRPr lang="en-US" altLang="zh-CN" sz="1400"/>
+          </a:p>
+          <a:p>
+            <a:r>
+              <a:rPr lang="en-US" altLang="zh-CN" sz="1400"/>
+              <a:t>// </a:t>
+            </a:r>
+            <a:r>
+              <a:rPr lang="zh-CN" altLang="en-US" sz="1400"/>
+              <a:t>使用</a:t>
+            </a:r>
+            <a:endParaRPr lang="zh-CN" altLang="en-US" sz="1400"/>
+          </a:p>
+          <a:p>
+            <a:r>
+              <a:rPr lang="en-US" altLang="zh-CN" sz="1400"/>
+              <a:t>const EnhancedButton = withLogger(Button);</a:t>
+            </a:r>
+            <a:endParaRPr lang="zh-CN" altLang="en-US" sz="1400"/>
+          </a:p>
+        </p:txBody>
+      </p:sp>
+    </p:spTree>
+  </p:cSld>
+  <p:clrMapOvr>
+    <a:masterClrMapping/>
+  </p:clrMapOvr>
+</p:sld>
+</file>
+
+<file path=ppt/slides/slide28.xml><?xml version="1.0" encoding="utf-8"?>
+<p:sld xmlns:a="http://schemas.openxmlformats.org/drawingml/2006/main" xmlns:r="http://schemas.openxmlformats.org/officeDocument/2006/relationships" xmlns:p="http://schemas.openxmlformats.org/presentationml/2006/main">
+  <p:cSld>
+    <p:spTree>
+      <p:nvGrpSpPr>
+        <p:cNvPr id="1" name=""/>
+        <p:cNvGrpSpPr/>
+        <p:nvPr/>
+      </p:nvGrpSpPr>
+      <p:grpSpPr/>
+      <p:sp>
+        <p:nvSpPr>
+          <p:cNvPr id="2" name="标题 1"/>
+          <p:cNvSpPr>
+            <a:spLocks noGrp="1"/>
+          </p:cNvSpPr>
+          <p:nvPr>
+            <p:ph type="title"/>
+          </p:nvPr>
+        </p:nvSpPr>
+        <p:spPr/>
+        <p:txBody>
+          <a:bodyPr/>
+          <a:p>
+            <a:r>
+              <a:rPr lang="en-US" altLang="zh-CN" u="heavy"/>
+              <a:t> Wrapper  </a:t>
+            </a:r>
+            <a:r>
+              <a:rPr lang="en-US" altLang="zh-CN" u="heavy">
+                <a:sym typeface="+mn-ea"/>
+              </a:rPr>
+              <a:t> </a:t>
+            </a:r>
+            <a:endParaRPr lang="en-US" altLang="zh-CN" u="heavy"/>
+          </a:p>
+        </p:txBody>
+      </p:sp>
+      <p:sp>
+        <p:nvSpPr>
+          <p:cNvPr id="5" name="文本框 4"/>
+          <p:cNvSpPr txBox="1"/>
+          <p:nvPr/>
+        </p:nvSpPr>
+        <p:spPr>
+          <a:xfrm>
+            <a:off x="179070" y="2924810"/>
+            <a:ext cx="5580380" cy="3653790"/>
+          </a:xfrm>
+          <a:prstGeom prst="rect">
+            <a:avLst/>
+          </a:prstGeom>
+          <a:noFill/>
+        </p:spPr>
+        <p:txBody>
+          <a:bodyPr wrap="square" rtlCol="0" anchor="t">
+            <a:noAutofit/>
+          </a:bodyPr>
+          <a:p>
+            <a:r>
+              <a:rPr lang="en-US" altLang="zh-CN" sz="1400"/>
+              <a:t>function </a:t>
+            </a:r>
+            <a:r>
+              <a:rPr lang="en-US" altLang="zh-CN" sz="1400">
+                <a:solidFill>
+                  <a:srgbClr val="FF0000"/>
+                </a:solidFill>
+              </a:rPr>
+              <a:t>CardWrapper</a:t>
+            </a:r>
+            <a:r>
+              <a:rPr lang="en-US" altLang="zh-CN" sz="1400"/>
+              <a:t>({ children }) {</a:t>
+            </a:r>
+            <a:endParaRPr lang="en-US" altLang="zh-CN" sz="1400"/>
+          </a:p>
+          <a:p>
+            <a:r>
+              <a:rPr lang="en-US" altLang="zh-CN" sz="1400"/>
+              <a:t>  return (</a:t>
+            </a:r>
+            <a:endParaRPr lang="en-US" altLang="zh-CN" sz="1400"/>
+          </a:p>
+          <a:p>
+            <a:r>
+              <a:rPr lang="en-US" altLang="zh-CN" sz="1400"/>
+              <a:t>    &lt;div className="card-style"&gt;</a:t>
+            </a:r>
+            <a:endParaRPr lang="en-US" altLang="zh-CN" sz="1400"/>
+          </a:p>
+          <a:p>
+            <a:r>
+              <a:rPr lang="en-US" altLang="zh-CN" sz="1400"/>
+              <a:t>      &lt;div className="card-content"&gt;{children}&lt;/div&gt;</a:t>
+            </a:r>
+            <a:endParaRPr lang="en-US" altLang="zh-CN" sz="1400"/>
+          </a:p>
+          <a:p>
+            <a:r>
+              <a:rPr lang="en-US" altLang="zh-CN" sz="1400"/>
+              <a:t>    &lt;/div&gt;</a:t>
+            </a:r>
+            <a:endParaRPr lang="en-US" altLang="zh-CN" sz="1400"/>
+          </a:p>
+          <a:p>
+            <a:r>
+              <a:rPr lang="en-US" altLang="zh-CN" sz="1400"/>
+              <a:t>  );</a:t>
+            </a:r>
+            <a:endParaRPr lang="en-US" altLang="zh-CN" sz="1400"/>
+          </a:p>
+          <a:p>
+            <a:r>
+              <a:rPr lang="en-US" altLang="zh-CN" sz="1400"/>
+              <a:t>}</a:t>
+            </a:r>
+            <a:endParaRPr lang="en-US" altLang="zh-CN" sz="1400"/>
+          </a:p>
+          <a:p>
+            <a:endParaRPr lang="en-US" altLang="zh-CN" sz="1400"/>
+          </a:p>
+          <a:p>
+            <a:r>
+              <a:rPr lang="en-US" altLang="zh-CN" sz="1400"/>
+              <a:t>// </a:t>
+            </a:r>
+            <a:r>
+              <a:rPr lang="zh-CN" altLang="en-US" sz="1400"/>
+              <a:t>使用</a:t>
+            </a:r>
+            <a:endParaRPr lang="zh-CN" altLang="en-US" sz="1400"/>
+          </a:p>
+          <a:p>
+            <a:r>
+              <a:rPr lang="en-US" altLang="zh-CN" sz="1400"/>
+              <a:t>&lt;CardWrapper&gt;</a:t>
+            </a:r>
+            <a:endParaRPr lang="en-US" altLang="zh-CN" sz="1400"/>
+          </a:p>
+          <a:p>
+            <a:r>
+              <a:rPr lang="en-US" altLang="zh-CN" sz="1400"/>
+              <a:t>  &lt;UserProfile /&gt;</a:t>
+            </a:r>
+            <a:endParaRPr lang="en-US" altLang="zh-CN" sz="1400"/>
+          </a:p>
+          <a:p>
+            <a:r>
+              <a:rPr lang="en-US" altLang="zh-CN" sz="1400"/>
+              <a:t>&lt;/CardWrapper&gt;</a:t>
+            </a:r>
+            <a:endParaRPr lang="zh-CN" altLang="en-US" sz="1400"/>
+          </a:p>
+        </p:txBody>
+      </p:sp>
+      <p:sp>
+        <p:nvSpPr>
+          <p:cNvPr id="6" name="文本框 5"/>
+          <p:cNvSpPr txBox="1"/>
+          <p:nvPr/>
+        </p:nvSpPr>
+        <p:spPr>
+          <a:xfrm>
+            <a:off x="899795" y="1557020"/>
+            <a:ext cx="5080000" cy="641350"/>
+          </a:xfrm>
+          <a:prstGeom prst="rect">
+            <a:avLst/>
+          </a:prstGeom>
+        </p:spPr>
+        <p:txBody>
+          <a:bodyPr>
+            <a:spAutoFit/>
+          </a:bodyPr>
+          <a:p>
+            <a:pPr marL="0" indent="0" algn="l">
+              <a:lnSpc>
+                <a:spcPts val="2145"/>
+              </a:lnSpc>
+              <a:spcBef>
+                <a:spcPct val="0"/>
+              </a:spcBef>
+              <a:spcAft>
+                <a:spcPct val="0"/>
+              </a:spcAft>
+              <a:buFont typeface="Arial" panose="020B0604020202020204"/>
+              <a:buChar char="•"/>
+            </a:pPr>
+            <a:r>
+              <a:rPr lang="zh-CN" altLang="en-US" sz="2100" b="0" i="0">
+                <a:solidFill>
+                  <a:srgbClr val="404040"/>
+                </a:solidFill>
+                <a:latin typeface="DeepSeek-CJK-patch"/>
+                <a:ea typeface="DeepSeek-CJK-patch"/>
+              </a:rPr>
+              <a:t>通常直接传递所有 </a:t>
+            </a:r>
+            <a:r>
+              <a:rPr lang="en-US" altLang="zh-CN" sz="2100" b="0" i="0">
+                <a:solidFill>
+                  <a:srgbClr val="404040"/>
+                </a:solidFill>
+                <a:latin typeface="DeepSeek-CJK-patch"/>
+                <a:ea typeface="DeepSeek-CJK-patch"/>
+              </a:rPr>
+              <a:t>props </a:t>
+            </a:r>
+            <a:r>
+              <a:rPr lang="zh-CN" altLang="en-US" sz="2100" b="0" i="0">
+                <a:solidFill>
+                  <a:srgbClr val="404040"/>
+                </a:solidFill>
+                <a:latin typeface="DeepSeek-CJK-patch"/>
+                <a:ea typeface="DeepSeek-CJK-patch"/>
+              </a:rPr>
+              <a:t>给 </a:t>
+            </a:r>
+            <a:r>
+              <a:rPr lang="en-US" altLang="zh-CN" sz="2100" b="0" i="0">
+                <a:solidFill>
+                  <a:srgbClr val="404040"/>
+                </a:solidFill>
+                <a:latin typeface="DeepSeek-CJK-patch"/>
+                <a:ea typeface="DeepSeek-CJK-patch"/>
+              </a:rPr>
+              <a:t>children</a:t>
+            </a:r>
+            <a:endParaRPr lang="en-US" altLang="zh-CN" sz="2100" b="0" i="0">
+              <a:solidFill>
+                <a:srgbClr val="404040"/>
+              </a:solidFill>
+              <a:latin typeface="DeepSeek-CJK-patch"/>
+              <a:ea typeface="DeepSeek-CJK-patch"/>
+            </a:endParaRPr>
+          </a:p>
+          <a:p>
+            <a:pPr marL="0" indent="0" algn="l">
+              <a:lnSpc>
+                <a:spcPts val="2145"/>
+              </a:lnSpc>
+              <a:spcBef>
+                <a:spcPct val="0"/>
+              </a:spcBef>
+              <a:spcAft>
+                <a:spcPct val="0"/>
+              </a:spcAft>
+              <a:buFont typeface="Arial" panose="020B0604020202020204"/>
+              <a:buChar char="•"/>
+            </a:pPr>
+            <a:r>
+              <a:rPr lang="zh-CN" altLang="en-US" sz="2100" b="0" i="0">
+                <a:solidFill>
+                  <a:srgbClr val="404040"/>
+                </a:solidFill>
+                <a:latin typeface="DeepSeek-CJK-patch"/>
+                <a:ea typeface="DeepSeek-CJK-patch"/>
+              </a:rPr>
+              <a:t>通过</a:t>
+            </a:r>
+            <a:r>
+              <a:rPr lang="en-US" altLang="zh-CN" sz="2100" b="0" i="0">
+                <a:solidFill>
+                  <a:srgbClr val="404040"/>
+                </a:solidFill>
+                <a:latin typeface="DeepSeek-CJK-patch"/>
+                <a:ea typeface="DeepSeek-CJK-patch"/>
+              </a:rPr>
+              <a:t> </a:t>
+            </a:r>
+            <a:r>
+              <a:rPr lang="en-US" altLang="zh-CN" sz="1600" b="0" i="0">
+                <a:solidFill>
+                  <a:srgbClr val="404040"/>
+                </a:solidFill>
+                <a:latin typeface="Menlo"/>
+                <a:ea typeface="Menlo"/>
+              </a:rPr>
+              <a:t>children</a:t>
+            </a:r>
+            <a:r>
+              <a:rPr lang="en-US" altLang="zh-CN" sz="2100" b="0" i="0">
+                <a:solidFill>
+                  <a:srgbClr val="404040"/>
+                </a:solidFill>
+                <a:latin typeface="DeepSeek-CJK-patch"/>
+                <a:ea typeface="DeepSeek-CJK-patch"/>
+              </a:rPr>
+              <a:t> </a:t>
+            </a:r>
+            <a:r>
+              <a:rPr lang="zh-CN" altLang="en-US" sz="2100" b="0" i="0">
+                <a:solidFill>
+                  <a:srgbClr val="404040"/>
+                </a:solidFill>
+                <a:latin typeface="DeepSeek-CJK-patch"/>
+                <a:ea typeface="DeepSeek-CJK-patch"/>
+              </a:rPr>
+              <a:t>属性接收内容</a:t>
+            </a:r>
+            <a:endParaRPr lang="zh-CN" altLang="en-US" sz="2100" b="0" i="0">
+              <a:solidFill>
+                <a:srgbClr val="404040"/>
+              </a:solidFill>
+              <a:latin typeface="DeepSeek-CJK-patch"/>
+              <a:ea typeface="DeepSeek-CJK-patch"/>
+            </a:endParaRPr>
+          </a:p>
+        </p:txBody>
+      </p:sp>
+      <p:sp>
+        <p:nvSpPr>
+          <p:cNvPr id="8" name="文本框 7"/>
+          <p:cNvSpPr txBox="1"/>
+          <p:nvPr/>
+        </p:nvSpPr>
+        <p:spPr>
+          <a:xfrm>
+            <a:off x="4932045" y="2997200"/>
+            <a:ext cx="4572000" cy="922020"/>
+          </a:xfrm>
+          <a:prstGeom prst="rect">
+            <a:avLst/>
+          </a:prstGeom>
+          <a:noFill/>
+        </p:spPr>
+        <p:txBody>
+          <a:bodyPr wrap="square" rtlCol="0" anchor="t">
+            <a:spAutoFit/>
+          </a:bodyPr>
+          <a:p>
+            <a:r>
+              <a:rPr lang="en-US" altLang="zh-CN"/>
+              <a:t>function </a:t>
+            </a:r>
+            <a:r>
+              <a:rPr lang="en-US" altLang="zh-CN">
+                <a:solidFill>
+                  <a:srgbClr val="FF0000"/>
+                </a:solidFill>
+              </a:rPr>
+              <a:t>Panel</a:t>
+            </a:r>
+            <a:r>
+              <a:rPr lang="en-US" altLang="zh-CN"/>
+              <a:t>({ children, </a:t>
+            </a:r>
+            <a:r>
+              <a:rPr lang="en-US" altLang="zh-CN">
+                <a:solidFill>
+                  <a:srgbClr val="FF0000"/>
+                </a:solidFill>
+              </a:rPr>
+              <a:t>...props</a:t>
+            </a:r>
+            <a:r>
+              <a:rPr lang="en-US" altLang="zh-CN"/>
+              <a:t> }) {</a:t>
+            </a:r>
+            <a:endParaRPr lang="en-US" altLang="zh-CN"/>
+          </a:p>
+          <a:p>
+            <a:r>
+              <a:rPr lang="en-US" altLang="zh-CN"/>
+              <a:t>  return &lt;div</a:t>
+            </a:r>
+            <a:r>
+              <a:rPr lang="en-US" altLang="zh-CN">
+                <a:solidFill>
+                  <a:srgbClr val="FF0000"/>
+                </a:solidFill>
+              </a:rPr>
+              <a:t> {...props}</a:t>
+            </a:r>
+            <a:r>
+              <a:rPr lang="en-US" altLang="zh-CN"/>
+              <a:t>&gt;{children}&lt;/div&gt;;</a:t>
+            </a:r>
+            <a:endParaRPr lang="en-US" altLang="zh-CN"/>
+          </a:p>
+          <a:p>
+            <a:r>
+              <a:rPr lang="en-US" altLang="zh-CN"/>
+              <a:t>}</a:t>
+            </a:r>
+            <a:endParaRPr lang="zh-CN" altLang="en-US"/>
+          </a:p>
+        </p:txBody>
+      </p:sp>
+    </p:spTree>
+  </p:cSld>
+  <p:clrMapOvr>
+    <a:masterClrMapping/>
+  </p:clrMapOvr>
+</p:sld>
+</file>
+
+<file path=ppt/slides/slide29.xml><?xml version="1.0" encoding="utf-8"?>
+<p:sld xmlns:a="http://schemas.openxmlformats.org/drawingml/2006/main" xmlns:r="http://schemas.openxmlformats.org/officeDocument/2006/relationships" xmlns:p="http://schemas.openxmlformats.org/presentationml/2006/main">
+  <p:cSld>
+    <p:spTree>
+      <p:nvGrpSpPr>
+        <p:cNvPr id="1" name=""/>
+        <p:cNvGrpSpPr/>
+        <p:nvPr/>
+      </p:nvGrpSpPr>
+      <p:grpSpPr/>
+      <p:sp>
+        <p:nvSpPr>
+          <p:cNvPr id="2" name="标题 1"/>
+          <p:cNvSpPr>
+            <a:spLocks noGrp="1"/>
+          </p:cNvSpPr>
+          <p:nvPr>
+            <p:ph type="title"/>
+          </p:nvPr>
+        </p:nvSpPr>
+        <p:spPr/>
+        <p:txBody>
+          <a:bodyPr/>
+          <a:p>
+            <a:r>
+              <a:rPr lang="en-US" altLang="zh-CN" u="heavy"/>
+              <a:t> Wrapper  </a:t>
+            </a:r>
+            <a:r>
+              <a:rPr lang="en-US" altLang="zh-CN" u="heavy">
+                <a:sym typeface="+mn-ea"/>
+              </a:rPr>
+              <a:t> </a:t>
+            </a:r>
+            <a:endParaRPr lang="en-US" altLang="zh-CN" u="heavy"/>
+          </a:p>
+        </p:txBody>
+      </p:sp>
+      <p:sp>
+        <p:nvSpPr>
+          <p:cNvPr id="3" name="内容占位符 2"/>
+          <p:cNvSpPr>
+            <a:spLocks noGrp="1"/>
+          </p:cNvSpPr>
+          <p:nvPr>
+            <p:ph idx="1"/>
+          </p:nvPr>
+        </p:nvSpPr>
+        <p:spPr/>
+        <p:txBody>
+          <a:bodyPr/>
+          <a:p>
+            <a:pPr marL="0" indent="0">
+              <a:buNone/>
+            </a:pPr>
+            <a:r>
+              <a:rPr lang="en-US" altLang="zh-CN" sz="1600"/>
+              <a:t>const WrapperClassChildAddForm = React.forwardRef((props, ref) =&gt; {</a:t>
+            </a:r>
+            <a:endParaRPr lang="en-US" altLang="zh-CN" sz="1600"/>
+          </a:p>
+          <a:p>
+            <a:pPr marL="0" indent="0">
+              <a:buNone/>
+            </a:pPr>
+            <a:r>
+              <a:rPr lang="en-US" altLang="zh-CN" sz="1600"/>
+              <a:t>    const [form] = Form.useForm();</a:t>
+            </a:r>
+            <a:endParaRPr lang="en-US" altLang="zh-CN" sz="1600"/>
+          </a:p>
+          <a:p>
+            <a:pPr marL="0" indent="0">
+              <a:buNone/>
+            </a:pPr>
+            <a:r>
+              <a:rPr lang="en-US" altLang="zh-CN" sz="1600"/>
+              <a:t>    // Expose form methods to parent via ref</a:t>
+            </a:r>
+            <a:endParaRPr lang="en-US" altLang="zh-CN" sz="1600"/>
+          </a:p>
+          <a:p>
+            <a:pPr marL="0" indent="0">
+              <a:buNone/>
+            </a:pPr>
+            <a:r>
+              <a:rPr lang="en-US" altLang="zh-CN" sz="1600"/>
+              <a:t>    React.useImperativeHandle(ref, () =&gt; ({</a:t>
+            </a:r>
+            <a:endParaRPr lang="en-US" altLang="zh-CN" sz="1600"/>
+          </a:p>
+          <a:p>
+            <a:pPr marL="0" indent="0">
+              <a:buNone/>
+            </a:pPr>
+            <a:r>
+              <a:rPr lang="en-US" altLang="zh-CN" sz="1600"/>
+              <a:t>        validateFields: form.validateFields,</a:t>
+            </a:r>
+            <a:endParaRPr lang="en-US" altLang="zh-CN" sz="1600"/>
+          </a:p>
+          <a:p>
+            <a:pPr marL="0" indent="0">
+              <a:buNone/>
+            </a:pPr>
+            <a:r>
+              <a:rPr lang="en-US" altLang="zh-CN" sz="1600"/>
+              <a:t>        getFieldsValue: form.getFieldsValue,</a:t>
+            </a:r>
+            <a:endParaRPr lang="en-US" altLang="zh-CN" sz="1600"/>
+          </a:p>
+          <a:p>
+            <a:pPr marL="0" indent="0">
+              <a:buNone/>
+            </a:pPr>
+            <a:r>
+              <a:rPr lang="en-US" altLang="zh-CN" sz="1600"/>
+              <a:t>        setFieldsValue: form.setFieldsValue,</a:t>
+            </a:r>
+            <a:endParaRPr lang="en-US" altLang="zh-CN" sz="1600"/>
+          </a:p>
+          <a:p>
+            <a:pPr marL="0" indent="0">
+              <a:buNone/>
+            </a:pPr>
+            <a:r>
+              <a:rPr lang="en-US" altLang="zh-CN" sz="1600"/>
+              <a:t>        resetFields: form.resetFields</a:t>
+            </a:r>
+            <a:endParaRPr lang="en-US" altLang="zh-CN" sz="1600"/>
+          </a:p>
+          <a:p>
+            <a:pPr marL="0" indent="0">
+              <a:buNone/>
+            </a:pPr>
+            <a:r>
+              <a:rPr lang="en-US" altLang="zh-CN" sz="1600"/>
+              <a:t>    }));</a:t>
+            </a:r>
+            <a:endParaRPr lang="en-US" altLang="zh-CN" sz="1600"/>
+          </a:p>
+          <a:p>
+            <a:pPr marL="0" indent="0">
+              <a:buNone/>
+            </a:pPr>
+            <a:endParaRPr lang="en-US" altLang="zh-CN" sz="1600"/>
+          </a:p>
+          <a:p>
+            <a:pPr marL="0" indent="0">
+              <a:buNone/>
+            </a:pPr>
+            <a:r>
+              <a:rPr lang="en-US" altLang="zh-CN" sz="1600"/>
+              <a:t>    // Pass the form instance to the child component</a:t>
+            </a:r>
+            <a:endParaRPr lang="en-US" altLang="zh-CN" sz="1600"/>
+          </a:p>
+          <a:p>
+            <a:pPr marL="0" indent="0">
+              <a:buNone/>
+            </a:pPr>
+            <a:r>
+              <a:rPr lang="en-US" altLang="zh-CN" sz="1600"/>
+              <a:t>    return &lt;ChildClasAddForm {...props} form={form} /&gt;;</a:t>
+            </a:r>
+            <a:endParaRPr lang="en-US" altLang="zh-CN" sz="1600"/>
+          </a:p>
+          <a:p>
+            <a:pPr marL="0" indent="0">
+              <a:buNone/>
+            </a:pPr>
+            <a:r>
+              <a:rPr lang="en-US" altLang="zh-CN" sz="1600"/>
+              <a:t>});</a:t>
+            </a:r>
+            <a:endParaRPr lang="en-US" altLang="zh-CN" sz="1600"/>
+          </a:p>
+        </p:txBody>
+      </p:sp>
+    </p:spTree>
+  </p:cSld>
+  <p:clrMapOvr>
+    <a:masterClrMapping/>
+  </p:clrMapOvr>
+</p:sld>
+</file>
+
 <file path=ppt/slides/slide3.xml><?xml version="1.0" encoding="utf-8"?>
 <p:sld xmlns:a="http://schemas.openxmlformats.org/drawingml/2006/main" xmlns:r="http://schemas.openxmlformats.org/officeDocument/2006/relationships" xmlns:p="http://schemas.openxmlformats.org/presentationml/2006/main">
   <p:cSld>
@@ -8987,6 +11081,3105 @@
               <a:rPr lang="en-US" altLang="zh-CN" sz="1400"/>
               <a:t>const myUpdatedVehicle = {...myVehicle, ...updateMyVehicle}</a:t>
             </a:r>
+            <a:endParaRPr lang="en-US" altLang="zh-CN" sz="1400"/>
+          </a:p>
+        </p:txBody>
+      </p:sp>
+    </p:spTree>
+  </p:cSld>
+  <p:clrMapOvr>
+    <a:masterClrMapping/>
+  </p:clrMapOvr>
+</p:sld>
+</file>
+
+<file path=ppt/slides/slide30.xml><?xml version="1.0" encoding="utf-8"?>
+<p:sld xmlns:a="http://schemas.openxmlformats.org/drawingml/2006/main" xmlns:r="http://schemas.openxmlformats.org/officeDocument/2006/relationships" xmlns:p="http://schemas.openxmlformats.org/presentationml/2006/main">
+  <p:cSld>
+    <p:spTree>
+      <p:nvGrpSpPr>
+        <p:cNvPr id="1" name=""/>
+        <p:cNvGrpSpPr/>
+        <p:nvPr/>
+      </p:nvGrpSpPr>
+      <p:grpSpPr/>
+      <p:sp>
+        <p:nvSpPr>
+          <p:cNvPr id="2" name="标题 1"/>
+          <p:cNvSpPr>
+            <a:spLocks noGrp="1"/>
+          </p:cNvSpPr>
+          <p:nvPr>
+            <p:ph type="title"/>
+          </p:nvPr>
+        </p:nvSpPr>
+        <p:spPr/>
+        <p:txBody>
+          <a:bodyPr/>
+          <a:p>
+            <a:r>
+              <a:rPr lang="en-US" altLang="zh-CN" u="heavy"/>
+              <a:t> Wrapper  </a:t>
+            </a:r>
+            <a:r>
+              <a:rPr lang="en-US" altLang="zh-CN" u="heavy">
+                <a:sym typeface="+mn-ea"/>
+              </a:rPr>
+              <a:t> </a:t>
+            </a:r>
+            <a:endParaRPr lang="en-US" altLang="zh-CN" u="heavy"/>
+          </a:p>
+        </p:txBody>
+      </p:sp>
+      <p:sp>
+        <p:nvSpPr>
+          <p:cNvPr id="3" name="内容占位符 2"/>
+          <p:cNvSpPr>
+            <a:spLocks noGrp="1"/>
+          </p:cNvSpPr>
+          <p:nvPr>
+            <p:ph idx="1"/>
+          </p:nvPr>
+        </p:nvSpPr>
+        <p:spPr>
+          <a:xfrm>
+            <a:off x="179070" y="1484630"/>
+            <a:ext cx="8229600" cy="4525963"/>
+          </a:xfrm>
+        </p:spPr>
+        <p:txBody>
+          <a:bodyPr/>
+          <a:p>
+            <a:pPr marL="0" indent="0">
+              <a:buNone/>
+            </a:pPr>
+            <a:r>
+              <a:rPr lang="en-US" altLang="zh-CN" sz="1400"/>
+              <a:t>// </a:t>
+            </a:r>
+            <a:r>
+              <a:rPr lang="zh-CN" altLang="en-US" sz="1400"/>
+              <a:t>子表单组件</a:t>
+            </a:r>
+            <a:r>
+              <a:rPr lang="en-US" altLang="zh-CN" sz="1400"/>
+              <a:t> (</a:t>
+            </a:r>
+            <a:r>
+              <a:rPr lang="zh-CN" altLang="en-US" sz="1400"/>
+              <a:t>被包裹的组件</a:t>
+            </a:r>
+            <a:r>
+              <a:rPr lang="en-US" altLang="zh-CN" sz="1400"/>
+              <a:t>)</a:t>
+            </a:r>
+            <a:endParaRPr lang="en-US" altLang="zh-CN" sz="1400"/>
+          </a:p>
+          <a:p>
+            <a:pPr marL="0" indent="0">
+              <a:buNone/>
+            </a:pPr>
+            <a:r>
+              <a:rPr lang="en-US" altLang="zh-CN" sz="1400"/>
+              <a:t>const </a:t>
+            </a:r>
+            <a:r>
+              <a:rPr lang="en-US" altLang="zh-CN" sz="1400">
+                <a:solidFill>
+                  <a:srgbClr val="FF0000"/>
+                </a:solidFill>
+              </a:rPr>
+              <a:t>ChildForm </a:t>
+            </a:r>
+            <a:r>
+              <a:rPr lang="en-US" altLang="zh-CN" sz="1400"/>
+              <a:t>= forwardRef((props, ref) =&gt; {</a:t>
+            </a:r>
+            <a:endParaRPr lang="en-US" altLang="zh-CN" sz="1400"/>
+          </a:p>
+          <a:p>
+            <a:pPr marL="0" indent="0">
+              <a:buNone/>
+            </a:pPr>
+            <a:r>
+              <a:rPr lang="en-US" altLang="zh-CN" sz="1400"/>
+              <a:t>  const [form] = Form.useForm();</a:t>
+            </a:r>
+            <a:endParaRPr lang="en-US" altLang="zh-CN" sz="1400"/>
+          </a:p>
+          <a:p>
+            <a:pPr marL="0" indent="0">
+              <a:buNone/>
+            </a:pPr>
+            <a:r>
+              <a:rPr lang="en-US" altLang="zh-CN" sz="1400"/>
+              <a:t>  </a:t>
+            </a:r>
+            <a:endParaRPr lang="en-US" altLang="zh-CN" sz="1400"/>
+          </a:p>
+          <a:p>
+            <a:pPr marL="0" indent="0">
+              <a:buNone/>
+            </a:pPr>
+            <a:r>
+              <a:rPr lang="en-US" altLang="zh-CN" sz="1400"/>
+              <a:t>  // </a:t>
+            </a:r>
+            <a:r>
+              <a:rPr lang="zh-CN" altLang="en-US" sz="1400"/>
+              <a:t>暴露方法给父组件</a:t>
+            </a:r>
+            <a:endParaRPr lang="zh-CN" altLang="en-US" sz="1400"/>
+          </a:p>
+          <a:p>
+            <a:pPr marL="0" indent="0">
+              <a:buNone/>
+            </a:pPr>
+            <a:r>
+              <a:rPr lang="en-US" altLang="zh-CN" sz="1400"/>
+              <a:t>  useImperativeHandle(ref, () =&gt; ({</a:t>
+            </a:r>
+            <a:endParaRPr lang="en-US" altLang="zh-CN" sz="1400"/>
+          </a:p>
+          <a:p>
+            <a:pPr marL="0" indent="0">
+              <a:buNone/>
+            </a:pPr>
+            <a:r>
+              <a:rPr lang="en-US" altLang="zh-CN" sz="1400"/>
+              <a:t>    submit: () =&gt; form.validateFields()</a:t>
+            </a:r>
+            <a:endParaRPr lang="en-US" altLang="zh-CN" sz="1400"/>
+          </a:p>
+          <a:p>
+            <a:pPr marL="0" indent="0">
+              <a:buNone/>
+            </a:pPr>
+            <a:r>
+              <a:rPr lang="en-US" altLang="zh-CN" sz="1400"/>
+              <a:t>  }));</a:t>
+            </a:r>
+            <a:endParaRPr lang="en-US" altLang="zh-CN" sz="1400"/>
+          </a:p>
+          <a:p>
+            <a:pPr marL="0" indent="0">
+              <a:buNone/>
+            </a:pPr>
+            <a:endParaRPr lang="en-US" altLang="zh-CN" sz="1400"/>
+          </a:p>
+          <a:p>
+            <a:pPr marL="0" indent="0">
+              <a:buNone/>
+            </a:pPr>
+            <a:r>
+              <a:rPr lang="en-US" altLang="zh-CN" sz="1400"/>
+              <a:t>  return (</a:t>
+            </a:r>
+            <a:endParaRPr lang="en-US" altLang="zh-CN" sz="1400"/>
+          </a:p>
+          <a:p>
+            <a:pPr marL="0" indent="0">
+              <a:buNone/>
+            </a:pPr>
+            <a:r>
+              <a:rPr lang="en-US" altLang="zh-CN" sz="1400"/>
+              <a:t>    &lt;Form form={form}&gt;</a:t>
+            </a:r>
+            <a:endParaRPr lang="en-US" altLang="zh-CN" sz="1400"/>
+          </a:p>
+          <a:p>
+            <a:pPr marL="0" indent="0">
+              <a:buNone/>
+            </a:pPr>
+            <a:r>
+              <a:rPr lang="en-US" altLang="zh-CN" sz="1400"/>
+              <a:t>      &lt;Form.Item name="username" rules={[{ required: true }]}&gt;</a:t>
+            </a:r>
+            <a:endParaRPr lang="en-US" altLang="zh-CN" sz="1400"/>
+          </a:p>
+          <a:p>
+            <a:pPr marL="0" indent="0">
+              <a:buNone/>
+            </a:pPr>
+            <a:r>
+              <a:rPr lang="en-US" altLang="zh-CN" sz="1400"/>
+              <a:t>        &lt;Input /&gt;</a:t>
+            </a:r>
+            <a:endParaRPr lang="en-US" altLang="zh-CN" sz="1400"/>
+          </a:p>
+          <a:p>
+            <a:pPr marL="0" indent="0">
+              <a:buNone/>
+            </a:pPr>
+            <a:r>
+              <a:rPr lang="en-US" altLang="zh-CN" sz="1400"/>
+              <a:t>      &lt;/Form.Item&gt;</a:t>
+            </a:r>
+            <a:endParaRPr lang="en-US" altLang="zh-CN" sz="1400"/>
+          </a:p>
+          <a:p>
+            <a:pPr marL="0" indent="0">
+              <a:buNone/>
+            </a:pPr>
+            <a:r>
+              <a:rPr lang="en-US" altLang="zh-CN" sz="1400"/>
+              <a:t>    &lt;/Form&gt;</a:t>
+            </a:r>
+            <a:endParaRPr lang="en-US" altLang="zh-CN" sz="1400"/>
+          </a:p>
+          <a:p>
+            <a:pPr marL="0" indent="0">
+              <a:buNone/>
+            </a:pPr>
+            <a:r>
+              <a:rPr lang="en-US" altLang="zh-CN" sz="1400"/>
+              <a:t>  );</a:t>
+            </a:r>
+            <a:endParaRPr lang="en-US" altLang="zh-CN" sz="1400"/>
+          </a:p>
+          <a:p>
+            <a:pPr marL="0" indent="0">
+              <a:buNone/>
+            </a:pPr>
+            <a:r>
+              <a:rPr lang="en-US" altLang="zh-CN" sz="1400"/>
+              <a:t>});</a:t>
+            </a:r>
+            <a:endParaRPr lang="en-US" altLang="zh-CN" sz="1400"/>
+          </a:p>
+          <a:p>
+            <a:pPr marL="0" indent="0">
+              <a:buNone/>
+            </a:pPr>
+            <a:endParaRPr lang="en-US" altLang="zh-CN" sz="1400"/>
+          </a:p>
+          <a:p>
+            <a:pPr marL="0" indent="0">
+              <a:buNone/>
+            </a:pPr>
+            <a:endParaRPr lang="en-US" altLang="zh-CN" sz="1400"/>
+          </a:p>
+        </p:txBody>
+      </p:sp>
+      <p:sp>
+        <p:nvSpPr>
+          <p:cNvPr id="4" name="文本框 3"/>
+          <p:cNvSpPr txBox="1"/>
+          <p:nvPr/>
+        </p:nvSpPr>
+        <p:spPr>
+          <a:xfrm>
+            <a:off x="5580380" y="1484630"/>
+            <a:ext cx="4572000" cy="5046345"/>
+          </a:xfrm>
+          <a:prstGeom prst="rect">
+            <a:avLst/>
+          </a:prstGeom>
+          <a:noFill/>
+        </p:spPr>
+        <p:txBody>
+          <a:bodyPr wrap="square" rtlCol="0" anchor="t">
+            <a:spAutoFit/>
+          </a:bodyPr>
+          <a:p>
+            <a:pPr marL="0" indent="0">
+              <a:buNone/>
+            </a:pPr>
+            <a:r>
+              <a:rPr lang="en-US" altLang="zh-CN" sz="1400">
+                <a:sym typeface="+mn-ea"/>
+              </a:rPr>
+              <a:t>// </a:t>
+            </a:r>
+            <a:r>
+              <a:rPr lang="zh-CN" altLang="en-US" sz="1400">
+                <a:sym typeface="+mn-ea"/>
+              </a:rPr>
+              <a:t>父组件</a:t>
+            </a:r>
+            <a:r>
+              <a:rPr lang="en-US" altLang="zh-CN" sz="1400">
+                <a:sym typeface="+mn-ea"/>
+              </a:rPr>
+              <a:t> (Wrapper</a:t>
+            </a:r>
+            <a:r>
+              <a:rPr lang="zh-CN" altLang="en-US" sz="1400">
+                <a:sym typeface="+mn-ea"/>
+              </a:rPr>
+              <a:t>组件</a:t>
+            </a:r>
+            <a:r>
+              <a:rPr lang="en-US" altLang="zh-CN" sz="1400">
+                <a:sym typeface="+mn-ea"/>
+              </a:rPr>
+              <a:t>)</a:t>
+            </a:r>
+            <a:endParaRPr lang="en-US" altLang="zh-CN" sz="1400"/>
+          </a:p>
+          <a:p>
+            <a:pPr marL="0" indent="0">
+              <a:buNone/>
+            </a:pPr>
+            <a:r>
+              <a:rPr lang="en-US" altLang="zh-CN" sz="1400">
+                <a:sym typeface="+mn-ea"/>
+              </a:rPr>
+              <a:t>function </a:t>
+            </a:r>
+            <a:r>
+              <a:rPr lang="en-US" altLang="zh-CN" sz="1400">
+                <a:solidFill>
+                  <a:srgbClr val="FF0000"/>
+                </a:solidFill>
+                <a:sym typeface="+mn-ea"/>
+              </a:rPr>
+              <a:t>ParentFormWrapper</a:t>
+            </a:r>
+            <a:r>
+              <a:rPr lang="en-US" altLang="zh-CN" sz="1400">
+                <a:sym typeface="+mn-ea"/>
+              </a:rPr>
+              <a:t>() {</a:t>
+            </a:r>
+            <a:endParaRPr lang="en-US" altLang="zh-CN" sz="1400"/>
+          </a:p>
+          <a:p>
+            <a:pPr marL="0" indent="0">
+              <a:buNone/>
+            </a:pPr>
+            <a:r>
+              <a:rPr lang="en-US" altLang="zh-CN" sz="1400">
+                <a:sym typeface="+mn-ea"/>
+              </a:rPr>
+              <a:t>  const formRef = useRef();</a:t>
+            </a:r>
+            <a:endParaRPr lang="en-US" altLang="zh-CN" sz="1400"/>
+          </a:p>
+          <a:p>
+            <a:pPr marL="0" indent="0">
+              <a:buNone/>
+            </a:pPr>
+            <a:r>
+              <a:rPr lang="en-US" altLang="zh-CN" sz="1400">
+                <a:sym typeface="+mn-ea"/>
+              </a:rPr>
+              <a:t>  </a:t>
+            </a:r>
+            <a:endParaRPr lang="en-US" altLang="zh-CN" sz="1400"/>
+          </a:p>
+          <a:p>
+            <a:pPr marL="0" indent="0">
+              <a:buNone/>
+            </a:pPr>
+            <a:r>
+              <a:rPr lang="en-US" altLang="zh-CN" sz="1400">
+                <a:sym typeface="+mn-ea"/>
+              </a:rPr>
+              <a:t>  const handleSubmit = async () =&gt; {</a:t>
+            </a:r>
+            <a:endParaRPr lang="en-US" altLang="zh-CN" sz="1400"/>
+          </a:p>
+          <a:p>
+            <a:pPr marL="0" indent="0">
+              <a:buNone/>
+            </a:pPr>
+            <a:r>
+              <a:rPr lang="en-US" altLang="zh-CN" sz="1400">
+                <a:sym typeface="+mn-ea"/>
+              </a:rPr>
+              <a:t>    try {</a:t>
+            </a:r>
+            <a:endParaRPr lang="en-US" altLang="zh-CN" sz="1400"/>
+          </a:p>
+          <a:p>
+            <a:pPr marL="0" indent="0">
+              <a:buNone/>
+            </a:pPr>
+            <a:r>
+              <a:rPr lang="en-US" altLang="zh-CN" sz="1400">
+                <a:sym typeface="+mn-ea"/>
+              </a:rPr>
+              <a:t>      const values = await formRef.current?.submit();</a:t>
+            </a:r>
+            <a:endParaRPr lang="en-US" altLang="zh-CN" sz="1400"/>
+          </a:p>
+          <a:p>
+            <a:pPr marL="0" indent="0">
+              <a:buNone/>
+            </a:pPr>
+            <a:r>
+              <a:rPr lang="en-US" altLang="zh-CN" sz="1400">
+                <a:sym typeface="+mn-ea"/>
+              </a:rPr>
+              <a:t>      alert(JSON.stringify(values));</a:t>
+            </a:r>
+            <a:endParaRPr lang="en-US" altLang="zh-CN" sz="1400"/>
+          </a:p>
+          <a:p>
+            <a:pPr marL="0" indent="0">
+              <a:buNone/>
+            </a:pPr>
+            <a:r>
+              <a:rPr lang="en-US" altLang="zh-CN" sz="1400">
+                <a:sym typeface="+mn-ea"/>
+              </a:rPr>
+              <a:t>    } catch (e) {</a:t>
+            </a:r>
+            <a:endParaRPr lang="en-US" altLang="zh-CN" sz="1400"/>
+          </a:p>
+          <a:p>
+            <a:pPr marL="0" indent="0">
+              <a:buNone/>
+            </a:pPr>
+            <a:r>
+              <a:rPr lang="en-US" altLang="zh-CN" sz="1400">
+                <a:sym typeface="+mn-ea"/>
+              </a:rPr>
+              <a:t>      console.error('</a:t>
+            </a:r>
+            <a:r>
+              <a:rPr lang="zh-CN" altLang="en-US" sz="1400">
+                <a:sym typeface="+mn-ea"/>
+              </a:rPr>
+              <a:t>表单验证失败</a:t>
+            </a:r>
+            <a:r>
+              <a:rPr lang="en-US" altLang="zh-CN" sz="1400">
+                <a:sym typeface="+mn-ea"/>
+              </a:rPr>
+              <a:t>', e);</a:t>
+            </a:r>
+            <a:endParaRPr lang="en-US" altLang="zh-CN" sz="1400"/>
+          </a:p>
+          <a:p>
+            <a:pPr marL="0" indent="0">
+              <a:buNone/>
+            </a:pPr>
+            <a:r>
+              <a:rPr lang="en-US" altLang="zh-CN" sz="1400">
+                <a:sym typeface="+mn-ea"/>
+              </a:rPr>
+              <a:t>    }</a:t>
+            </a:r>
+            <a:endParaRPr lang="en-US" altLang="zh-CN" sz="1400"/>
+          </a:p>
+          <a:p>
+            <a:pPr marL="0" indent="0">
+              <a:buNone/>
+            </a:pPr>
+            <a:r>
+              <a:rPr lang="en-US" altLang="zh-CN" sz="1400">
+                <a:sym typeface="+mn-ea"/>
+              </a:rPr>
+              <a:t>  };</a:t>
+            </a:r>
+            <a:endParaRPr lang="en-US" altLang="zh-CN" sz="1400"/>
+          </a:p>
+          <a:p>
+            <a:pPr marL="0" indent="0">
+              <a:buNone/>
+            </a:pPr>
+            <a:endParaRPr lang="en-US" altLang="zh-CN" sz="1400"/>
+          </a:p>
+          <a:p>
+            <a:pPr marL="0" indent="0">
+              <a:buNone/>
+            </a:pPr>
+            <a:r>
+              <a:rPr lang="en-US" altLang="zh-CN" sz="1400">
+                <a:sym typeface="+mn-ea"/>
+              </a:rPr>
+              <a:t>  return (</a:t>
+            </a:r>
+            <a:endParaRPr lang="en-US" altLang="zh-CN" sz="1400"/>
+          </a:p>
+          <a:p>
+            <a:pPr marL="0" indent="0">
+              <a:buNone/>
+            </a:pPr>
+            <a:r>
+              <a:rPr lang="en-US" altLang="zh-CN" sz="1400">
+                <a:sym typeface="+mn-ea"/>
+              </a:rPr>
+              <a:t>    &lt;div className="form-card-wrapper"&gt;</a:t>
+            </a:r>
+            <a:endParaRPr lang="en-US" altLang="zh-CN" sz="1400"/>
+          </a:p>
+          <a:p>
+            <a:pPr marL="0" indent="0">
+              <a:buNone/>
+            </a:pPr>
+            <a:r>
+              <a:rPr lang="en-US" altLang="zh-CN" sz="1400">
+                <a:sym typeface="+mn-ea"/>
+              </a:rPr>
+              <a:t>      &lt;h2&gt;</a:t>
+            </a:r>
+            <a:r>
+              <a:rPr lang="zh-CN" altLang="en-US" sz="1400">
+                <a:sym typeface="+mn-ea"/>
+              </a:rPr>
+              <a:t>用户注册</a:t>
+            </a:r>
+            <a:r>
+              <a:rPr lang="en-US" altLang="zh-CN" sz="1400">
+                <a:sym typeface="+mn-ea"/>
+              </a:rPr>
+              <a:t>&lt;/h2&gt;</a:t>
+            </a:r>
+            <a:endParaRPr lang="en-US" altLang="zh-CN" sz="1400"/>
+          </a:p>
+          <a:p>
+            <a:pPr marL="0" indent="0">
+              <a:buNone/>
+            </a:pPr>
+            <a:r>
+              <a:rPr lang="en-US" altLang="zh-CN" sz="1400">
+                <a:sym typeface="+mn-ea"/>
+              </a:rPr>
+              <a:t>      &lt;ChildForm ref={formRef} /&gt;</a:t>
+            </a:r>
+            <a:endParaRPr lang="en-US" altLang="zh-CN" sz="1400"/>
+          </a:p>
+          <a:p>
+            <a:pPr marL="0" indent="0">
+              <a:buNone/>
+            </a:pPr>
+            <a:r>
+              <a:rPr lang="en-US" altLang="zh-CN" sz="1400">
+                <a:sym typeface="+mn-ea"/>
+              </a:rPr>
+              <a:t>      &lt;div className="actions"&gt;</a:t>
+            </a:r>
+            <a:endParaRPr lang="en-US" altLang="zh-CN" sz="1400"/>
+          </a:p>
+          <a:p>
+            <a:pPr marL="0" indent="0">
+              <a:buNone/>
+            </a:pPr>
+            <a:r>
+              <a:rPr lang="en-US" altLang="zh-CN" sz="1400">
+                <a:sym typeface="+mn-ea"/>
+              </a:rPr>
+              <a:t>        &lt;button onClick={handleSubmit}&gt;</a:t>
+            </a:r>
+            <a:r>
+              <a:rPr lang="zh-CN" altLang="en-US" sz="1400">
+                <a:sym typeface="+mn-ea"/>
+              </a:rPr>
+              <a:t>提交</a:t>
+            </a:r>
+            <a:r>
+              <a:rPr lang="en-US" altLang="zh-CN" sz="1400">
+                <a:sym typeface="+mn-ea"/>
+              </a:rPr>
+              <a:t>&lt;/button&gt;</a:t>
+            </a:r>
+            <a:endParaRPr lang="en-US" altLang="zh-CN" sz="1400"/>
+          </a:p>
+          <a:p>
+            <a:pPr marL="0" indent="0">
+              <a:buNone/>
+            </a:pPr>
+            <a:r>
+              <a:rPr lang="en-US" altLang="zh-CN" sz="1400">
+                <a:sym typeface="+mn-ea"/>
+              </a:rPr>
+              <a:t>      &lt;/div&gt;</a:t>
+            </a:r>
+            <a:endParaRPr lang="en-US" altLang="zh-CN" sz="1400"/>
+          </a:p>
+          <a:p>
+            <a:pPr marL="0" indent="0">
+              <a:buNone/>
+            </a:pPr>
+            <a:r>
+              <a:rPr lang="en-US" altLang="zh-CN" sz="1400">
+                <a:sym typeface="+mn-ea"/>
+              </a:rPr>
+              <a:t>    &lt;/div&gt;</a:t>
+            </a:r>
+            <a:endParaRPr lang="en-US" altLang="zh-CN" sz="1400"/>
+          </a:p>
+          <a:p>
+            <a:pPr marL="0" indent="0">
+              <a:buNone/>
+            </a:pPr>
+            <a:r>
+              <a:rPr lang="en-US" altLang="zh-CN" sz="1400">
+                <a:sym typeface="+mn-ea"/>
+              </a:rPr>
+              <a:t>  );</a:t>
+            </a:r>
+            <a:endParaRPr lang="en-US" altLang="zh-CN" sz="1400"/>
+          </a:p>
+          <a:p>
+            <a:pPr marL="0" indent="0">
+              <a:buNone/>
+            </a:pPr>
+            <a:r>
+              <a:rPr lang="en-US" altLang="zh-CN" sz="1400">
+                <a:sym typeface="+mn-ea"/>
+              </a:rPr>
+              <a:t>}</a:t>
+            </a:r>
+            <a:endParaRPr lang="en-US" altLang="zh-CN" sz="1400">
+              <a:sym typeface="+mn-ea"/>
+            </a:endParaRPr>
+          </a:p>
+        </p:txBody>
+      </p:sp>
+    </p:spTree>
+  </p:cSld>
+  <p:clrMapOvr>
+    <a:masterClrMapping/>
+  </p:clrMapOvr>
+</p:sld>
+</file>
+
+<file path=ppt/slides/slide31.xml><?xml version="1.0" encoding="utf-8"?>
+<p:sld xmlns:a="http://schemas.openxmlformats.org/drawingml/2006/main" xmlns:r="http://schemas.openxmlformats.org/officeDocument/2006/relationships" xmlns:p="http://schemas.openxmlformats.org/presentationml/2006/main">
+  <p:cSld>
+    <p:spTree>
+      <p:nvGrpSpPr>
+        <p:cNvPr id="1" name=""/>
+        <p:cNvGrpSpPr/>
+        <p:nvPr/>
+      </p:nvGrpSpPr>
+      <p:grpSpPr/>
+      <p:sp>
+        <p:nvSpPr>
+          <p:cNvPr id="2" name="标题 1"/>
+          <p:cNvSpPr>
+            <a:spLocks noGrp="1"/>
+          </p:cNvSpPr>
+          <p:nvPr>
+            <p:ph type="title"/>
+          </p:nvPr>
+        </p:nvSpPr>
+        <p:spPr/>
+        <p:txBody>
+          <a:bodyPr/>
+          <a:p>
+            <a:r>
+              <a:rPr lang="en-US" altLang="zh-CN" u="heavy"/>
+              <a:t>  </a:t>
+            </a:r>
+            <a:r>
+              <a:rPr lang="en-US" altLang="zh-CN" u="heavy">
+                <a:sym typeface="+mn-ea"/>
+              </a:rPr>
+              <a:t>HOC </a:t>
+            </a:r>
+            <a:r>
+              <a:rPr lang="en-US" altLang="zh-CN" u="heavy">
+                <a:sym typeface="+mn-ea"/>
+              </a:rPr>
+              <a:t>vs</a:t>
+            </a:r>
+            <a:r>
+              <a:rPr lang="en-US" altLang="zh-CN" u="heavy">
+                <a:sym typeface="+mn-ea"/>
+              </a:rPr>
+              <a:t> </a:t>
+            </a:r>
+            <a:r>
+              <a:rPr lang="en-US" altLang="zh-CN" u="heavy">
+                <a:sym typeface="+mn-ea"/>
+              </a:rPr>
+              <a:t>Wrapper  </a:t>
+            </a:r>
+            <a:endParaRPr lang="en-US" altLang="zh-CN" u="heavy"/>
+          </a:p>
+        </p:txBody>
+      </p:sp>
+      <p:graphicFrame>
+        <p:nvGraphicFramePr>
+          <p:cNvPr id="4" name="表格 3"/>
+          <p:cNvGraphicFramePr/>
+          <p:nvPr>
+            <p:custDataLst>
+              <p:tags r:id="rId1"/>
+            </p:custDataLst>
+          </p:nvPr>
+        </p:nvGraphicFramePr>
+        <p:xfrm>
+          <a:off x="683895" y="1124585"/>
+          <a:ext cx="7863840" cy="2886075"/>
+        </p:xfrm>
+        <a:graphic>
+          <a:graphicData uri="http://schemas.openxmlformats.org/drawingml/2006/table">
+            <a:tbl>
+              <a:tblPr/>
+              <a:tblGrid>
+                <a:gridCol w="2621280"/>
+                <a:gridCol w="2621280"/>
+                <a:gridCol w="2621280"/>
+              </a:tblGrid>
+              <a:tr h="577215">
+                <a:tc>
+                  <a:txBody>
+                    <a:bodyPr/>
+                    <a:p>
+                      <a:pPr algn="l"/>
+                      <a:r>
+                        <a:rPr lang="zh-CN" altLang="en-US" sz="1100" b="1" i="0">
+                          <a:solidFill>
+                            <a:srgbClr val="404040"/>
+                          </a:solidFill>
+                          <a:latin typeface="DeepSeek-CJK-patch"/>
+                          <a:ea typeface="DeepSeek-CJK-patch"/>
+                        </a:rPr>
+                        <a:t>特征</a:t>
+                      </a:r>
+                      <a:endParaRPr lang="zh-CN" altLang="en-US" sz="1100" b="1" i="0">
+                        <a:solidFill>
+                          <a:srgbClr val="404040"/>
+                        </a:solidFill>
+                        <a:latin typeface="DeepSeek-CJK-patch"/>
+                        <a:ea typeface="DeepSeek-CJK-patch"/>
+                      </a:endParaRPr>
+                    </a:p>
+                  </a:txBody>
+                  <a:tcPr marL="0" marR="95567" marT="95567" marB="95567" anchor="ctr" anchorCtr="0">
+                    <a:lnL>
+                      <a:noFill/>
+                    </a:lnL>
+                    <a:lnR>
+                      <a:noFill/>
+                    </a:lnR>
+                    <a:lnT>
+                      <a:noFill/>
+                    </a:lnT>
+                    <a:lnB w="6350" cap="flat" cmpd="sng">
+                      <a:solidFill>
+                        <a:srgbClr val="BBBBBB"/>
+                      </a:solidFill>
+                      <a:prstDash val="solid"/>
+                      <a:headEnd type="none" w="med" len="med"/>
+                      <a:tailEnd type="none" w="med" len="med"/>
+                    </a:lnB>
+                    <a:noFill/>
+                  </a:tcPr>
+                </a:tc>
+                <a:tc>
+                  <a:txBody>
+                    <a:bodyPr/>
+                    <a:p>
+                      <a:pPr algn="l"/>
+                      <a:r>
+                        <a:rPr lang="en-US" altLang="zh-CN" sz="1100" b="1" i="0">
+                          <a:solidFill>
+                            <a:srgbClr val="404040"/>
+                          </a:solidFill>
+                          <a:latin typeface="DeepSeek-CJK-patch"/>
+                          <a:ea typeface="DeepSeek-CJK-patch"/>
+                        </a:rPr>
+                        <a:t>Wrapper</a:t>
+                      </a:r>
+                      <a:r>
+                        <a:rPr lang="zh-CN" altLang="en-US" sz="1100" b="1" i="0">
+                          <a:solidFill>
+                            <a:srgbClr val="404040"/>
+                          </a:solidFill>
+                          <a:latin typeface="DeepSeek-CJK-patch"/>
+                          <a:ea typeface="DeepSeek-CJK-patch"/>
+                        </a:rPr>
+                        <a:t>组件</a:t>
+                      </a:r>
+                      <a:endParaRPr lang="zh-CN" altLang="en-US" sz="1100" b="1" i="0">
+                        <a:solidFill>
+                          <a:srgbClr val="404040"/>
+                        </a:solidFill>
+                        <a:latin typeface="DeepSeek-CJK-patch"/>
+                        <a:ea typeface="DeepSeek-CJK-patch"/>
+                      </a:endParaRPr>
+                    </a:p>
+                  </a:txBody>
+                  <a:tcPr marL="95567" marR="95567" marT="95567" marB="95567" anchor="ctr" anchorCtr="0">
+                    <a:lnL>
+                      <a:noFill/>
+                    </a:lnL>
+                    <a:lnR>
+                      <a:noFill/>
+                    </a:lnR>
+                    <a:lnT>
+                      <a:noFill/>
+                    </a:lnT>
+                    <a:lnB w="6350" cap="flat" cmpd="sng">
+                      <a:solidFill>
+                        <a:srgbClr val="BBBBBB"/>
+                      </a:solidFill>
+                      <a:prstDash val="solid"/>
+                      <a:headEnd type="none" w="med" len="med"/>
+                      <a:tailEnd type="none" w="med" len="med"/>
+                    </a:lnB>
+                    <a:noFill/>
+                  </a:tcPr>
+                </a:tc>
+                <a:tc>
+                  <a:txBody>
+                    <a:bodyPr/>
+                    <a:p>
+                      <a:pPr algn="l"/>
+                      <a:r>
+                        <a:rPr lang="zh-CN" altLang="en-US" sz="1100" b="1" i="0">
+                          <a:solidFill>
+                            <a:srgbClr val="404040"/>
+                          </a:solidFill>
+                          <a:latin typeface="DeepSeek-CJK-patch"/>
+                          <a:ea typeface="DeepSeek-CJK-patch"/>
+                        </a:rPr>
+                        <a:t>高阶组件 </a:t>
+                      </a:r>
+                      <a:r>
+                        <a:rPr lang="en-US" altLang="zh-CN" sz="1100" b="1" i="0">
+                          <a:solidFill>
+                            <a:srgbClr val="404040"/>
+                          </a:solidFill>
+                          <a:latin typeface="DeepSeek-CJK-patch"/>
+                          <a:ea typeface="DeepSeek-CJK-patch"/>
+                        </a:rPr>
+                        <a:t>(HOC) </a:t>
+                      </a:r>
+                      <a:r>
+                        <a:rPr lang="zh-CN" altLang="en-US" sz="1100" b="1" i="0">
+                          <a:solidFill>
+                            <a:srgbClr val="404040"/>
+                          </a:solidFill>
+                          <a:latin typeface="DeepSeek-CJK-patch"/>
+                          <a:ea typeface="DeepSeek-CJK-patch"/>
+                        </a:rPr>
+                        <a:t>应有的形式</a:t>
+                      </a:r>
+                      <a:endParaRPr lang="zh-CN" altLang="en-US" sz="1100" b="1" i="0">
+                        <a:solidFill>
+                          <a:srgbClr val="404040"/>
+                        </a:solidFill>
+                        <a:latin typeface="DeepSeek-CJK-patch"/>
+                        <a:ea typeface="DeepSeek-CJK-patch"/>
+                      </a:endParaRPr>
+                    </a:p>
+                  </a:txBody>
+                  <a:tcPr marL="95567" marR="95567" marT="95567" marB="95567" anchor="ctr" anchorCtr="0">
+                    <a:lnL>
+                      <a:noFill/>
+                    </a:lnL>
+                    <a:lnR>
+                      <a:noFill/>
+                    </a:lnR>
+                    <a:lnT>
+                      <a:noFill/>
+                    </a:lnT>
+                    <a:lnB w="6350" cap="flat" cmpd="sng">
+                      <a:solidFill>
+                        <a:srgbClr val="BBBBBB"/>
+                      </a:solidFill>
+                      <a:prstDash val="solid"/>
+                      <a:headEnd type="none" w="med" len="med"/>
+                      <a:tailEnd type="none" w="med" len="med"/>
+                    </a:lnB>
+                    <a:noFill/>
+                  </a:tcPr>
+                </a:tc>
+              </a:tr>
+              <a:tr h="577215">
+                <a:tc>
+                  <a:txBody>
+                    <a:bodyPr/>
+                    <a:p>
+                      <a:r>
+                        <a:rPr lang="zh-CN" altLang="en-US" sz="1100" b="0" i="0">
+                          <a:solidFill>
+                            <a:srgbClr val="404040"/>
+                          </a:solidFill>
+                          <a:latin typeface="DeepSeek-CJK-patch"/>
+                          <a:ea typeface="DeepSeek-CJK-patch"/>
+                        </a:rPr>
+                        <a:t>组件接收方式</a:t>
+                      </a:r>
+                      <a:endParaRPr lang="zh-CN" altLang="en-US" sz="1100" b="0" i="0">
+                        <a:solidFill>
+                          <a:srgbClr val="404040"/>
+                        </a:solidFill>
+                        <a:latin typeface="DeepSeek-CJK-patch"/>
+                        <a:ea typeface="DeepSeek-CJK-patch"/>
+                      </a:endParaRPr>
+                    </a:p>
+                  </a:txBody>
+                  <a:tcPr marL="0" marR="95567" marT="95567" marB="95567" anchor="ctr" anchorCtr="0">
+                    <a:lnL>
+                      <a:noFill/>
+                    </a:lnL>
+                    <a:lnR>
+                      <a:noFill/>
+                    </a:lnR>
+                    <a:lnT w="6350" cap="flat" cmpd="sng">
+                      <a:solidFill>
+                        <a:srgbClr val="BBBBBB"/>
+                      </a:solidFill>
+                      <a:prstDash val="solid"/>
+                      <a:headEnd type="none" w="med" len="med"/>
+                      <a:tailEnd type="none" w="med" len="med"/>
+                    </a:lnT>
+                    <a:lnB w="6350" cap="flat" cmpd="sng">
+                      <a:solidFill>
+                        <a:srgbClr val="E5E5E5"/>
+                      </a:solidFill>
+                      <a:prstDash val="solid"/>
+                      <a:headEnd type="none" w="med" len="med"/>
+                      <a:tailEnd type="none" w="med" len="med"/>
+                    </a:lnB>
+                    <a:noFill/>
+                  </a:tcPr>
+                </a:tc>
+                <a:tc>
+                  <a:txBody>
+                    <a:bodyPr/>
+                    <a:p>
+                      <a:r>
+                        <a:rPr lang="zh-CN" altLang="en-US" sz="1100" b="0" i="0">
+                          <a:solidFill>
+                            <a:srgbClr val="404040"/>
+                          </a:solidFill>
+                          <a:latin typeface="DeepSeek-CJK-patch"/>
+                          <a:ea typeface="DeepSeek-CJK-patch"/>
+                        </a:rPr>
+                        <a:t>硬编码子组件 </a:t>
+                      </a:r>
+                      <a:r>
+                        <a:rPr lang="en-US" altLang="zh-CN" sz="1100" b="0" i="0">
+                          <a:solidFill>
+                            <a:srgbClr val="404040"/>
+                          </a:solidFill>
+                          <a:latin typeface="DeepSeek-CJK-patch"/>
+                          <a:ea typeface="DeepSeek-CJK-patch"/>
+                        </a:rPr>
+                        <a:t>(</a:t>
+                      </a:r>
+                      <a:r>
+                        <a:rPr lang="en-US" altLang="zh-CN" sz="900" b="0" i="0">
+                          <a:solidFill>
+                            <a:srgbClr val="404040"/>
+                          </a:solidFill>
+                          <a:latin typeface="DeepSeek-CJK-patch"/>
+                          <a:ea typeface="DeepSeek-CJK-patch"/>
+                        </a:rPr>
+                        <a:t>ChildClasAddForm</a:t>
+                      </a:r>
+                      <a:r>
+                        <a:rPr lang="en-US" altLang="zh-CN" sz="1100" b="0" i="0">
+                          <a:solidFill>
+                            <a:srgbClr val="404040"/>
+                          </a:solidFill>
+                          <a:latin typeface="DeepSeek-CJK-patch"/>
+                          <a:ea typeface="DeepSeek-CJK-patch"/>
+                        </a:rPr>
+                        <a:t>)</a:t>
+                      </a:r>
+                      <a:endParaRPr lang="en-US" altLang="zh-CN" sz="1100" b="0" i="0">
+                        <a:solidFill>
+                          <a:srgbClr val="404040"/>
+                        </a:solidFill>
+                        <a:latin typeface="DeepSeek-CJK-patch"/>
+                        <a:ea typeface="DeepSeek-CJK-patch"/>
+                      </a:endParaRPr>
+                    </a:p>
+                  </a:txBody>
+                  <a:tcPr marL="95567" marR="95567" marT="95567" marB="95567" anchor="ctr" anchorCtr="0">
+                    <a:lnL>
+                      <a:noFill/>
+                    </a:lnL>
+                    <a:lnR>
+                      <a:noFill/>
+                    </a:lnR>
+                    <a:lnT w="6350" cap="flat" cmpd="sng">
+                      <a:solidFill>
+                        <a:srgbClr val="BBBBBB"/>
+                      </a:solidFill>
+                      <a:prstDash val="solid"/>
+                      <a:headEnd type="none" w="med" len="med"/>
+                      <a:tailEnd type="none" w="med" len="med"/>
+                    </a:lnT>
+                    <a:lnB w="6350" cap="flat" cmpd="sng">
+                      <a:solidFill>
+                        <a:srgbClr val="E5E5E5"/>
+                      </a:solidFill>
+                      <a:prstDash val="solid"/>
+                      <a:headEnd type="none" w="med" len="med"/>
+                      <a:tailEnd type="none" w="med" len="med"/>
+                    </a:lnB>
+                    <a:noFill/>
+                  </a:tcPr>
+                </a:tc>
+                <a:tc>
+                  <a:txBody>
+                    <a:bodyPr/>
+                    <a:p>
+                      <a:r>
+                        <a:rPr lang="zh-CN" altLang="en-US" sz="1100" b="0" i="0">
+                          <a:solidFill>
+                            <a:srgbClr val="404040"/>
+                          </a:solidFill>
+                          <a:latin typeface="DeepSeek-CJK-patch"/>
+                          <a:ea typeface="DeepSeek-CJK-patch"/>
+                        </a:rPr>
+                        <a:t>接收组件参数 </a:t>
+                      </a:r>
+                      <a:r>
+                        <a:rPr lang="en-US" altLang="zh-CN" sz="1100" b="0" i="0">
+                          <a:solidFill>
+                            <a:srgbClr val="404040"/>
+                          </a:solidFill>
+                          <a:latin typeface="DeepSeek-CJK-patch"/>
+                          <a:ea typeface="DeepSeek-CJK-patch"/>
+                        </a:rPr>
+                        <a:t>(</a:t>
+                      </a:r>
+                      <a:r>
+                        <a:rPr lang="en-US" altLang="zh-CN" sz="900" b="0" i="0">
+                          <a:solidFill>
+                            <a:srgbClr val="404040"/>
+                          </a:solidFill>
+                          <a:latin typeface="DeepSeek-CJK-patch"/>
+                          <a:ea typeface="DeepSeek-CJK-patch"/>
+                        </a:rPr>
+                        <a:t>WrappedComponent</a:t>
+                      </a:r>
+                      <a:r>
+                        <a:rPr lang="en-US" altLang="zh-CN" sz="1100" b="0" i="0">
+                          <a:solidFill>
+                            <a:srgbClr val="404040"/>
+                          </a:solidFill>
+                          <a:latin typeface="DeepSeek-CJK-patch"/>
+                          <a:ea typeface="DeepSeek-CJK-patch"/>
+                        </a:rPr>
+                        <a:t>)</a:t>
+                      </a:r>
+                      <a:endParaRPr lang="en-US" altLang="zh-CN" sz="1100" b="0" i="0">
+                        <a:solidFill>
+                          <a:srgbClr val="404040"/>
+                        </a:solidFill>
+                        <a:latin typeface="DeepSeek-CJK-patch"/>
+                        <a:ea typeface="DeepSeek-CJK-patch"/>
+                      </a:endParaRPr>
+                    </a:p>
+                  </a:txBody>
+                  <a:tcPr marL="95567" marR="95567" marT="95567" marB="95567" anchor="ctr" anchorCtr="0">
+                    <a:lnL>
+                      <a:noFill/>
+                    </a:lnL>
+                    <a:lnR>
+                      <a:noFill/>
+                    </a:lnR>
+                    <a:lnT w="6350" cap="flat" cmpd="sng">
+                      <a:solidFill>
+                        <a:srgbClr val="BBBBBB"/>
+                      </a:solidFill>
+                      <a:prstDash val="solid"/>
+                      <a:headEnd type="none" w="med" len="med"/>
+                      <a:tailEnd type="none" w="med" len="med"/>
+                    </a:lnT>
+                    <a:lnB w="6350" cap="flat" cmpd="sng">
+                      <a:solidFill>
+                        <a:srgbClr val="E5E5E5"/>
+                      </a:solidFill>
+                      <a:prstDash val="solid"/>
+                      <a:headEnd type="none" w="med" len="med"/>
+                      <a:tailEnd type="none" w="med" len="med"/>
+                    </a:lnB>
+                    <a:noFill/>
+                  </a:tcPr>
+                </a:tc>
+              </a:tr>
+              <a:tr h="577215">
+                <a:tc>
+                  <a:txBody>
+                    <a:bodyPr/>
+                    <a:p>
+                      <a:r>
+                        <a:rPr lang="zh-CN" altLang="en-US" sz="1100" b="0" i="0">
+                          <a:solidFill>
+                            <a:srgbClr val="404040"/>
+                          </a:solidFill>
+                          <a:latin typeface="DeepSeek-CJK-patch"/>
+                          <a:ea typeface="DeepSeek-CJK-patch"/>
+                        </a:rPr>
+                        <a:t>返回内容</a:t>
+                      </a:r>
+                      <a:endParaRPr lang="zh-CN" altLang="en-US" sz="1100" b="0" i="0">
+                        <a:solidFill>
+                          <a:srgbClr val="404040"/>
+                        </a:solidFill>
+                        <a:latin typeface="DeepSeek-CJK-patch"/>
+                        <a:ea typeface="DeepSeek-CJK-patch"/>
+                      </a:endParaRPr>
+                    </a:p>
+                  </a:txBody>
+                  <a:tcPr marL="0" marR="95567" marT="95567" marB="95567" anchor="ctr" anchorCtr="0">
+                    <a:lnL>
+                      <a:noFill/>
+                    </a:lnL>
+                    <a:lnR>
+                      <a:noFill/>
+                    </a:lnR>
+                    <a:lnT w="6350" cap="flat" cmpd="sng">
+                      <a:solidFill>
+                        <a:srgbClr val="E5E5E5"/>
+                      </a:solidFill>
+                      <a:prstDash val="solid"/>
+                      <a:headEnd type="none" w="med" len="med"/>
+                      <a:tailEnd type="none" w="med" len="med"/>
+                    </a:lnT>
+                    <a:lnB w="6350" cap="flat" cmpd="sng">
+                      <a:solidFill>
+                        <a:srgbClr val="E5E5E5"/>
+                      </a:solidFill>
+                      <a:prstDash val="solid"/>
+                      <a:headEnd type="none" w="med" len="med"/>
+                      <a:tailEnd type="none" w="med" len="med"/>
+                    </a:lnB>
+                    <a:noFill/>
+                  </a:tcPr>
+                </a:tc>
+                <a:tc>
+                  <a:txBody>
+                    <a:bodyPr/>
+                    <a:p>
+                      <a:r>
+                        <a:rPr lang="zh-CN" altLang="en-US" sz="1100" b="0" i="0">
+                          <a:solidFill>
+                            <a:srgbClr val="404040"/>
+                          </a:solidFill>
+                          <a:latin typeface="DeepSeek-CJK-patch"/>
+                          <a:ea typeface="DeepSeek-CJK-patch"/>
+                        </a:rPr>
+                        <a:t>直接渲染 </a:t>
+                      </a:r>
+                      <a:r>
+                        <a:rPr lang="en-US" altLang="zh-CN" sz="1100" b="0" i="0">
+                          <a:solidFill>
+                            <a:srgbClr val="404040"/>
+                          </a:solidFill>
+                          <a:latin typeface="DeepSeek-CJK-patch"/>
+                          <a:ea typeface="DeepSeek-CJK-patch"/>
+                        </a:rPr>
+                        <a:t>JSX</a:t>
+                      </a:r>
+                      <a:endParaRPr lang="en-US" altLang="zh-CN" sz="1100" b="0" i="0">
+                        <a:solidFill>
+                          <a:srgbClr val="404040"/>
+                        </a:solidFill>
+                        <a:latin typeface="DeepSeek-CJK-patch"/>
+                        <a:ea typeface="DeepSeek-CJK-patch"/>
+                      </a:endParaRPr>
+                    </a:p>
+                  </a:txBody>
+                  <a:tcPr marL="95567" marR="95567" marT="95567" marB="95567" anchor="ctr" anchorCtr="0">
+                    <a:lnL>
+                      <a:noFill/>
+                    </a:lnL>
+                    <a:lnR>
+                      <a:noFill/>
+                    </a:lnR>
+                    <a:lnT w="6350" cap="flat" cmpd="sng">
+                      <a:solidFill>
+                        <a:srgbClr val="E5E5E5"/>
+                      </a:solidFill>
+                      <a:prstDash val="solid"/>
+                      <a:headEnd type="none" w="med" len="med"/>
+                      <a:tailEnd type="none" w="med" len="med"/>
+                    </a:lnT>
+                    <a:lnB w="6350" cap="flat" cmpd="sng">
+                      <a:solidFill>
+                        <a:srgbClr val="E5E5E5"/>
+                      </a:solidFill>
+                      <a:prstDash val="solid"/>
+                      <a:headEnd type="none" w="med" len="med"/>
+                      <a:tailEnd type="none" w="med" len="med"/>
+                    </a:lnB>
+                    <a:noFill/>
+                  </a:tcPr>
+                </a:tc>
+                <a:tc>
+                  <a:txBody>
+                    <a:bodyPr/>
+                    <a:p>
+                      <a:r>
+                        <a:rPr lang="zh-CN" altLang="en-US" sz="1100" b="0" i="0">
+                          <a:solidFill>
+                            <a:srgbClr val="404040"/>
+                          </a:solidFill>
+                          <a:latin typeface="DeepSeek-CJK-patch"/>
+                          <a:ea typeface="DeepSeek-CJK-patch"/>
+                        </a:rPr>
+                        <a:t>返回新的组件定义</a:t>
+                      </a:r>
+                      <a:endParaRPr lang="zh-CN" altLang="en-US" sz="1100" b="0" i="0">
+                        <a:solidFill>
+                          <a:srgbClr val="404040"/>
+                        </a:solidFill>
+                        <a:latin typeface="DeepSeek-CJK-patch"/>
+                        <a:ea typeface="DeepSeek-CJK-patch"/>
+                      </a:endParaRPr>
+                    </a:p>
+                  </a:txBody>
+                  <a:tcPr marL="95567" marR="95567" marT="95567" marB="95567" anchor="ctr" anchorCtr="0">
+                    <a:lnL>
+                      <a:noFill/>
+                    </a:lnL>
+                    <a:lnR>
+                      <a:noFill/>
+                    </a:lnR>
+                    <a:lnT w="6350" cap="flat" cmpd="sng">
+                      <a:solidFill>
+                        <a:srgbClr val="E5E5E5"/>
+                      </a:solidFill>
+                      <a:prstDash val="solid"/>
+                      <a:headEnd type="none" w="med" len="med"/>
+                      <a:tailEnd type="none" w="med" len="med"/>
+                    </a:lnT>
+                    <a:lnB w="6350" cap="flat" cmpd="sng">
+                      <a:solidFill>
+                        <a:srgbClr val="E5E5E5"/>
+                      </a:solidFill>
+                      <a:prstDash val="solid"/>
+                      <a:headEnd type="none" w="med" len="med"/>
+                      <a:tailEnd type="none" w="med" len="med"/>
+                    </a:lnB>
+                    <a:noFill/>
+                  </a:tcPr>
+                </a:tc>
+              </a:tr>
+              <a:tr h="577215">
+                <a:tc>
+                  <a:txBody>
+                    <a:bodyPr/>
+                    <a:p>
+                      <a:r>
+                        <a:rPr lang="zh-CN" altLang="en-US" sz="1100" b="0" i="0">
+                          <a:solidFill>
+                            <a:srgbClr val="404040"/>
+                          </a:solidFill>
+                          <a:latin typeface="DeepSeek-CJK-patch"/>
+                          <a:ea typeface="DeepSeek-CJK-patch"/>
+                        </a:rPr>
+                        <a:t>主要目的</a:t>
+                      </a:r>
+                      <a:endParaRPr lang="zh-CN" altLang="en-US" sz="1100" b="0" i="0">
+                        <a:solidFill>
+                          <a:srgbClr val="404040"/>
+                        </a:solidFill>
+                        <a:latin typeface="DeepSeek-CJK-patch"/>
+                        <a:ea typeface="DeepSeek-CJK-patch"/>
+                      </a:endParaRPr>
+                    </a:p>
+                  </a:txBody>
+                  <a:tcPr marL="0" marR="95567" marT="95567" marB="95567" anchor="ctr" anchorCtr="0">
+                    <a:lnL>
+                      <a:noFill/>
+                    </a:lnL>
+                    <a:lnR>
+                      <a:noFill/>
+                    </a:lnR>
+                    <a:lnT w="6350" cap="flat" cmpd="sng">
+                      <a:solidFill>
+                        <a:srgbClr val="E5E5E5"/>
+                      </a:solidFill>
+                      <a:prstDash val="solid"/>
+                      <a:headEnd type="none" w="med" len="med"/>
+                      <a:tailEnd type="none" w="med" len="med"/>
+                    </a:lnT>
+                    <a:lnB w="6350" cap="flat" cmpd="sng">
+                      <a:solidFill>
+                        <a:srgbClr val="E5E5E5"/>
+                      </a:solidFill>
+                      <a:prstDash val="solid"/>
+                      <a:headEnd type="none" w="med" len="med"/>
+                      <a:tailEnd type="none" w="med" len="med"/>
+                    </a:lnB>
+                    <a:noFill/>
+                  </a:tcPr>
+                </a:tc>
+                <a:tc>
+                  <a:txBody>
+                    <a:bodyPr/>
+                    <a:p>
+                      <a:r>
+                        <a:rPr lang="zh-CN" altLang="en-US" sz="1100" b="0" i="0">
+                          <a:solidFill>
+                            <a:srgbClr val="404040"/>
+                          </a:solidFill>
+                          <a:latin typeface="DeepSeek-CJK-patch"/>
+                          <a:ea typeface="DeepSeek-CJK-patch"/>
+                        </a:rPr>
+                        <a:t>增强特定组件的功能</a:t>
+                      </a:r>
+                      <a:endParaRPr lang="zh-CN" altLang="en-US" sz="1100" b="0" i="0">
+                        <a:solidFill>
+                          <a:srgbClr val="404040"/>
+                        </a:solidFill>
+                        <a:latin typeface="DeepSeek-CJK-patch"/>
+                        <a:ea typeface="DeepSeek-CJK-patch"/>
+                      </a:endParaRPr>
+                    </a:p>
+                  </a:txBody>
+                  <a:tcPr marL="95567" marR="95567" marT="95567" marB="95567" anchor="ctr" anchorCtr="0">
+                    <a:lnL>
+                      <a:noFill/>
+                    </a:lnL>
+                    <a:lnR>
+                      <a:noFill/>
+                    </a:lnR>
+                    <a:lnT w="6350" cap="flat" cmpd="sng">
+                      <a:solidFill>
+                        <a:srgbClr val="E5E5E5"/>
+                      </a:solidFill>
+                      <a:prstDash val="solid"/>
+                      <a:headEnd type="none" w="med" len="med"/>
+                      <a:tailEnd type="none" w="med" len="med"/>
+                    </a:lnT>
+                    <a:lnB w="6350" cap="flat" cmpd="sng">
+                      <a:solidFill>
+                        <a:srgbClr val="E5E5E5"/>
+                      </a:solidFill>
+                      <a:prstDash val="solid"/>
+                      <a:headEnd type="none" w="med" len="med"/>
+                      <a:tailEnd type="none" w="med" len="med"/>
+                    </a:lnB>
+                    <a:noFill/>
+                  </a:tcPr>
+                </a:tc>
+                <a:tc>
+                  <a:txBody>
+                    <a:bodyPr/>
+                    <a:p>
+                      <a:r>
+                        <a:rPr lang="en-US" altLang="zh-CN" sz="1100">
+                          <a:solidFill>
+                            <a:srgbClr val="404040"/>
+                          </a:solidFill>
+                          <a:latin typeface="DeepSeek-CJK-patch"/>
+                          <a:ea typeface="DeepSeek-CJK-patch"/>
+                          <a:sym typeface="+mn-ea"/>
+                        </a:rPr>
+                        <a:t>UI </a:t>
+                      </a:r>
+                      <a:r>
+                        <a:rPr lang="zh-CN" altLang="en-US" sz="1100">
+                          <a:solidFill>
+                            <a:srgbClr val="404040"/>
+                          </a:solidFill>
+                          <a:latin typeface="DeepSeek-CJK-patch"/>
+                          <a:ea typeface="DeepSeek-CJK-patch"/>
+                          <a:sym typeface="+mn-ea"/>
+                        </a:rPr>
+                        <a:t>结构封装、样式</a:t>
+                      </a:r>
+                      <a:r>
+                        <a:rPr lang="en-US" altLang="zh-CN" sz="1100">
+                          <a:solidFill>
+                            <a:srgbClr val="404040"/>
+                          </a:solidFill>
+                          <a:latin typeface="DeepSeek-CJK-patch"/>
+                          <a:ea typeface="DeepSeek-CJK-patch"/>
+                          <a:sym typeface="+mn-ea"/>
+                        </a:rPr>
+                        <a:t>/</a:t>
+                      </a:r>
+                      <a:r>
+                        <a:rPr lang="zh-CN" altLang="en-US" sz="1100">
+                          <a:solidFill>
+                            <a:srgbClr val="404040"/>
+                          </a:solidFill>
+                          <a:latin typeface="DeepSeek-CJK-patch"/>
+                          <a:ea typeface="DeepSeek-CJK-patch"/>
+                          <a:sym typeface="+mn-ea"/>
+                        </a:rPr>
+                        <a:t>布局复用</a:t>
+                      </a:r>
+                      <a:endParaRPr lang="zh-CN" altLang="en-US" sz="1100" b="0" i="0">
+                        <a:solidFill>
+                          <a:srgbClr val="404040"/>
+                        </a:solidFill>
+                        <a:latin typeface="DeepSeek-CJK-patch"/>
+                        <a:ea typeface="DeepSeek-CJK-patch"/>
+                      </a:endParaRPr>
+                    </a:p>
+                  </a:txBody>
+                  <a:tcPr marL="95567" marR="95567" marT="95567" marB="95567" anchor="ctr" anchorCtr="0">
+                    <a:lnL>
+                      <a:noFill/>
+                    </a:lnL>
+                    <a:lnR>
+                      <a:noFill/>
+                    </a:lnR>
+                    <a:lnT w="6350" cap="flat" cmpd="sng">
+                      <a:solidFill>
+                        <a:srgbClr val="E5E5E5"/>
+                      </a:solidFill>
+                      <a:prstDash val="solid"/>
+                      <a:headEnd type="none" w="med" len="med"/>
+                      <a:tailEnd type="none" w="med" len="med"/>
+                    </a:lnT>
+                    <a:lnB w="6350" cap="flat" cmpd="sng">
+                      <a:solidFill>
+                        <a:srgbClr val="E5E5E5"/>
+                      </a:solidFill>
+                      <a:prstDash val="solid"/>
+                      <a:headEnd type="none" w="med" len="med"/>
+                      <a:tailEnd type="none" w="med" len="med"/>
+                    </a:lnB>
+                    <a:noFill/>
+                  </a:tcPr>
+                </a:tc>
+              </a:tr>
+              <a:tr h="577215">
+                <a:tc>
+                  <a:txBody>
+                    <a:bodyPr/>
+                    <a:p>
+                      <a:r>
+                        <a:rPr lang="zh-CN" altLang="en-US" sz="1100" b="0" i="0">
+                          <a:solidFill>
+                            <a:srgbClr val="404040"/>
+                          </a:solidFill>
+                          <a:latin typeface="DeepSeek-CJK-patch"/>
+                          <a:ea typeface="DeepSeek-CJK-patch"/>
+                        </a:rPr>
+                        <a:t>使用方式</a:t>
+                      </a:r>
+                      <a:endParaRPr lang="zh-CN" altLang="en-US" sz="1100" b="0" i="0">
+                        <a:solidFill>
+                          <a:srgbClr val="404040"/>
+                        </a:solidFill>
+                        <a:latin typeface="DeepSeek-CJK-patch"/>
+                        <a:ea typeface="DeepSeek-CJK-patch"/>
+                      </a:endParaRPr>
+                    </a:p>
+                  </a:txBody>
+                  <a:tcPr marL="0" marR="95567" marT="95567" marB="95567" anchor="ctr" anchorCtr="0">
+                    <a:lnL>
+                      <a:noFill/>
+                    </a:lnL>
+                    <a:lnR>
+                      <a:noFill/>
+                    </a:lnR>
+                    <a:lnT w="6350" cap="flat" cmpd="sng">
+                      <a:solidFill>
+                        <a:srgbClr val="E5E5E5"/>
+                      </a:solidFill>
+                      <a:prstDash val="solid"/>
+                      <a:headEnd type="none" w="med" len="med"/>
+                      <a:tailEnd type="none" w="med" len="med"/>
+                    </a:lnT>
+                    <a:lnB w="6350" cap="flat" cmpd="sng">
+                      <a:solidFill>
+                        <a:srgbClr val="E5E5E5"/>
+                      </a:solidFill>
+                      <a:prstDash val="solid"/>
+                      <a:headEnd type="none" w="med" len="med"/>
+                      <a:tailEnd type="none" w="med" len="med"/>
+                    </a:lnB>
+                    <a:noFill/>
+                  </a:tcPr>
+                </a:tc>
+                <a:tc>
+                  <a:txBody>
+                    <a:bodyPr/>
+                    <a:p>
+                      <a:r>
+                        <a:rPr lang="zh-CN" altLang="en-US" sz="1100" b="0" i="0">
+                          <a:solidFill>
+                            <a:srgbClr val="404040"/>
+                          </a:solidFill>
+                          <a:latin typeface="DeepSeek-CJK-patch"/>
+                          <a:ea typeface="DeepSeek-CJK-patch"/>
+                        </a:rPr>
+                        <a:t>作为组件使用</a:t>
+                      </a:r>
+                      <a:endParaRPr lang="zh-CN" altLang="en-US" sz="1100" b="0" i="0">
+                        <a:solidFill>
+                          <a:srgbClr val="404040"/>
+                        </a:solidFill>
+                        <a:latin typeface="DeepSeek-CJK-patch"/>
+                        <a:ea typeface="DeepSeek-CJK-patch"/>
+                      </a:endParaRPr>
+                    </a:p>
+                  </a:txBody>
+                  <a:tcPr marL="95567" marR="95567" marT="95567" marB="95567" anchor="ctr" anchorCtr="0">
+                    <a:lnL>
+                      <a:noFill/>
+                    </a:lnL>
+                    <a:lnR>
+                      <a:noFill/>
+                    </a:lnR>
+                    <a:lnT w="6350" cap="flat" cmpd="sng">
+                      <a:solidFill>
+                        <a:srgbClr val="E5E5E5"/>
+                      </a:solidFill>
+                      <a:prstDash val="solid"/>
+                      <a:headEnd type="none" w="med" len="med"/>
+                      <a:tailEnd type="none" w="med" len="med"/>
+                    </a:lnT>
+                    <a:lnB w="6350" cap="flat" cmpd="sng">
+                      <a:solidFill>
+                        <a:srgbClr val="E5E5E5"/>
+                      </a:solidFill>
+                      <a:prstDash val="solid"/>
+                      <a:headEnd type="none" w="med" len="med"/>
+                      <a:tailEnd type="none" w="med" len="med"/>
+                    </a:lnB>
+                    <a:noFill/>
+                  </a:tcPr>
+                </a:tc>
+                <a:tc>
+                  <a:txBody>
+                    <a:bodyPr/>
+                    <a:p>
+                      <a:r>
+                        <a:rPr lang="zh-CN" altLang="en-US" sz="1100" b="0" i="0">
+                          <a:solidFill>
+                            <a:srgbClr val="404040"/>
+                          </a:solidFill>
+                          <a:latin typeface="DeepSeek-CJK-patch"/>
+                          <a:ea typeface="DeepSeek-CJK-patch"/>
+                        </a:rPr>
+                        <a:t>作为函数调用包裹组件</a:t>
+                      </a:r>
+                      <a:endParaRPr lang="zh-CN" altLang="en-US" sz="1100" b="0" i="0">
+                        <a:solidFill>
+                          <a:srgbClr val="404040"/>
+                        </a:solidFill>
+                        <a:latin typeface="DeepSeek-CJK-patch"/>
+                        <a:ea typeface="DeepSeek-CJK-patch"/>
+                      </a:endParaRPr>
+                    </a:p>
+                  </a:txBody>
+                  <a:tcPr marL="95567" marR="95567" marT="95567" marB="95567" anchor="ctr" anchorCtr="0">
+                    <a:lnL>
+                      <a:noFill/>
+                    </a:lnL>
+                    <a:lnR>
+                      <a:noFill/>
+                    </a:lnR>
+                    <a:lnT w="6350" cap="flat" cmpd="sng">
+                      <a:solidFill>
+                        <a:srgbClr val="E5E5E5"/>
+                      </a:solidFill>
+                      <a:prstDash val="solid"/>
+                      <a:headEnd type="none" w="med" len="med"/>
+                      <a:tailEnd type="none" w="med" len="med"/>
+                    </a:lnT>
+                    <a:lnB w="6350" cap="flat" cmpd="sng">
+                      <a:solidFill>
+                        <a:srgbClr val="E5E5E5"/>
+                      </a:solidFill>
+                      <a:prstDash val="solid"/>
+                      <a:headEnd type="none" w="med" len="med"/>
+                      <a:tailEnd type="none" w="med" len="med"/>
+                    </a:lnB>
+                    <a:noFill/>
+                  </a:tcPr>
+                </a:tc>
+              </a:tr>
+            </a:tbl>
+          </a:graphicData>
+        </a:graphic>
+      </p:graphicFrame>
+      <p:graphicFrame>
+        <p:nvGraphicFramePr>
+          <p:cNvPr id="5" name="表格 4"/>
+          <p:cNvGraphicFramePr/>
+          <p:nvPr/>
+        </p:nvGraphicFramePr>
+        <p:xfrm>
+          <a:off x="611505" y="4004945"/>
+          <a:ext cx="7863840" cy="0"/>
+        </p:xfrm>
+        <a:graphic>
+          <a:graphicData uri="http://schemas.openxmlformats.org/drawingml/2006/table">
+            <a:tbl>
+              <a:tblPr/>
+              <a:tblGrid>
+                <a:gridCol w="2621280"/>
+                <a:gridCol w="2621280"/>
+                <a:gridCol w="2621280"/>
+              </a:tblGrid>
+              <a:tr h="0">
+                <a:tc>
+                  <a:txBody>
+                    <a:bodyPr/>
+                    <a:p>
+                      <a:r>
+                        <a:rPr lang="zh-CN" altLang="en-US" sz="1100" b="0" i="0">
+                          <a:solidFill>
+                            <a:srgbClr val="404040"/>
+                          </a:solidFill>
+                          <a:latin typeface="DeepSeek-CJK-patch"/>
+                          <a:ea typeface="DeepSeek-CJK-patch"/>
+                        </a:rPr>
+                        <a:t>本质</a:t>
+                      </a:r>
+                      <a:endParaRPr lang="zh-CN" altLang="en-US" sz="1100" b="0" i="0">
+                        <a:solidFill>
+                          <a:srgbClr val="404040"/>
+                        </a:solidFill>
+                        <a:latin typeface="DeepSeek-CJK-patch"/>
+                        <a:ea typeface="DeepSeek-CJK-patch"/>
+                      </a:endParaRPr>
+                    </a:p>
+                  </a:txBody>
+                  <a:tcPr marL="0" marR="95567" marT="95567" marB="95567" anchor="ctr" anchorCtr="0">
+                    <a:lnL>
+                      <a:noFill/>
+                    </a:lnL>
+                    <a:lnR>
+                      <a:noFill/>
+                    </a:lnR>
+                    <a:lnT>
+                      <a:noFill/>
+                    </a:lnT>
+                    <a:lnB w="6350" cap="flat" cmpd="sng">
+                      <a:solidFill>
+                        <a:srgbClr val="E5E5E5"/>
+                      </a:solidFill>
+                      <a:prstDash val="solid"/>
+                      <a:headEnd type="none" w="med" len="med"/>
+                      <a:tailEnd type="none" w="med" len="med"/>
+                    </a:lnB>
+                    <a:noFill/>
+                  </a:tcPr>
+                </a:tc>
+                <a:tc>
+                  <a:txBody>
+                    <a:bodyPr/>
+                    <a:p>
+                      <a:r>
+                        <a:rPr lang="zh-CN" altLang="en-US" sz="1100" b="0" i="0">
+                          <a:solidFill>
+                            <a:srgbClr val="404040"/>
+                          </a:solidFill>
+                          <a:latin typeface="DeepSeek-CJK-patch"/>
+                          <a:ea typeface="DeepSeek-CJK-patch"/>
+                        </a:rPr>
+                        <a:t>函数（接收组件，返回新组件）</a:t>
+                      </a:r>
+                      <a:endParaRPr lang="zh-CN" altLang="en-US" sz="1100" b="0" i="0">
+                        <a:solidFill>
+                          <a:srgbClr val="404040"/>
+                        </a:solidFill>
+                        <a:latin typeface="DeepSeek-CJK-patch"/>
+                        <a:ea typeface="DeepSeek-CJK-patch"/>
+                      </a:endParaRPr>
+                    </a:p>
+                  </a:txBody>
+                  <a:tcPr marL="95567" marR="95567" marT="95567" marB="95567" anchor="ctr" anchorCtr="0">
+                    <a:lnL>
+                      <a:noFill/>
+                    </a:lnL>
+                    <a:lnR>
+                      <a:noFill/>
+                    </a:lnR>
+                    <a:lnT>
+                      <a:noFill/>
+                    </a:lnT>
+                    <a:lnB w="6350" cap="flat" cmpd="sng">
+                      <a:solidFill>
+                        <a:srgbClr val="E5E5E5"/>
+                      </a:solidFill>
+                      <a:prstDash val="solid"/>
+                      <a:headEnd type="none" w="med" len="med"/>
+                      <a:tailEnd type="none" w="med" len="med"/>
+                    </a:lnB>
+                    <a:noFill/>
+                  </a:tcPr>
+                </a:tc>
+                <a:tc>
+                  <a:txBody>
+                    <a:bodyPr/>
+                    <a:p>
+                      <a:r>
+                        <a:rPr lang="en-US" altLang="zh-CN" sz="1100" b="0" i="0">
+                          <a:solidFill>
+                            <a:srgbClr val="404040"/>
+                          </a:solidFill>
+                          <a:latin typeface="DeepSeek-CJK-patch"/>
+                          <a:ea typeface="DeepSeek-CJK-patch"/>
+                        </a:rPr>
+                        <a:t>React </a:t>
+                      </a:r>
+                      <a:r>
+                        <a:rPr lang="zh-CN" altLang="en-US" sz="1100" b="0" i="0">
+                          <a:solidFill>
+                            <a:srgbClr val="404040"/>
+                          </a:solidFill>
+                          <a:latin typeface="DeepSeek-CJK-patch"/>
+                          <a:ea typeface="DeepSeek-CJK-patch"/>
+                        </a:rPr>
+                        <a:t>组件</a:t>
+                      </a:r>
+                      <a:endParaRPr lang="zh-CN" altLang="en-US" sz="1100" b="0" i="0">
+                        <a:solidFill>
+                          <a:srgbClr val="404040"/>
+                        </a:solidFill>
+                        <a:latin typeface="DeepSeek-CJK-patch"/>
+                        <a:ea typeface="DeepSeek-CJK-patch"/>
+                      </a:endParaRPr>
+                    </a:p>
+                  </a:txBody>
+                  <a:tcPr marL="95567" marR="95567" marT="95567" marB="95567" anchor="ctr" anchorCtr="0">
+                    <a:lnL>
+                      <a:noFill/>
+                    </a:lnL>
+                    <a:lnR>
+                      <a:noFill/>
+                    </a:lnR>
+                    <a:lnT>
+                      <a:noFill/>
+                    </a:lnT>
+                    <a:lnB w="6350" cap="flat" cmpd="sng">
+                      <a:solidFill>
+                        <a:srgbClr val="E5E5E5"/>
+                      </a:solidFill>
+                      <a:prstDash val="solid"/>
+                      <a:headEnd type="none" w="med" len="med"/>
+                      <a:tailEnd type="none" w="med" len="med"/>
+                    </a:lnB>
+                    <a:noFill/>
+                  </a:tcPr>
+                </a:tc>
+              </a:tr>
+              <a:tr h="0">
+                <a:tc>
+                  <a:txBody>
+                    <a:bodyPr/>
+                    <a:p>
+                      <a:r>
+                        <a:rPr lang="zh-CN" altLang="en-US" sz="1100" b="0" i="0">
+                          <a:solidFill>
+                            <a:srgbClr val="404040"/>
+                          </a:solidFill>
+                          <a:latin typeface="DeepSeek-CJK-patch"/>
+                          <a:ea typeface="DeepSeek-CJK-patch"/>
+                        </a:rPr>
+                        <a:t>实现方式</a:t>
+                      </a:r>
+                      <a:endParaRPr lang="zh-CN" altLang="en-US" sz="1100" b="0" i="0">
+                        <a:solidFill>
+                          <a:srgbClr val="404040"/>
+                        </a:solidFill>
+                        <a:latin typeface="DeepSeek-CJK-patch"/>
+                        <a:ea typeface="DeepSeek-CJK-patch"/>
+                      </a:endParaRPr>
+                    </a:p>
+                  </a:txBody>
+                  <a:tcPr marL="0" marR="95567" marT="95567" marB="95567" anchor="ctr" anchorCtr="0">
+                    <a:lnL>
+                      <a:noFill/>
+                    </a:lnL>
+                    <a:lnR>
+                      <a:noFill/>
+                    </a:lnR>
+                    <a:lnT w="6350" cap="flat" cmpd="sng">
+                      <a:solidFill>
+                        <a:srgbClr val="E5E5E5"/>
+                      </a:solidFill>
+                      <a:prstDash val="solid"/>
+                      <a:headEnd type="none" w="med" len="med"/>
+                      <a:tailEnd type="none" w="med" len="med"/>
+                    </a:lnT>
+                    <a:lnB w="6350" cap="flat" cmpd="sng">
+                      <a:solidFill>
+                        <a:srgbClr val="E5E5E5"/>
+                      </a:solidFill>
+                      <a:prstDash val="solid"/>
+                      <a:headEnd type="none" w="med" len="med"/>
+                      <a:tailEnd type="none" w="med" len="med"/>
+                    </a:lnB>
+                    <a:noFill/>
+                  </a:tcPr>
+                </a:tc>
+                <a:tc>
+                  <a:txBody>
+                    <a:bodyPr/>
+                    <a:p>
+                      <a:r>
+                        <a:rPr lang="zh-CN" altLang="en-US" sz="1100" b="0" i="0">
+                          <a:solidFill>
+                            <a:srgbClr val="404040"/>
+                          </a:solidFill>
+                          <a:latin typeface="DeepSeek-CJK-patch"/>
+                          <a:ea typeface="DeepSeek-CJK-patch"/>
+                        </a:rPr>
+                        <a:t>函数式编程范式</a:t>
+                      </a:r>
+                      <a:endParaRPr lang="zh-CN" altLang="en-US" sz="1100" b="0" i="0">
+                        <a:solidFill>
+                          <a:srgbClr val="404040"/>
+                        </a:solidFill>
+                        <a:latin typeface="DeepSeek-CJK-patch"/>
+                        <a:ea typeface="DeepSeek-CJK-patch"/>
+                      </a:endParaRPr>
+                    </a:p>
+                  </a:txBody>
+                  <a:tcPr marL="95567" marR="95567" marT="95567" marB="95567" anchor="ctr" anchorCtr="0">
+                    <a:lnL>
+                      <a:noFill/>
+                    </a:lnL>
+                    <a:lnR>
+                      <a:noFill/>
+                    </a:lnR>
+                    <a:lnT w="6350" cap="flat" cmpd="sng">
+                      <a:solidFill>
+                        <a:srgbClr val="E5E5E5"/>
+                      </a:solidFill>
+                      <a:prstDash val="solid"/>
+                      <a:headEnd type="none" w="med" len="med"/>
+                      <a:tailEnd type="none" w="med" len="med"/>
+                    </a:lnT>
+                    <a:lnB w="6350" cap="flat" cmpd="sng">
+                      <a:solidFill>
+                        <a:srgbClr val="E5E5E5"/>
+                      </a:solidFill>
+                      <a:prstDash val="solid"/>
+                      <a:headEnd type="none" w="med" len="med"/>
+                      <a:tailEnd type="none" w="med" len="med"/>
+                    </a:lnB>
+                    <a:noFill/>
+                  </a:tcPr>
+                </a:tc>
+                <a:tc>
+                  <a:txBody>
+                    <a:bodyPr/>
+                    <a:p>
+                      <a:r>
+                        <a:rPr lang="zh-CN" altLang="en-US" sz="1100" b="0" i="0">
+                          <a:solidFill>
+                            <a:srgbClr val="404040"/>
+                          </a:solidFill>
+                          <a:latin typeface="DeepSeek-CJK-patch"/>
+                          <a:ea typeface="DeepSeek-CJK-patch"/>
+                        </a:rPr>
+                        <a:t>组件组合范式</a:t>
+                      </a:r>
+                      <a:endParaRPr lang="zh-CN" altLang="en-US" sz="1100" b="0" i="0">
+                        <a:solidFill>
+                          <a:srgbClr val="404040"/>
+                        </a:solidFill>
+                        <a:latin typeface="DeepSeek-CJK-patch"/>
+                        <a:ea typeface="DeepSeek-CJK-patch"/>
+                      </a:endParaRPr>
+                    </a:p>
+                  </a:txBody>
+                  <a:tcPr marL="95567" marR="95567" marT="95567" marB="95567" anchor="ctr" anchorCtr="0">
+                    <a:lnL>
+                      <a:noFill/>
+                    </a:lnL>
+                    <a:lnR>
+                      <a:noFill/>
+                    </a:lnR>
+                    <a:lnT w="6350" cap="flat" cmpd="sng">
+                      <a:solidFill>
+                        <a:srgbClr val="E5E5E5"/>
+                      </a:solidFill>
+                      <a:prstDash val="solid"/>
+                      <a:headEnd type="none" w="med" len="med"/>
+                      <a:tailEnd type="none" w="med" len="med"/>
+                    </a:lnT>
+                    <a:lnB w="6350" cap="flat" cmpd="sng">
+                      <a:solidFill>
+                        <a:srgbClr val="E5E5E5"/>
+                      </a:solidFill>
+                      <a:prstDash val="solid"/>
+                      <a:headEnd type="none" w="med" len="med"/>
+                      <a:tailEnd type="none" w="med" len="med"/>
+                    </a:lnB>
+                    <a:noFill/>
+                  </a:tcPr>
+                </a:tc>
+              </a:tr>
+              <a:tr h="0">
+                <a:tc>
+                  <a:txBody>
+                    <a:bodyPr/>
+                    <a:p>
+                      <a:r>
+                        <a:rPr lang="zh-CN" altLang="en-US" sz="1100" b="0" i="0">
+                          <a:solidFill>
+                            <a:srgbClr val="404040"/>
+                          </a:solidFill>
+                          <a:latin typeface="DeepSeek-CJK-patch"/>
+                          <a:ea typeface="DeepSeek-CJK-patch"/>
+                        </a:rPr>
+                        <a:t>与子组件关系</a:t>
+                      </a:r>
+                      <a:endParaRPr lang="zh-CN" altLang="en-US" sz="1100" b="0" i="0">
+                        <a:solidFill>
+                          <a:srgbClr val="404040"/>
+                        </a:solidFill>
+                        <a:latin typeface="DeepSeek-CJK-patch"/>
+                        <a:ea typeface="DeepSeek-CJK-patch"/>
+                      </a:endParaRPr>
+                    </a:p>
+                  </a:txBody>
+                  <a:tcPr marL="0" marR="95567" marT="95567" marB="95567" anchor="ctr" anchorCtr="0">
+                    <a:lnL>
+                      <a:noFill/>
+                    </a:lnL>
+                    <a:lnR>
+                      <a:noFill/>
+                    </a:lnR>
+                    <a:lnT w="6350" cap="flat" cmpd="sng">
+                      <a:solidFill>
+                        <a:srgbClr val="E5E5E5"/>
+                      </a:solidFill>
+                      <a:prstDash val="solid"/>
+                      <a:headEnd type="none" w="med" len="med"/>
+                      <a:tailEnd type="none" w="med" len="med"/>
+                    </a:lnT>
+                    <a:lnB w="6350" cap="flat" cmpd="sng">
+                      <a:solidFill>
+                        <a:srgbClr val="E5E5E5"/>
+                      </a:solidFill>
+                      <a:prstDash val="solid"/>
+                      <a:headEnd type="none" w="med" len="med"/>
+                      <a:tailEnd type="none" w="med" len="med"/>
+                    </a:lnB>
+                    <a:noFill/>
+                  </a:tcPr>
+                </a:tc>
+                <a:tc>
+                  <a:txBody>
+                    <a:bodyPr/>
+                    <a:p>
+                      <a:r>
+                        <a:rPr lang="zh-CN" altLang="en-US" sz="1100" b="0" i="0">
+                          <a:solidFill>
+                            <a:srgbClr val="404040"/>
+                          </a:solidFill>
+                          <a:latin typeface="DeepSeek-CJK-patch"/>
+                          <a:ea typeface="DeepSeek-CJK-patch"/>
+                        </a:rPr>
+                        <a:t>创建新组件</a:t>
+                      </a:r>
+                      <a:endParaRPr lang="zh-CN" altLang="en-US" sz="1100" b="0" i="0">
+                        <a:solidFill>
+                          <a:srgbClr val="404040"/>
+                        </a:solidFill>
+                        <a:latin typeface="DeepSeek-CJK-patch"/>
+                        <a:ea typeface="DeepSeek-CJK-patch"/>
+                      </a:endParaRPr>
+                    </a:p>
+                  </a:txBody>
+                  <a:tcPr marL="95567" marR="95567" marT="95567" marB="95567" anchor="ctr" anchorCtr="0">
+                    <a:lnL>
+                      <a:noFill/>
+                    </a:lnL>
+                    <a:lnR>
+                      <a:noFill/>
+                    </a:lnR>
+                    <a:lnT w="6350" cap="flat" cmpd="sng">
+                      <a:solidFill>
+                        <a:srgbClr val="E5E5E5"/>
+                      </a:solidFill>
+                      <a:prstDash val="solid"/>
+                      <a:headEnd type="none" w="med" len="med"/>
+                      <a:tailEnd type="none" w="med" len="med"/>
+                    </a:lnT>
+                    <a:lnB w="6350" cap="flat" cmpd="sng">
+                      <a:solidFill>
+                        <a:srgbClr val="E5E5E5"/>
+                      </a:solidFill>
+                      <a:prstDash val="solid"/>
+                      <a:headEnd type="none" w="med" len="med"/>
+                      <a:tailEnd type="none" w="med" len="med"/>
+                    </a:lnB>
+                    <a:noFill/>
+                  </a:tcPr>
+                </a:tc>
+                <a:tc>
+                  <a:txBody>
+                    <a:bodyPr/>
+                    <a:p>
+                      <a:r>
+                        <a:rPr lang="zh-CN" altLang="en-US" sz="1100" b="0" i="0">
+                          <a:solidFill>
+                            <a:srgbClr val="404040"/>
+                          </a:solidFill>
+                          <a:latin typeface="DeepSeek-CJK-patch"/>
+                          <a:ea typeface="DeepSeek-CJK-patch"/>
+                        </a:rPr>
+                        <a:t>直接包裹子组件</a:t>
+                      </a:r>
+                      <a:endParaRPr lang="zh-CN" altLang="en-US" sz="1100" b="0" i="0">
+                        <a:solidFill>
+                          <a:srgbClr val="404040"/>
+                        </a:solidFill>
+                        <a:latin typeface="DeepSeek-CJK-patch"/>
+                        <a:ea typeface="DeepSeek-CJK-patch"/>
+                      </a:endParaRPr>
+                    </a:p>
+                  </a:txBody>
+                  <a:tcPr marL="95567" marR="95567" marT="95567" marB="95567" anchor="ctr" anchorCtr="0">
+                    <a:lnL>
+                      <a:noFill/>
+                    </a:lnL>
+                    <a:lnR>
+                      <a:noFill/>
+                    </a:lnR>
+                    <a:lnT w="6350" cap="flat" cmpd="sng">
+                      <a:solidFill>
+                        <a:srgbClr val="E5E5E5"/>
+                      </a:solidFill>
+                      <a:prstDash val="solid"/>
+                      <a:headEnd type="none" w="med" len="med"/>
+                      <a:tailEnd type="none" w="med" len="med"/>
+                    </a:lnT>
+                    <a:lnB w="6350" cap="flat" cmpd="sng">
+                      <a:solidFill>
+                        <a:srgbClr val="E5E5E5"/>
+                      </a:solidFill>
+                      <a:prstDash val="solid"/>
+                      <a:headEnd type="none" w="med" len="med"/>
+                      <a:tailEnd type="none" w="med" len="med"/>
+                    </a:lnB>
+                    <a:noFill/>
+                  </a:tcPr>
+                </a:tc>
+              </a:tr>
+            </a:tbl>
+          </a:graphicData>
+        </a:graphic>
+      </p:graphicFrame>
+    </p:spTree>
+  </p:cSld>
+  <p:clrMapOvr>
+    <a:masterClrMapping/>
+  </p:clrMapOvr>
+</p:sld>
+</file>
+
+<file path=ppt/slides/slide32.xml><?xml version="1.0" encoding="utf-8"?>
+<p:sld xmlns:a="http://schemas.openxmlformats.org/drawingml/2006/main" xmlns:r="http://schemas.openxmlformats.org/officeDocument/2006/relationships" xmlns:p="http://schemas.openxmlformats.org/presentationml/2006/main">
+  <p:cSld>
+    <p:spTree>
+      <p:nvGrpSpPr>
+        <p:cNvPr id="1" name=""/>
+        <p:cNvGrpSpPr/>
+        <p:nvPr/>
+      </p:nvGrpSpPr>
+      <p:grpSpPr/>
+      <p:sp>
+        <p:nvSpPr>
+          <p:cNvPr id="2" name="标题 1"/>
+          <p:cNvSpPr>
+            <a:spLocks noGrp="1"/>
+          </p:cNvSpPr>
+          <p:nvPr>
+            <p:ph type="title"/>
+          </p:nvPr>
+        </p:nvSpPr>
+        <p:spPr/>
+        <p:txBody>
+          <a:bodyPr/>
+          <a:p>
+            <a:r>
+              <a:rPr lang="en-US" altLang="zh-CN" u="heavy">
+                <a:sym typeface="+mn-ea"/>
+              </a:rPr>
+              <a:t>HOC vs Wrapper  </a:t>
+            </a:r>
+            <a:endParaRPr lang="zh-CN" altLang="en-US"/>
+          </a:p>
+        </p:txBody>
+      </p:sp>
+      <p:sp>
+        <p:nvSpPr>
+          <p:cNvPr id="4" name="文本框 3"/>
+          <p:cNvSpPr txBox="1"/>
+          <p:nvPr/>
+        </p:nvSpPr>
+        <p:spPr>
+          <a:xfrm>
+            <a:off x="179705" y="1341120"/>
+            <a:ext cx="4572000" cy="4184650"/>
+          </a:xfrm>
+          <a:prstGeom prst="rect">
+            <a:avLst/>
+          </a:prstGeom>
+          <a:noFill/>
+        </p:spPr>
+        <p:txBody>
+          <a:bodyPr wrap="square" rtlCol="0" anchor="t">
+            <a:spAutoFit/>
+          </a:bodyPr>
+          <a:p>
+            <a:r>
+              <a:rPr lang="en-US" altLang="zh-CN" sz="1400"/>
+              <a:t>function </a:t>
+            </a:r>
+            <a:r>
+              <a:rPr lang="en-US" altLang="zh-CN" sz="1400">
+                <a:solidFill>
+                  <a:srgbClr val="FF0000"/>
+                </a:solidFill>
+              </a:rPr>
+              <a:t>withForm</a:t>
+            </a:r>
+            <a:r>
+              <a:rPr lang="en-US" altLang="zh-CN" sz="1400"/>
+              <a:t>(</a:t>
+            </a:r>
+            <a:r>
+              <a:rPr lang="en-US" altLang="zh-CN" sz="1400">
+                <a:sym typeface="+mn-ea"/>
+              </a:rPr>
+              <a:t>ChildClasAddForm</a:t>
+            </a:r>
+            <a:r>
+              <a:rPr lang="en-US" altLang="zh-CN" sz="1400"/>
+              <a:t>) {</a:t>
+            </a:r>
+            <a:endParaRPr lang="en-US" altLang="zh-CN" sz="1400"/>
+          </a:p>
+          <a:p>
+            <a:r>
+              <a:rPr lang="en-US" altLang="zh-CN" sz="1400"/>
+              <a:t>  return React.forwardRef((props, ref) =&gt; {</a:t>
+            </a:r>
+            <a:endParaRPr lang="en-US" altLang="zh-CN" sz="1400"/>
+          </a:p>
+          <a:p>
+            <a:r>
+              <a:rPr lang="en-US" altLang="zh-CN" sz="1400"/>
+              <a:t>    const [form] = Form.useForm();</a:t>
+            </a:r>
+            <a:endParaRPr lang="en-US" altLang="zh-CN" sz="1400"/>
+          </a:p>
+          <a:p>
+            <a:r>
+              <a:rPr lang="en-US" altLang="zh-CN" sz="1400"/>
+              <a:t>    </a:t>
+            </a:r>
+            <a:endParaRPr lang="en-US" altLang="zh-CN" sz="1400"/>
+          </a:p>
+          <a:p>
+            <a:r>
+              <a:rPr lang="en-US" altLang="zh-CN" sz="1400"/>
+              <a:t>    React.useImperativeHandle(ref, () =&gt; ({</a:t>
+            </a:r>
+            <a:endParaRPr lang="en-US" altLang="zh-CN" sz="1400"/>
+          </a:p>
+          <a:p>
+            <a:r>
+              <a:rPr lang="en-US" altLang="zh-CN" sz="1400"/>
+              <a:t>      validateFields: form.validateFields,</a:t>
+            </a:r>
+            <a:endParaRPr lang="en-US" altLang="zh-CN" sz="1400"/>
+          </a:p>
+          <a:p>
+            <a:r>
+              <a:rPr lang="en-US" altLang="zh-CN" sz="1400"/>
+              <a:t>      // ...</a:t>
+            </a:r>
+            <a:r>
+              <a:rPr lang="zh-CN" altLang="en-US" sz="1400"/>
+              <a:t>其他方法</a:t>
+            </a:r>
+            <a:endParaRPr lang="zh-CN" altLang="en-US" sz="1400"/>
+          </a:p>
+          <a:p>
+            <a:r>
+              <a:rPr lang="en-US" altLang="zh-CN" sz="1400"/>
+              <a:t>    }));</a:t>
+            </a:r>
+            <a:endParaRPr lang="en-US" altLang="zh-CN" sz="1400"/>
+          </a:p>
+          <a:p>
+            <a:r>
+              <a:rPr lang="en-US" altLang="zh-CN" sz="1400"/>
+              <a:t>    </a:t>
+            </a:r>
+            <a:endParaRPr lang="en-US" altLang="zh-CN" sz="1400"/>
+          </a:p>
+          <a:p>
+            <a:r>
+              <a:rPr lang="en-US" altLang="zh-CN" sz="1400"/>
+              <a:t>    return &lt;</a:t>
+            </a:r>
+            <a:r>
+              <a:rPr lang="en-US" altLang="zh-CN" sz="1400">
+                <a:sym typeface="+mn-ea"/>
+              </a:rPr>
+              <a:t>ChildClasAddForm </a:t>
+            </a:r>
+            <a:r>
+              <a:rPr lang="en-US" altLang="zh-CN" sz="1400"/>
+              <a:t>{...props} form={form} /&gt;;</a:t>
+            </a:r>
+            <a:endParaRPr lang="en-US" altLang="zh-CN" sz="1400"/>
+          </a:p>
+          <a:p>
+            <a:r>
+              <a:rPr lang="en-US" altLang="zh-CN" sz="1400"/>
+              <a:t>  });</a:t>
+            </a:r>
+            <a:endParaRPr lang="en-US" altLang="zh-CN" sz="1400"/>
+          </a:p>
+          <a:p>
+            <a:r>
+              <a:rPr lang="en-US" altLang="zh-CN" sz="1400"/>
+              <a:t>}</a:t>
+            </a:r>
+            <a:endParaRPr lang="en-US" altLang="zh-CN" sz="1400"/>
+          </a:p>
+          <a:p>
+            <a:endParaRPr lang="en-US" altLang="zh-CN" sz="1400"/>
+          </a:p>
+          <a:p>
+            <a:endParaRPr lang="en-US" altLang="zh-CN" sz="1400"/>
+          </a:p>
+          <a:p>
+            <a:endParaRPr lang="en-US" altLang="zh-CN" sz="1400"/>
+          </a:p>
+          <a:p>
+            <a:endParaRPr lang="en-US" altLang="zh-CN" sz="1400"/>
+          </a:p>
+          <a:p>
+            <a:endParaRPr lang="en-US" altLang="zh-CN" sz="1400"/>
+          </a:p>
+          <a:p>
+            <a:r>
+              <a:rPr lang="en-US" altLang="zh-CN" sz="1400"/>
+              <a:t>// </a:t>
+            </a:r>
+            <a:r>
+              <a:rPr lang="zh-CN" altLang="en-US" sz="1400"/>
+              <a:t>使用方式</a:t>
+            </a:r>
+            <a:endParaRPr lang="zh-CN" altLang="en-US" sz="1400"/>
+          </a:p>
+          <a:p>
+            <a:r>
+              <a:rPr lang="en-US" altLang="zh-CN" sz="1400"/>
+              <a:t>const EnhancedForm = withForm(ChildClasAddForm);</a:t>
+            </a:r>
+            <a:endParaRPr lang="zh-CN" altLang="en-US" sz="1400"/>
+          </a:p>
+        </p:txBody>
+      </p:sp>
+      <p:sp>
+        <p:nvSpPr>
+          <p:cNvPr id="6" name="文本框 5"/>
+          <p:cNvSpPr txBox="1"/>
+          <p:nvPr/>
+        </p:nvSpPr>
+        <p:spPr>
+          <a:xfrm>
+            <a:off x="4572000" y="1412875"/>
+            <a:ext cx="5080000" cy="3734435"/>
+          </a:xfrm>
+          <a:prstGeom prst="rect">
+            <a:avLst/>
+          </a:prstGeom>
+        </p:spPr>
+        <p:txBody>
+          <a:bodyPr>
+            <a:noAutofit/>
+          </a:bodyPr>
+          <a:p>
+            <a:r>
+              <a:rPr lang="en-US" altLang="zh-CN" sz="1400"/>
+              <a:t>const </a:t>
+            </a:r>
+            <a:r>
+              <a:rPr lang="en-US" altLang="zh-CN" sz="1400">
+                <a:solidFill>
+                  <a:srgbClr val="FF0000"/>
+                </a:solidFill>
+              </a:rPr>
+              <a:t>WrapperClassChildAddForm </a:t>
+            </a:r>
+            <a:r>
+              <a:rPr lang="en-US" altLang="zh-CN" sz="1400"/>
+              <a:t>= React.forwardRef(</a:t>
+            </a:r>
+            <a:endParaRPr lang="en-US" altLang="zh-CN" sz="1400"/>
+          </a:p>
+          <a:p>
+            <a:r>
+              <a:rPr lang="en-US" altLang="zh-CN" sz="1400"/>
+              <a:t>(props, ref) =&gt; {</a:t>
+            </a:r>
+            <a:endParaRPr lang="en-US" altLang="zh-CN" sz="1400"/>
+          </a:p>
+          <a:p>
+            <a:r>
+              <a:rPr lang="en-US" altLang="zh-CN" sz="1400"/>
+              <a:t>    const [form] = Form.useForm();</a:t>
+            </a:r>
+            <a:endParaRPr lang="en-US" altLang="zh-CN" sz="1400"/>
+          </a:p>
+          <a:p>
+            <a:endParaRPr lang="en-US" altLang="zh-CN" sz="1400"/>
+          </a:p>
+          <a:p>
+            <a:r>
+              <a:rPr lang="en-US" altLang="zh-CN" sz="1400"/>
+              <a:t>    // Expose form methods to parent via ref</a:t>
+            </a:r>
+            <a:endParaRPr lang="en-US" altLang="zh-CN" sz="1400"/>
+          </a:p>
+          <a:p>
+            <a:r>
+              <a:rPr lang="en-US" altLang="zh-CN" sz="1400"/>
+              <a:t>    React.useImperativeHandle(ref, () =&gt; ({</a:t>
+            </a:r>
+            <a:endParaRPr lang="en-US" altLang="zh-CN" sz="1400"/>
+          </a:p>
+          <a:p>
+            <a:r>
+              <a:rPr lang="en-US" altLang="zh-CN" sz="1400"/>
+              <a:t>        validateFields: form.validateFields,</a:t>
+            </a:r>
+            <a:endParaRPr lang="en-US" altLang="zh-CN" sz="1400"/>
+          </a:p>
+          <a:p>
+            <a:r>
+              <a:rPr lang="en-US" altLang="zh-CN" sz="1400"/>
+              <a:t>        getFieldsValue: form.getFieldsValue,</a:t>
+            </a:r>
+            <a:endParaRPr lang="en-US" altLang="zh-CN" sz="1400"/>
+          </a:p>
+          <a:p>
+            <a:r>
+              <a:rPr lang="en-US" altLang="zh-CN" sz="1400"/>
+              <a:t>        setFieldsValue: form.setFieldsValue,</a:t>
+            </a:r>
+            <a:endParaRPr lang="en-US" altLang="zh-CN" sz="1400"/>
+          </a:p>
+          <a:p>
+            <a:r>
+              <a:rPr lang="en-US" altLang="zh-CN" sz="1400"/>
+              <a:t>        resetFields: form.resetFields</a:t>
+            </a:r>
+            <a:endParaRPr lang="en-US" altLang="zh-CN" sz="1400"/>
+          </a:p>
+          <a:p>
+            <a:r>
+              <a:rPr lang="en-US" altLang="zh-CN" sz="1400"/>
+              <a:t>    }));</a:t>
+            </a:r>
+            <a:endParaRPr lang="en-US" altLang="zh-CN" sz="1400"/>
+          </a:p>
+          <a:p>
+            <a:endParaRPr lang="en-US" altLang="zh-CN" sz="1400"/>
+          </a:p>
+          <a:p>
+            <a:r>
+              <a:rPr lang="en-US" altLang="zh-CN" sz="1400"/>
+              <a:t>    // Pass the form instance to the child component</a:t>
+            </a:r>
+            <a:endParaRPr lang="en-US" altLang="zh-CN" sz="1400"/>
+          </a:p>
+          <a:p>
+            <a:r>
+              <a:rPr lang="en-US" altLang="zh-CN" sz="1400"/>
+              <a:t>    return &lt;ChildClasAddForm {...props} form={form} /&gt;;</a:t>
+            </a:r>
+            <a:endParaRPr lang="en-US" altLang="zh-CN" sz="1400"/>
+          </a:p>
+          <a:p>
+            <a:r>
+              <a:rPr lang="en-US" altLang="zh-CN" sz="1400"/>
+              <a:t>});</a:t>
+            </a:r>
+            <a:endParaRPr lang="en-US" altLang="zh-CN" sz="1400"/>
+          </a:p>
+          <a:p>
+            <a:r>
+              <a:rPr lang="en-US" altLang="zh-CN" sz="1400"/>
+              <a:t>export default WrapperClassChildAddForm;</a:t>
+            </a:r>
+            <a:endParaRPr lang="en-US" altLang="zh-CN" sz="1400"/>
+          </a:p>
+        </p:txBody>
+      </p:sp>
+      <p:sp>
+        <p:nvSpPr>
+          <p:cNvPr id="7" name="文本框 6"/>
+          <p:cNvSpPr txBox="1"/>
+          <p:nvPr/>
+        </p:nvSpPr>
+        <p:spPr>
+          <a:xfrm>
+            <a:off x="4826000" y="5157470"/>
+            <a:ext cx="4572000" cy="306705"/>
+          </a:xfrm>
+          <a:prstGeom prst="rect">
+            <a:avLst/>
+          </a:prstGeom>
+          <a:noFill/>
+        </p:spPr>
+        <p:txBody>
+          <a:bodyPr wrap="square" rtlCol="0" anchor="t">
+            <a:spAutoFit/>
+          </a:bodyPr>
+          <a:p>
+            <a:r>
+              <a:rPr lang="en-US" altLang="zh-CN" sz="1400">
+                <a:sym typeface="+mn-ea"/>
+              </a:rPr>
+              <a:t>&lt;WrapperClassChildAddForm/&gt;</a:t>
+            </a:r>
+            <a:endParaRPr lang="en-US" altLang="zh-CN" sz="1400">
+              <a:sym typeface="+mn-ea"/>
+            </a:endParaRPr>
+          </a:p>
+        </p:txBody>
+      </p:sp>
+    </p:spTree>
+  </p:cSld>
+  <p:clrMapOvr>
+    <a:masterClrMapping/>
+  </p:clrMapOvr>
+</p:sld>
+</file>
+
+<file path=ppt/slides/slide33.xml><?xml version="1.0" encoding="utf-8"?>
+<p:sld xmlns:a="http://schemas.openxmlformats.org/drawingml/2006/main" xmlns:r="http://schemas.openxmlformats.org/officeDocument/2006/relationships" xmlns:p="http://schemas.openxmlformats.org/presentationml/2006/main">
+  <p:cSld>
+    <p:spTree>
+      <p:nvGrpSpPr>
+        <p:cNvPr id="1" name=""/>
+        <p:cNvGrpSpPr/>
+        <p:nvPr/>
+      </p:nvGrpSpPr>
+      <p:grpSpPr/>
+      <p:sp>
+        <p:nvSpPr>
+          <p:cNvPr id="2" name="标题 1"/>
+          <p:cNvSpPr>
+            <a:spLocks noGrp="1"/>
+          </p:cNvSpPr>
+          <p:nvPr>
+            <p:ph type="title"/>
+          </p:nvPr>
+        </p:nvSpPr>
+        <p:spPr/>
+        <p:txBody>
+          <a:bodyPr/>
+          <a:p>
+            <a:r>
+              <a:rPr lang="en-US" altLang="zh-CN"/>
+              <a:t>useState,useEffect </a:t>
+            </a:r>
+            <a:endParaRPr lang="en-US" altLang="zh-CN"/>
+          </a:p>
+        </p:txBody>
+      </p:sp>
+      <p:sp>
+        <p:nvSpPr>
+          <p:cNvPr id="3" name="内容占位符 2"/>
+          <p:cNvSpPr>
+            <a:spLocks noGrp="1"/>
+          </p:cNvSpPr>
+          <p:nvPr>
+            <p:ph idx="1"/>
+          </p:nvPr>
+        </p:nvSpPr>
+        <p:spPr/>
+        <p:txBody>
+          <a:bodyPr/>
+          <a:p>
+            <a:endParaRPr lang="zh-CN" altLang="en-US"/>
+          </a:p>
+        </p:txBody>
+      </p:sp>
+    </p:spTree>
+  </p:cSld>
+  <p:clrMapOvr>
+    <a:masterClrMapping/>
+  </p:clrMapOvr>
+</p:sld>
+</file>
+
+<file path=ppt/slides/slide34.xml><?xml version="1.0" encoding="utf-8"?>
+<p:sld xmlns:a="http://schemas.openxmlformats.org/drawingml/2006/main" xmlns:r="http://schemas.openxmlformats.org/officeDocument/2006/relationships" xmlns:p="http://schemas.openxmlformats.org/presentationml/2006/main">
+  <p:cSld>
+    <p:spTree>
+      <p:nvGrpSpPr>
+        <p:cNvPr id="1" name=""/>
+        <p:cNvGrpSpPr/>
+        <p:nvPr/>
+      </p:nvGrpSpPr>
+      <p:grpSpPr/>
+      <p:sp>
+        <p:nvSpPr>
+          <p:cNvPr id="2" name="标题 1"/>
+          <p:cNvSpPr>
+            <a:spLocks noGrp="1"/>
+          </p:cNvSpPr>
+          <p:nvPr>
+            <p:ph type="title"/>
+          </p:nvPr>
+        </p:nvSpPr>
+        <p:spPr/>
+        <p:txBody>
+          <a:bodyPr/>
+          <a:p>
+            <a:r>
+              <a:rPr lang="en-US" altLang="zh-CN">
+                <a:sym typeface="+mn-ea"/>
+              </a:rPr>
+              <a:t>forwardRef</a:t>
+            </a:r>
+            <a:endParaRPr lang="zh-CN" altLang="en-US"/>
+          </a:p>
+        </p:txBody>
+      </p:sp>
+      <p:sp>
+        <p:nvSpPr>
+          <p:cNvPr id="5" name="内容占位符 4"/>
+          <p:cNvSpPr>
+            <a:spLocks noGrp="1"/>
+          </p:cNvSpPr>
+          <p:nvPr>
+            <p:ph idx="1"/>
+          </p:nvPr>
+        </p:nvSpPr>
+        <p:spPr>
+          <a:xfrm>
+            <a:off x="251460" y="1557020"/>
+            <a:ext cx="8229600" cy="4525963"/>
+          </a:xfrm>
+        </p:spPr>
+        <p:txBody>
+          <a:bodyPr/>
+          <a:p>
+            <a:pPr marL="0" indent="0">
+              <a:buNone/>
+            </a:pPr>
+            <a:r>
+              <a:rPr lang="en-US" altLang="zh-CN" sz="1400">
+                <a:sym typeface="+mn-ea"/>
+              </a:rPr>
+              <a:t>// </a:t>
+            </a:r>
+            <a:r>
+              <a:rPr lang="zh-CN" altLang="en-US" sz="1400">
+                <a:sym typeface="+mn-ea"/>
+              </a:rPr>
+              <a:t>子组件</a:t>
+            </a:r>
+            <a:endParaRPr lang="zh-CN" altLang="en-US" sz="1400"/>
+          </a:p>
+          <a:p>
+            <a:pPr marL="0" indent="0">
+              <a:buNone/>
+            </a:pPr>
+            <a:r>
+              <a:rPr lang="en-US" altLang="zh-CN" sz="1400">
+                <a:sym typeface="+mn-ea"/>
+              </a:rPr>
+              <a:t>const </a:t>
+            </a:r>
+            <a:r>
+              <a:rPr lang="en-US" altLang="zh-CN" sz="1400">
+                <a:solidFill>
+                  <a:srgbClr val="FF0000"/>
+                </a:solidFill>
+                <a:sym typeface="+mn-ea"/>
+              </a:rPr>
+              <a:t>ChildForm </a:t>
+            </a:r>
+            <a:r>
+              <a:rPr lang="en-US" altLang="zh-CN" sz="1400">
+                <a:sym typeface="+mn-ea"/>
+              </a:rPr>
+              <a:t>= forwardRef((props, ref) =&gt; {</a:t>
+            </a:r>
+            <a:endParaRPr lang="en-US" altLang="zh-CN" sz="1400"/>
+          </a:p>
+          <a:p>
+            <a:pPr marL="0" indent="0">
+              <a:buNone/>
+            </a:pPr>
+            <a:r>
+              <a:rPr lang="en-US" altLang="zh-CN" sz="1400">
+                <a:sym typeface="+mn-ea"/>
+              </a:rPr>
+              <a:t>  const [form] = Form.useForm();</a:t>
+            </a:r>
+            <a:endParaRPr lang="en-US" altLang="zh-CN" sz="1400"/>
+          </a:p>
+          <a:p>
+            <a:pPr marL="0" indent="0">
+              <a:buNone/>
+            </a:pPr>
+            <a:r>
+              <a:rPr lang="en-US" altLang="zh-CN" sz="1400">
+                <a:sym typeface="+mn-ea"/>
+              </a:rPr>
+              <a:t>  useImperativeHandle(ref, () =&gt; ({</a:t>
+            </a:r>
+            <a:endParaRPr lang="en-US" altLang="zh-CN" sz="1400"/>
+          </a:p>
+          <a:p>
+            <a:pPr marL="0" indent="0">
+              <a:buNone/>
+            </a:pPr>
+            <a:r>
+              <a:rPr lang="en-US" altLang="zh-CN" sz="1400">
+                <a:sym typeface="+mn-ea"/>
+              </a:rPr>
+              <a:t>    submit: async () =&gt; {</a:t>
+            </a:r>
+            <a:endParaRPr lang="en-US" altLang="zh-CN" sz="1400"/>
+          </a:p>
+          <a:p>
+            <a:pPr marL="0" indent="0">
+              <a:buNone/>
+            </a:pPr>
+            <a:r>
+              <a:rPr lang="en-US" altLang="zh-CN" sz="1400">
+                <a:sym typeface="+mn-ea"/>
+              </a:rPr>
+              <a:t>      try { return await form.validateFields();</a:t>
+            </a:r>
+            <a:endParaRPr lang="en-US" altLang="zh-CN" sz="1400"/>
+          </a:p>
+          <a:p>
+            <a:pPr marL="0" indent="0">
+              <a:buNone/>
+            </a:pPr>
+            <a:r>
+              <a:rPr lang="en-US" altLang="zh-CN" sz="1400">
+                <a:sym typeface="+mn-ea"/>
+              </a:rPr>
+              <a:t>      } catch (e) {</a:t>
+            </a:r>
+            <a:endParaRPr lang="en-US" altLang="zh-CN" sz="1400"/>
+          </a:p>
+          <a:p>
+            <a:pPr marL="0" indent="0">
+              <a:buNone/>
+            </a:pPr>
+            <a:r>
+              <a:rPr lang="en-US" altLang="zh-CN" sz="1400">
+                <a:sym typeface="+mn-ea"/>
+              </a:rPr>
+              <a:t>        console.error('</a:t>
+            </a:r>
+            <a:r>
+              <a:rPr lang="zh-CN" altLang="en-US" sz="1400">
+                <a:sym typeface="+mn-ea"/>
+              </a:rPr>
+              <a:t>验证失败</a:t>
+            </a:r>
+            <a:r>
+              <a:rPr lang="en-US" altLang="zh-CN" sz="1400">
+                <a:sym typeface="+mn-ea"/>
+              </a:rPr>
+              <a:t>', e);</a:t>
+            </a:r>
+            <a:endParaRPr lang="en-US" altLang="zh-CN" sz="1400"/>
+          </a:p>
+          <a:p>
+            <a:pPr marL="0" indent="0">
+              <a:buNone/>
+            </a:pPr>
+            <a:r>
+              <a:rPr lang="en-US" altLang="zh-CN" sz="1400">
+                <a:sym typeface="+mn-ea"/>
+              </a:rPr>
+              <a:t>        throw e;</a:t>
+            </a:r>
+            <a:endParaRPr lang="en-US" altLang="zh-CN" sz="1400"/>
+          </a:p>
+          <a:p>
+            <a:pPr marL="0" indent="0">
+              <a:buNone/>
+            </a:pPr>
+            <a:r>
+              <a:rPr lang="en-US" altLang="zh-CN" sz="1400">
+                <a:sym typeface="+mn-ea"/>
+              </a:rPr>
+              <a:t>      }},</a:t>
+            </a:r>
+            <a:endParaRPr lang="en-US" altLang="zh-CN" sz="1400"/>
+          </a:p>
+          <a:p>
+            <a:pPr marL="0" indent="0">
+              <a:buNone/>
+            </a:pPr>
+            <a:r>
+              <a:rPr lang="en-US" altLang="zh-CN" sz="1400">
+                <a:sym typeface="+mn-ea"/>
+              </a:rPr>
+              <a:t>    reset: () =&gt; form.resetFields()</a:t>
+            </a:r>
+            <a:endParaRPr lang="en-US" altLang="zh-CN" sz="1400"/>
+          </a:p>
+          <a:p>
+            <a:pPr marL="0" indent="0">
+              <a:buNone/>
+            </a:pPr>
+            <a:r>
+              <a:rPr lang="en-US" altLang="zh-CN" sz="1400">
+                <a:sym typeface="+mn-ea"/>
+              </a:rPr>
+              <a:t>  }));</a:t>
+            </a:r>
+            <a:endParaRPr lang="en-US" altLang="zh-CN" sz="1400"/>
+          </a:p>
+          <a:p>
+            <a:pPr marL="0" indent="0">
+              <a:buNone/>
+            </a:pPr>
+            <a:r>
+              <a:rPr lang="en-US" altLang="zh-CN" sz="1400">
+                <a:sym typeface="+mn-ea"/>
+              </a:rPr>
+              <a:t>  return &lt;Form form={form}&gt;{/* ... */}&lt;/Form&gt;;</a:t>
+            </a:r>
+            <a:endParaRPr lang="en-US" altLang="zh-CN" sz="1400"/>
+          </a:p>
+          <a:p>
+            <a:pPr marL="0" indent="0">
+              <a:buNone/>
+            </a:pPr>
+            <a:r>
+              <a:rPr lang="en-US" altLang="zh-CN" sz="1400">
+                <a:sym typeface="+mn-ea"/>
+              </a:rPr>
+              <a:t>});</a:t>
+            </a:r>
+            <a:endParaRPr lang="en-US" altLang="zh-CN" sz="1400">
+              <a:sym typeface="+mn-ea"/>
+            </a:endParaRPr>
+          </a:p>
+          <a:p>
+            <a:pPr marL="0" indent="0">
+              <a:buNone/>
+            </a:pPr>
+            <a:endParaRPr lang="en-US" altLang="zh-CN" sz="1600">
+              <a:sym typeface="+mn-ea"/>
+            </a:endParaRPr>
+          </a:p>
+          <a:p>
+            <a:pPr marL="0" indent="0">
+              <a:buNone/>
+            </a:pPr>
+            <a:endParaRPr lang="en-US" altLang="zh-CN" sz="1600"/>
+          </a:p>
+        </p:txBody>
+      </p:sp>
+      <p:sp>
+        <p:nvSpPr>
+          <p:cNvPr id="6" name="文本框 5"/>
+          <p:cNvSpPr txBox="1"/>
+          <p:nvPr/>
+        </p:nvSpPr>
+        <p:spPr>
+          <a:xfrm>
+            <a:off x="5292090" y="1557020"/>
+            <a:ext cx="4572000" cy="4615815"/>
+          </a:xfrm>
+          <a:prstGeom prst="rect">
+            <a:avLst/>
+          </a:prstGeom>
+          <a:noFill/>
+        </p:spPr>
+        <p:txBody>
+          <a:bodyPr wrap="square" rtlCol="0" anchor="t">
+            <a:spAutoFit/>
+          </a:bodyPr>
+          <a:p>
+            <a:pPr marL="0" indent="0">
+              <a:buNone/>
+            </a:pPr>
+            <a:r>
+              <a:rPr lang="en-US" altLang="zh-CN" sz="1400">
+                <a:sym typeface="+mn-ea"/>
+              </a:rPr>
+              <a:t>// </a:t>
+            </a:r>
+            <a:r>
+              <a:rPr lang="zh-CN" altLang="en-US" sz="1400">
+                <a:sym typeface="+mn-ea"/>
+              </a:rPr>
+              <a:t>父组件</a:t>
+            </a:r>
+            <a:endParaRPr lang="zh-CN" altLang="en-US" sz="1400"/>
+          </a:p>
+          <a:p>
+            <a:pPr marL="0" indent="0">
+              <a:buNone/>
+            </a:pPr>
+            <a:r>
+              <a:rPr lang="en-US" altLang="zh-CN" sz="1400">
+                <a:sym typeface="+mn-ea"/>
+              </a:rPr>
+              <a:t>function </a:t>
+            </a:r>
+            <a:r>
+              <a:rPr lang="en-US" altLang="zh-CN" sz="1400">
+                <a:solidFill>
+                  <a:srgbClr val="FF0000"/>
+                </a:solidFill>
+                <a:sym typeface="+mn-ea"/>
+              </a:rPr>
+              <a:t>Parent</a:t>
+            </a:r>
+            <a:r>
+              <a:rPr lang="en-US" altLang="zh-CN" sz="1400">
+                <a:sym typeface="+mn-ea"/>
+              </a:rPr>
+              <a:t>() {</a:t>
+            </a:r>
+            <a:endParaRPr lang="en-US" altLang="zh-CN" sz="1400"/>
+          </a:p>
+          <a:p>
+            <a:pPr marL="0" indent="0">
+              <a:buNone/>
+            </a:pPr>
+            <a:r>
+              <a:rPr lang="en-US" altLang="zh-CN" sz="1400">
+                <a:sym typeface="+mn-ea"/>
+              </a:rPr>
+              <a:t>  const formRef = useRef();</a:t>
+            </a:r>
+            <a:endParaRPr lang="en-US" altLang="zh-CN" sz="1400"/>
+          </a:p>
+          <a:p>
+            <a:pPr marL="0" indent="0">
+              <a:buNone/>
+            </a:pPr>
+            <a:r>
+              <a:rPr lang="en-US" altLang="zh-CN" sz="1400">
+                <a:sym typeface="+mn-ea"/>
+              </a:rPr>
+              <a:t>  </a:t>
+            </a:r>
+            <a:endParaRPr lang="en-US" altLang="zh-CN" sz="1400"/>
+          </a:p>
+          <a:p>
+            <a:pPr marL="0" indent="0">
+              <a:buNone/>
+            </a:pPr>
+            <a:r>
+              <a:rPr lang="en-US" altLang="zh-CN" sz="1400">
+                <a:sym typeface="+mn-ea"/>
+              </a:rPr>
+              <a:t>  const handleSubmit = async () =&gt; {</a:t>
+            </a:r>
+            <a:endParaRPr lang="en-US" altLang="zh-CN" sz="1400"/>
+          </a:p>
+          <a:p>
+            <a:pPr marL="0" indent="0">
+              <a:buNone/>
+            </a:pPr>
+            <a:r>
+              <a:rPr lang="en-US" altLang="zh-CN" sz="1400">
+                <a:sym typeface="+mn-ea"/>
+              </a:rPr>
+              <a:t>    try {</a:t>
+            </a:r>
+            <a:endParaRPr lang="en-US" altLang="zh-CN" sz="1400"/>
+          </a:p>
+          <a:p>
+            <a:pPr marL="0" indent="0">
+              <a:buNone/>
+            </a:pPr>
+            <a:r>
+              <a:rPr lang="en-US" altLang="zh-CN" sz="1400">
+                <a:sym typeface="+mn-ea"/>
+              </a:rPr>
+              <a:t>      const values = await formRef.current?.submit();</a:t>
+            </a:r>
+            <a:endParaRPr lang="en-US" altLang="zh-CN" sz="1400"/>
+          </a:p>
+          <a:p>
+            <a:pPr marL="0" indent="0">
+              <a:buNone/>
+            </a:pPr>
+            <a:r>
+              <a:rPr lang="en-US" altLang="zh-CN" sz="1400">
+                <a:sym typeface="+mn-ea"/>
+              </a:rPr>
+              <a:t>      console.log('</a:t>
+            </a:r>
+            <a:r>
+              <a:rPr lang="zh-CN" altLang="en-US" sz="1400">
+                <a:sym typeface="+mn-ea"/>
+              </a:rPr>
+              <a:t>提交数据</a:t>
+            </a:r>
+            <a:r>
+              <a:rPr lang="en-US" altLang="zh-CN" sz="1400">
+                <a:sym typeface="+mn-ea"/>
+              </a:rPr>
+              <a:t>', values);</a:t>
+            </a:r>
+            <a:endParaRPr lang="en-US" altLang="zh-CN" sz="1400"/>
+          </a:p>
+          <a:p>
+            <a:pPr marL="0" indent="0">
+              <a:buNone/>
+            </a:pPr>
+            <a:r>
+              <a:rPr lang="en-US" altLang="zh-CN" sz="1400">
+                <a:sym typeface="+mn-ea"/>
+              </a:rPr>
+              <a:t>    } catch (e) {</a:t>
+            </a:r>
+            <a:endParaRPr lang="en-US" altLang="zh-CN" sz="1400"/>
+          </a:p>
+          <a:p>
+            <a:pPr marL="0" indent="0">
+              <a:buNone/>
+            </a:pPr>
+            <a:r>
+              <a:rPr lang="en-US" altLang="zh-CN" sz="1400">
+                <a:sym typeface="+mn-ea"/>
+              </a:rPr>
+              <a:t>      // </a:t>
+            </a:r>
+            <a:r>
+              <a:rPr lang="zh-CN" altLang="en-US" sz="1400">
+                <a:sym typeface="+mn-ea"/>
+              </a:rPr>
+              <a:t>处理错误</a:t>
+            </a:r>
+            <a:endParaRPr lang="zh-CN" altLang="en-US" sz="1400"/>
+          </a:p>
+          <a:p>
+            <a:pPr marL="0" indent="0">
+              <a:buNone/>
+            </a:pPr>
+            <a:r>
+              <a:rPr lang="en-US" altLang="zh-CN" sz="1400">
+                <a:sym typeface="+mn-ea"/>
+              </a:rPr>
+              <a:t>    }</a:t>
+            </a:r>
+            <a:endParaRPr lang="en-US" altLang="zh-CN" sz="1400"/>
+          </a:p>
+          <a:p>
+            <a:pPr marL="0" indent="0">
+              <a:buNone/>
+            </a:pPr>
+            <a:r>
+              <a:rPr lang="en-US" altLang="zh-CN" sz="1400">
+                <a:sym typeface="+mn-ea"/>
+              </a:rPr>
+              <a:t>  };</a:t>
+            </a:r>
+            <a:endParaRPr lang="en-US" altLang="zh-CN" sz="1400"/>
+          </a:p>
+          <a:p>
+            <a:pPr marL="0" indent="0">
+              <a:buNone/>
+            </a:pPr>
+            <a:r>
+              <a:rPr lang="en-US" altLang="zh-CN" sz="1400">
+                <a:sym typeface="+mn-ea"/>
+              </a:rPr>
+              <a:t>  return (</a:t>
+            </a:r>
+            <a:endParaRPr lang="en-US" altLang="zh-CN" sz="1400"/>
+          </a:p>
+          <a:p>
+            <a:pPr marL="0" indent="0">
+              <a:buNone/>
+            </a:pPr>
+            <a:r>
+              <a:rPr lang="en-US" altLang="zh-CN" sz="1400">
+                <a:sym typeface="+mn-ea"/>
+              </a:rPr>
+              <a:t>    &lt;&gt;</a:t>
+            </a:r>
+            <a:endParaRPr lang="en-US" altLang="zh-CN" sz="1400"/>
+          </a:p>
+          <a:p>
+            <a:pPr marL="0" indent="0">
+              <a:buNone/>
+            </a:pPr>
+            <a:r>
+              <a:rPr lang="en-US" altLang="zh-CN" sz="1400">
+                <a:sym typeface="+mn-ea"/>
+              </a:rPr>
+              <a:t>      &lt;ChildForm ref={formRef} /&gt;</a:t>
+            </a:r>
+            <a:endParaRPr lang="en-US" altLang="zh-CN" sz="1400"/>
+          </a:p>
+          <a:p>
+            <a:pPr marL="0" indent="0">
+              <a:buNone/>
+            </a:pPr>
+            <a:r>
+              <a:rPr lang="en-US" altLang="zh-CN" sz="1400">
+                <a:sym typeface="+mn-ea"/>
+              </a:rPr>
+              <a:t>      &lt;button onClick={handleSubmit}&gt;</a:t>
+            </a:r>
+            <a:r>
+              <a:rPr lang="zh-CN" altLang="en-US" sz="1400">
+                <a:sym typeface="+mn-ea"/>
+              </a:rPr>
+              <a:t>父组件提交</a:t>
+            </a:r>
+            <a:r>
+              <a:rPr lang="en-US" altLang="zh-CN" sz="1400">
+                <a:sym typeface="+mn-ea"/>
+              </a:rPr>
+              <a:t>&lt;/button&gt;</a:t>
+            </a:r>
+            <a:endParaRPr lang="en-US" altLang="zh-CN" sz="1400"/>
+          </a:p>
+          <a:p>
+            <a:pPr marL="0" indent="0">
+              <a:buNone/>
+            </a:pPr>
+            <a:r>
+              <a:rPr lang="en-US" altLang="zh-CN" sz="1400">
+                <a:sym typeface="+mn-ea"/>
+              </a:rPr>
+              <a:t>    &lt;/&gt;</a:t>
+            </a:r>
+            <a:endParaRPr lang="en-US" altLang="zh-CN" sz="1400"/>
+          </a:p>
+          <a:p>
+            <a:pPr marL="0" indent="0">
+              <a:buNone/>
+            </a:pPr>
+            <a:r>
+              <a:rPr lang="en-US" altLang="zh-CN" sz="1400">
+                <a:sym typeface="+mn-ea"/>
+              </a:rPr>
+              <a:t>  );</a:t>
+            </a:r>
+            <a:endParaRPr lang="en-US" altLang="zh-CN" sz="1400"/>
+          </a:p>
+          <a:p>
+            <a:pPr marL="0" indent="0">
+              <a:buNone/>
+            </a:pPr>
+            <a:r>
+              <a:rPr lang="en-US" altLang="zh-CN" sz="1400">
+                <a:sym typeface="+mn-ea"/>
+              </a:rPr>
+              <a:t>}</a:t>
+            </a:r>
+            <a:endParaRPr lang="en-US" altLang="zh-CN" sz="1400"/>
+          </a:p>
+          <a:p>
+            <a:pPr marL="0" indent="0">
+              <a:buNone/>
+            </a:pPr>
             <a:endParaRPr lang="en-US" altLang="zh-CN" sz="1400"/>
           </a:p>
         </p:txBody>
@@ -10147,6 +15340,13 @@
     <a:masterClrMapping/>
   </p:clrMapOvr>
 </p:sld>
+</file>
+
+<file path=ppt/tags/tag1.xml><?xml version="1.0" encoding="utf-8"?>
+<p:tagLst xmlns:p="http://schemas.openxmlformats.org/presentationml/2006/main">
+  <p:tag name="TABLE_ENDDRAG_ORIGIN_RECT" val="619*227"/>
+  <p:tag name="TABLE_ENDDRAG_RECT" val="48*150*619*227"/>
+</p:tagLst>
 </file>
 
 <file path=ppt/theme/theme1.xml><?xml version="1.0" encoding="utf-8"?>

--- a/lecture/js.pptx
+++ b/lecture/js.pptx
@@ -39,6 +39,8 @@
     <p:sldId id="287" r:id="rId34"/>
     <p:sldId id="289" r:id="rId35"/>
     <p:sldId id="288" r:id="rId36"/>
+    <p:sldId id="290" r:id="rId37"/>
+    <p:sldId id="291" r:id="rId38"/>
   </p:sldIdLst>
   <p:sldSz cx="9144000" cy="6858000" type="screen4x3"/>
   <p:notesSz cx="6858000" cy="9144000"/>
@@ -13153,6 +13155,163 @@
           </a:graphicData>
         </a:graphic>
       </p:graphicFrame>
+      <p:graphicFrame>
+        <p:nvGraphicFramePr>
+          <p:cNvPr id="3" name="表格 2"/>
+          <p:cNvGraphicFramePr/>
+          <p:nvPr/>
+        </p:nvGraphicFramePr>
+        <p:xfrm>
+          <a:off x="611505" y="5157470"/>
+          <a:ext cx="7863840" cy="0"/>
+        </p:xfrm>
+        <a:graphic>
+          <a:graphicData uri="http://schemas.openxmlformats.org/drawingml/2006/table">
+            <a:tbl>
+              <a:tblPr/>
+              <a:tblGrid>
+                <a:gridCol w="2621280"/>
+                <a:gridCol w="2621280"/>
+                <a:gridCol w="2621280"/>
+              </a:tblGrid>
+              <a:tr h="0">
+                <a:tc>
+                  <a:txBody>
+                    <a:bodyPr/>
+                    <a:p>
+                      <a:r>
+                        <a:rPr lang="zh-CN" altLang="en-US" sz="1100" b="0" i="0">
+                          <a:solidFill>
+                            <a:srgbClr val="404040"/>
+                          </a:solidFill>
+                          <a:latin typeface="DeepSeek-CJK-patch"/>
+                          <a:ea typeface="DeepSeek-CJK-patch"/>
+                        </a:rPr>
+                        <a:t>关系</a:t>
+                      </a:r>
+                      <a:endParaRPr lang="zh-CN" altLang="en-US" sz="1100" b="0" i="0">
+                        <a:solidFill>
+                          <a:srgbClr val="404040"/>
+                        </a:solidFill>
+                        <a:latin typeface="DeepSeek-CJK-patch"/>
+                        <a:ea typeface="DeepSeek-CJK-patch"/>
+                      </a:endParaRPr>
+                    </a:p>
+                  </a:txBody>
+                  <a:tcPr marL="0" marR="95567" marT="95567" marB="95567" anchor="ctr" anchorCtr="0">
+                    <a:lnL>
+                      <a:noFill/>
+                    </a:lnL>
+                    <a:lnR>
+                      <a:noFill/>
+                    </a:lnR>
+                    <a:lnT>
+                      <a:noFill/>
+                    </a:lnT>
+                    <a:lnB w="6350" cap="flat" cmpd="sng">
+                      <a:solidFill>
+                        <a:srgbClr val="E5E5E5"/>
+                      </a:solidFill>
+                      <a:prstDash val="solid"/>
+                      <a:headEnd type="none" w="med" len="med"/>
+                      <a:tailEnd type="none" w="med" len="med"/>
+                    </a:lnB>
+                    <a:noFill/>
+                  </a:tcPr>
+                </a:tc>
+                <a:tc>
+                  <a:txBody>
+                    <a:bodyPr/>
+                    <a:p>
+                      <a:r>
+                        <a:rPr lang="zh-CN" altLang="en-US" sz="1100" b="0" i="0">
+                          <a:solidFill>
+                            <a:srgbClr val="404040"/>
+                          </a:solidFill>
+                          <a:latin typeface="DeepSeek-CJK-patch"/>
+                          <a:ea typeface="DeepSeek-CJK-patch"/>
+                        </a:rPr>
+                        <a:t>父子组件关系</a:t>
+                      </a:r>
+                      <a:endParaRPr lang="zh-CN" altLang="en-US" sz="1100" b="0" i="0">
+                        <a:solidFill>
+                          <a:srgbClr val="404040"/>
+                        </a:solidFill>
+                        <a:latin typeface="DeepSeek-CJK-patch"/>
+                        <a:ea typeface="DeepSeek-CJK-patch"/>
+                      </a:endParaRPr>
+                    </a:p>
+                  </a:txBody>
+                  <a:tcPr marL="95567" marR="95567" marT="95567" marB="95567" anchor="ctr" anchorCtr="0">
+                    <a:lnL>
+                      <a:noFill/>
+                    </a:lnL>
+                    <a:lnR>
+                      <a:noFill/>
+                    </a:lnR>
+                    <a:lnT>
+                      <a:noFill/>
+                    </a:lnT>
+                    <a:lnB w="6350" cap="flat" cmpd="sng">
+                      <a:solidFill>
+                        <a:srgbClr val="E5E5E5"/>
+                      </a:solidFill>
+                      <a:prstDash val="solid"/>
+                      <a:headEnd type="none" w="med" len="med"/>
+                      <a:tailEnd type="none" w="med" len="med"/>
+                    </a:lnB>
+                    <a:noFill/>
+                  </a:tcPr>
+                </a:tc>
+                <a:tc>
+                  <a:txBody>
+                    <a:bodyPr/>
+                    <a:p>
+                      <a:r>
+                        <a:rPr lang="zh-CN" altLang="en-US" sz="1100" b="0" i="0">
+                          <a:solidFill>
+                            <a:srgbClr val="404040"/>
+                          </a:solidFill>
+                          <a:latin typeface="DeepSeek-CJK-patch"/>
+                          <a:ea typeface="DeepSeek-CJK-patch"/>
+                        </a:rPr>
+                        <a:t>组件工厂模式</a:t>
+                      </a:r>
+                      <a:endParaRPr lang="zh-CN" altLang="en-US" sz="1100" b="0" i="0">
+                        <a:solidFill>
+                          <a:srgbClr val="404040"/>
+                        </a:solidFill>
+                        <a:latin typeface="DeepSeek-CJK-patch"/>
+                        <a:ea typeface="DeepSeek-CJK-patch"/>
+                      </a:endParaRPr>
+                    </a:p>
+                  </a:txBody>
+                  <a:tcPr marL="95567" marR="95567" marT="95567" marB="95567" anchor="ctr" anchorCtr="0">
+                    <a:lnL>
+                      <a:noFill/>
+                    </a:lnL>
+                    <a:lnR>
+                      <a:noFill/>
+                    </a:lnR>
+                    <a:lnT>
+                      <a:noFill/>
+                    </a:lnT>
+                    <a:lnB w="6350" cap="flat" cmpd="sng">
+                      <a:solidFill>
+                        <a:srgbClr val="E5E5E5"/>
+                      </a:solidFill>
+                      <a:prstDash val="solid"/>
+                      <a:headEnd type="none" w="med" len="med"/>
+                      <a:tailEnd type="none" w="med" len="med"/>
+                    </a:lnB>
+                    <a:noFill/>
+                  </a:tcPr>
+                </a:tc>
+              </a:tr>
+            </a:tbl>
+          </a:graphicData>
+        </a:graphic>
+      </p:graphicFrame>
     </p:spTree>
   </p:cSld>
   <p:clrMapOvr>
@@ -14181,6 +14340,434 @@
               <a:buNone/>
             </a:pPr>
             <a:endParaRPr lang="en-US" altLang="zh-CN" sz="1400"/>
+          </a:p>
+        </p:txBody>
+      </p:sp>
+    </p:spTree>
+  </p:cSld>
+  <p:clrMapOvr>
+    <a:masterClrMapping/>
+  </p:clrMapOvr>
+</p:sld>
+</file>
+
+<file path=ppt/slides/slide35.xml><?xml version="1.0" encoding="utf-8"?>
+<p:sld xmlns:a="http://schemas.openxmlformats.org/drawingml/2006/main" xmlns:r="http://schemas.openxmlformats.org/officeDocument/2006/relationships" xmlns:p="http://schemas.openxmlformats.org/presentationml/2006/main">
+  <p:cSld>
+    <p:spTree>
+      <p:nvGrpSpPr>
+        <p:cNvPr id="1" name=""/>
+        <p:cNvGrpSpPr/>
+        <p:nvPr/>
+      </p:nvGrpSpPr>
+      <p:grpSpPr/>
+      <p:sp>
+        <p:nvSpPr>
+          <p:cNvPr id="2" name="标题 1"/>
+          <p:cNvSpPr>
+            <a:spLocks noGrp="1"/>
+          </p:cNvSpPr>
+          <p:nvPr>
+            <p:ph type="title"/>
+          </p:nvPr>
+        </p:nvSpPr>
+        <p:spPr/>
+        <p:txBody>
+          <a:bodyPr/>
+          <a:p>
+            <a:r>
+              <a:rPr lang="en-US" altLang="zh-CN"/>
+              <a:t>Simple React</a:t>
+            </a:r>
+            <a:endParaRPr lang="en-US" altLang="zh-CN"/>
+          </a:p>
+        </p:txBody>
+      </p:sp>
+      <p:sp>
+        <p:nvSpPr>
+          <p:cNvPr id="4" name="内容占位符 3"/>
+          <p:cNvSpPr/>
+          <p:nvPr>
+            <p:ph idx="1"/>
+          </p:nvPr>
+        </p:nvSpPr>
+        <p:spPr/>
+        <p:txBody>
+          <a:bodyPr/>
+          <a:p>
+            <a:endParaRPr lang="zh-CN" altLang="en-US"/>
+          </a:p>
+        </p:txBody>
+      </p:sp>
+    </p:spTree>
+  </p:cSld>
+  <p:clrMapOvr>
+    <a:masterClrMapping/>
+  </p:clrMapOvr>
+</p:sld>
+</file>
+
+<file path=ppt/slides/slide36.xml><?xml version="1.0" encoding="utf-8"?>
+<p:sld xmlns:a="http://schemas.openxmlformats.org/drawingml/2006/main" xmlns:r="http://schemas.openxmlformats.org/officeDocument/2006/relationships" xmlns:p="http://schemas.openxmlformats.org/presentationml/2006/main">
+  <p:cSld>
+    <p:spTree>
+      <p:nvGrpSpPr>
+        <p:cNvPr id="1" name=""/>
+        <p:cNvGrpSpPr/>
+        <p:nvPr/>
+      </p:nvGrpSpPr>
+      <p:grpSpPr/>
+      <p:sp>
+        <p:nvSpPr>
+          <p:cNvPr id="2" name="标题 1"/>
+          <p:cNvSpPr>
+            <a:spLocks noGrp="1"/>
+          </p:cNvSpPr>
+          <p:nvPr>
+            <p:ph type="title"/>
+          </p:nvPr>
+        </p:nvSpPr>
+        <p:spPr/>
+        <p:txBody>
+          <a:bodyPr/>
+          <a:p>
+            <a:r>
+              <a:rPr lang="en-US" altLang="zh-CN"/>
+              <a:t>Simple React</a:t>
+            </a:r>
+            <a:endParaRPr lang="en-US" altLang="zh-CN"/>
+          </a:p>
+        </p:txBody>
+      </p:sp>
+      <p:sp>
+        <p:nvSpPr>
+          <p:cNvPr id="3" name="内容占位符 2"/>
+          <p:cNvSpPr>
+            <a:spLocks noGrp="1"/>
+          </p:cNvSpPr>
+          <p:nvPr>
+            <p:ph idx="1"/>
+          </p:nvPr>
+        </p:nvSpPr>
+        <p:spPr>
+          <a:xfrm>
+            <a:off x="457200" y="1600200"/>
+            <a:ext cx="8229600" cy="5139690"/>
+          </a:xfrm>
+        </p:spPr>
+        <p:txBody>
+          <a:bodyPr/>
+          <a:p>
+            <a:r>
+              <a:rPr lang="en-US" altLang="zh-CN" sz="1400"/>
+              <a:t>&lt;App&gt;</a:t>
+            </a:r>
+            <a:endParaRPr lang="en-US" altLang="zh-CN" sz="1400"/>
+          </a:p>
+          <a:p>
+            <a:r>
+              <a:rPr lang="en-US" altLang="zh-CN" sz="1400"/>
+              <a:t>  &lt;Header /&gt;</a:t>
+            </a:r>
+            <a:endParaRPr lang="en-US" altLang="zh-CN" sz="1400"/>
+          </a:p>
+          <a:p>
+            <a:r>
+              <a:rPr lang="en-US" altLang="zh-CN" sz="1400"/>
+              <a:t>  &lt;Content /&gt;</a:t>
+            </a:r>
+            <a:endParaRPr lang="en-US" altLang="zh-CN" sz="1400"/>
+          </a:p>
+          <a:p>
+            <a:r>
+              <a:rPr lang="en-US" altLang="zh-CN" sz="1400"/>
+              <a:t>&lt;/App&gt;</a:t>
+            </a:r>
+            <a:endParaRPr lang="en-US" altLang="zh-CN" sz="1400"/>
+          </a:p>
+          <a:p>
+            <a:r>
+              <a:rPr lang="zh-CN" altLang="en-US" sz="1400"/>
+              <a:t>递归流程：</a:t>
+            </a:r>
+            <a:endParaRPr lang="en-US" altLang="zh-CN" sz="1400"/>
+          </a:p>
+          <a:p>
+            <a:pPr marL="0" indent="0">
+              <a:buNone/>
+            </a:pPr>
+            <a:r>
+              <a:rPr lang="en-US" altLang="zh-CN" sz="1400"/>
+              <a:t>_render(App) </a:t>
+            </a:r>
+            <a:r>
+              <a:rPr lang="en-US" altLang="en-US" sz="1400"/>
+              <a:t>→</a:t>
+            </a:r>
+            <a:r>
+              <a:rPr lang="en-US" altLang="zh-CN" sz="1400"/>
+              <a:t> </a:t>
+            </a:r>
+            <a:r>
+              <a:rPr lang="zh-CN" altLang="en-US" sz="1400"/>
+              <a:t>发现类组件</a:t>
+            </a:r>
+            <a:r>
+              <a:rPr lang="en-US" altLang="zh-CN" sz="1400"/>
+              <a:t> </a:t>
+            </a:r>
+            <a:r>
+              <a:rPr lang="en-US" altLang="en-US" sz="1400"/>
+              <a:t>→</a:t>
+            </a:r>
+            <a:r>
+              <a:rPr lang="en-US" altLang="zh-CN" sz="1400"/>
+              <a:t> </a:t>
+            </a:r>
+            <a:r>
+              <a:rPr lang="zh-CN" altLang="en-US" sz="1400"/>
+              <a:t>调用</a:t>
+            </a:r>
+            <a:r>
+              <a:rPr lang="en-US" altLang="zh-CN" sz="1400"/>
+              <a:t> App.render()</a:t>
+            </a:r>
+            <a:endParaRPr lang="en-US" altLang="zh-CN" sz="1400"/>
+          </a:p>
+          <a:p>
+            <a:endParaRPr lang="en-US" altLang="zh-CN" sz="1400"/>
+          </a:p>
+          <a:p>
+            <a:pPr marL="0" indent="0">
+              <a:buNone/>
+            </a:pPr>
+            <a:r>
+              <a:rPr lang="zh-CN" altLang="en-US" sz="1400"/>
+              <a:t>得到</a:t>
+            </a:r>
+            <a:r>
+              <a:rPr lang="en-US" altLang="zh-CN" sz="1400"/>
+              <a:t> &lt;div&gt;&lt;Header /&gt;&lt;Content /&gt;&lt;/div&gt;</a:t>
+            </a:r>
+            <a:endParaRPr lang="en-US" altLang="zh-CN" sz="1400"/>
+          </a:p>
+          <a:p>
+            <a:endParaRPr lang="en-US" altLang="zh-CN" sz="1400"/>
+          </a:p>
+          <a:p>
+            <a:pPr marL="0" indent="0">
+              <a:buNone/>
+            </a:pPr>
+            <a:r>
+              <a:rPr lang="en-US" altLang="zh-CN" sz="1400"/>
+              <a:t>_render(div) </a:t>
+            </a:r>
+            <a:r>
+              <a:rPr lang="en-US" altLang="en-US" sz="1400"/>
+              <a:t>→</a:t>
+            </a:r>
+            <a:r>
+              <a:rPr lang="en-US" altLang="zh-CN" sz="1400"/>
+              <a:t> </a:t>
+            </a:r>
+            <a:r>
+              <a:rPr lang="zh-CN" altLang="en-US" sz="1400"/>
+              <a:t>创建</a:t>
+            </a:r>
+            <a:r>
+              <a:rPr lang="en-US" altLang="zh-CN" sz="1400"/>
+              <a:t> &lt;div&gt; </a:t>
+            </a:r>
+            <a:r>
+              <a:rPr lang="en-US" altLang="en-US" sz="1400"/>
+              <a:t>→</a:t>
+            </a:r>
+            <a:r>
+              <a:rPr lang="en-US" altLang="zh-CN" sz="1400"/>
+              <a:t> </a:t>
+            </a:r>
+            <a:r>
+              <a:rPr lang="zh-CN" altLang="en-US" sz="1400"/>
+              <a:t>处理子节点：</a:t>
+            </a:r>
+            <a:endParaRPr lang="zh-CN" altLang="en-US" sz="1400"/>
+          </a:p>
+          <a:p>
+            <a:endParaRPr lang="en-US" altLang="zh-CN" sz="1400"/>
+          </a:p>
+          <a:p>
+            <a:pPr marL="0" indent="0">
+              <a:buNone/>
+            </a:pPr>
+            <a:r>
+              <a:rPr lang="en-US" altLang="zh-CN" sz="1400"/>
+              <a:t>_render(Header) </a:t>
+            </a:r>
+            <a:r>
+              <a:rPr lang="en-US" altLang="en-US" sz="1400"/>
+              <a:t>→</a:t>
+            </a:r>
+            <a:r>
+              <a:rPr lang="en-US" altLang="zh-CN" sz="1400"/>
+              <a:t> </a:t>
+            </a:r>
+            <a:r>
+              <a:rPr lang="zh-CN" altLang="en-US" sz="1400"/>
+              <a:t>函数组件</a:t>
+            </a:r>
+            <a:r>
+              <a:rPr lang="en-US" altLang="zh-CN" sz="1400"/>
+              <a:t> </a:t>
+            </a:r>
+            <a:r>
+              <a:rPr lang="en-US" altLang="en-US" sz="1400"/>
+              <a:t>→</a:t>
+            </a:r>
+            <a:r>
+              <a:rPr lang="en-US" altLang="zh-CN" sz="1400"/>
+              <a:t> </a:t>
+            </a:r>
+            <a:r>
+              <a:rPr lang="zh-CN" altLang="en-US" sz="1400"/>
+              <a:t>调用</a:t>
+            </a:r>
+            <a:r>
+              <a:rPr lang="en-US" altLang="zh-CN" sz="1400"/>
+              <a:t> Header()</a:t>
+            </a:r>
+            <a:endParaRPr lang="en-US" altLang="zh-CN" sz="1400"/>
+          </a:p>
+          <a:p>
+            <a:endParaRPr lang="en-US" altLang="zh-CN" sz="1400"/>
+          </a:p>
+          <a:p>
+            <a:pPr marL="0" indent="0">
+              <a:buNone/>
+            </a:pPr>
+            <a:r>
+              <a:rPr lang="zh-CN" altLang="en-US" sz="1400"/>
+              <a:t>得到</a:t>
+            </a:r>
+            <a:r>
+              <a:rPr lang="en-US" altLang="zh-CN" sz="1400"/>
+              <a:t> &lt;h1&gt;Title&lt;/h1&gt; </a:t>
+            </a:r>
+            <a:r>
+              <a:rPr lang="en-US" altLang="en-US" sz="1400"/>
+              <a:t>→</a:t>
+            </a:r>
+            <a:r>
+              <a:rPr lang="en-US" altLang="zh-CN" sz="1400"/>
+              <a:t> </a:t>
+            </a:r>
+            <a:r>
+              <a:rPr lang="zh-CN" altLang="en-US" sz="1400"/>
+              <a:t>创建</a:t>
+            </a:r>
+            <a:r>
+              <a:rPr lang="en-US" altLang="zh-CN" sz="1400"/>
+              <a:t> &lt;h1&gt;</a:t>
+            </a:r>
+            <a:endParaRPr lang="en-US" altLang="zh-CN" sz="1400"/>
+          </a:p>
+          <a:p>
+            <a:endParaRPr lang="en-US" altLang="zh-CN" sz="1400"/>
+          </a:p>
+          <a:p>
+            <a:pPr marL="0" indent="0">
+              <a:buNone/>
+            </a:pPr>
+            <a:r>
+              <a:rPr lang="en-US" altLang="zh-CN" sz="1400"/>
+              <a:t>_render(Content) </a:t>
+            </a:r>
+            <a:r>
+              <a:rPr lang="en-US" altLang="en-US" sz="1400"/>
+              <a:t>→</a:t>
+            </a:r>
+            <a:r>
+              <a:rPr lang="en-US" altLang="zh-CN" sz="1400"/>
+              <a:t> </a:t>
+            </a:r>
+            <a:r>
+              <a:rPr lang="zh-CN" altLang="en-US" sz="1400"/>
+              <a:t>类组件</a:t>
+            </a:r>
+            <a:r>
+              <a:rPr lang="en-US" altLang="zh-CN" sz="1400"/>
+              <a:t> </a:t>
+            </a:r>
+            <a:r>
+              <a:rPr lang="en-US" altLang="en-US" sz="1400"/>
+              <a:t>→</a:t>
+            </a:r>
+            <a:r>
+              <a:rPr lang="en-US" altLang="zh-CN" sz="1400"/>
+              <a:t> </a:t>
+            </a:r>
+            <a:r>
+              <a:rPr lang="zh-CN" altLang="en-US" sz="1400"/>
+              <a:t>调用</a:t>
+            </a:r>
+            <a:r>
+              <a:rPr lang="en-US" altLang="zh-CN" sz="1400"/>
+              <a:t> Content.render()</a:t>
+            </a:r>
+            <a:endParaRPr lang="en-US" altLang="zh-CN" sz="1400"/>
+          </a:p>
+          <a:p>
+            <a:endParaRPr lang="en-US" altLang="zh-CN" sz="1400"/>
+          </a:p>
+          <a:p>
+            <a:pPr marL="0" indent="0">
+              <a:buNone/>
+            </a:pPr>
+            <a:r>
+              <a:rPr lang="zh-CN" altLang="en-US" sz="1400"/>
+              <a:t>得到</a:t>
+            </a:r>
+            <a:r>
+              <a:rPr lang="en-US" altLang="zh-CN" sz="1400"/>
+              <a:t> &lt;section&gt;...&lt;/section&gt; </a:t>
+            </a:r>
+            <a:r>
+              <a:rPr lang="en-US" altLang="en-US" sz="1400"/>
+              <a:t>→</a:t>
+            </a:r>
+            <a:r>
+              <a:rPr lang="en-US" altLang="zh-CN" sz="1400"/>
+              <a:t> </a:t>
+            </a:r>
+            <a:r>
+              <a:rPr lang="zh-CN" altLang="en-US" sz="1400"/>
+              <a:t>创建</a:t>
+            </a:r>
+            <a:r>
+              <a:rPr lang="en-US" altLang="zh-CN" sz="1400"/>
+              <a:t> &lt;section&gt;</a:t>
+            </a:r>
+            <a:endParaRPr lang="en-US" altLang="zh-CN" sz="1400"/>
+          </a:p>
+          <a:p>
+            <a:endParaRPr lang="en-US" altLang="zh-CN" sz="1400"/>
+          </a:p>
+          <a:p>
+            <a:pPr marL="0" indent="0">
+              <a:buNone/>
+            </a:pPr>
+            <a:r>
+              <a:rPr lang="zh-CN" altLang="en-US" sz="1400"/>
+              <a:t>最终构建完整的</a:t>
+            </a:r>
+            <a:r>
+              <a:rPr lang="en-US" altLang="zh-CN" sz="1400"/>
+              <a:t>DOM</a:t>
+            </a:r>
+            <a:r>
+              <a:rPr lang="zh-CN" altLang="en-US" sz="1400"/>
+              <a:t>树</a:t>
+            </a:r>
+            <a:endParaRPr lang="zh-CN" altLang="en-US" sz="1400"/>
           </a:p>
         </p:txBody>
       </p:sp>

--- a/lecture/js.pptx
+++ b/lecture/js.pptx
@@ -37,10 +37,10 @@
     <p:sldId id="285" r:id="rId32"/>
     <p:sldId id="282" r:id="rId33"/>
     <p:sldId id="287" r:id="rId34"/>
-    <p:sldId id="289" r:id="rId35"/>
-    <p:sldId id="288" r:id="rId36"/>
-    <p:sldId id="290" r:id="rId37"/>
-    <p:sldId id="291" r:id="rId38"/>
+    <p:sldId id="290" r:id="rId35"/>
+    <p:sldId id="291" r:id="rId36"/>
+    <p:sldId id="292" r:id="rId37"/>
+    <p:sldId id="293" r:id="rId38"/>
   </p:sldIdLst>
   <p:sldSz cx="9144000" cy="6858000" type="screen4x3"/>
   <p:notesSz cx="6858000" cy="9144000"/>
@@ -13733,7 +13733,7 @@
           <a:p>
             <a:r>
               <a:rPr lang="en-US" altLang="zh-CN"/>
-              <a:t>useState,useEffect </a:t>
+              <a:t>Simple React</a:t>
             </a:r>
             <a:endParaRPr lang="en-US" altLang="zh-CN"/>
           </a:p>
@@ -13741,10 +13741,8 @@
       </p:sp>
       <p:sp>
         <p:nvSpPr>
-          <p:cNvPr id="3" name="内容占位符 2"/>
-          <p:cNvSpPr>
-            <a:spLocks noGrp="1"/>
-          </p:cNvSpPr>
+          <p:cNvPr id="4" name="内容占位符 3"/>
+          <p:cNvSpPr/>
           <p:nvPr>
             <p:ph idx="1"/>
           </p:nvPr>
@@ -13753,7 +13751,21 @@
         <p:txBody>
           <a:bodyPr/>
           <a:p>
-            <a:endParaRPr lang="zh-CN" altLang="en-US"/>
+            <a:r>
+              <a:rPr lang="en-US" altLang="zh-CN"/>
+              <a:t>const ele=(&lt;div&gt;test&lt;/div&gt;)jsx</a:t>
+            </a:r>
+            <a:endParaRPr lang="en-US" altLang="zh-CN"/>
+          </a:p>
+          <a:p>
+            <a:endParaRPr lang="en-US" altLang="zh-CN"/>
+          </a:p>
+          <a:p>
+            <a:r>
+              <a:rPr lang="en-US" altLang="zh-CN"/>
+              <a:t>CreateElement(“div”,{})</a:t>
+            </a:r>
+            <a:endParaRPr lang="en-US" altLang="zh-CN"/>
           </a:p>
         </p:txBody>
       </p:sp>
@@ -13790,18 +13802,16 @@
           <a:bodyPr/>
           <a:p>
             <a:r>
-              <a:rPr lang="en-US" altLang="zh-CN">
-                <a:sym typeface="+mn-ea"/>
-              </a:rPr>
-              <a:t>forwardRef</a:t>
-            </a:r>
-            <a:endParaRPr lang="zh-CN" altLang="en-US"/>
+              <a:rPr lang="en-US" altLang="zh-CN"/>
+              <a:t>Simple React</a:t>
+            </a:r>
+            <a:endParaRPr lang="en-US" altLang="zh-CN"/>
           </a:p>
         </p:txBody>
       </p:sp>
       <p:sp>
         <p:nvSpPr>
-          <p:cNvPr id="5" name="内容占位符 4"/>
+          <p:cNvPr id="3" name="内容占位符 2"/>
           <p:cNvSpPr>
             <a:spLocks noGrp="1"/>
           </p:cNvSpPr>
@@ -13811,535 +13821,323 @@
         </p:nvSpPr>
         <p:spPr>
           <a:xfrm>
-            <a:off x="251460" y="1557020"/>
-            <a:ext cx="8229600" cy="4525963"/>
+            <a:off x="457200" y="1600200"/>
+            <a:ext cx="8229600" cy="5139690"/>
           </a:xfrm>
         </p:spPr>
         <p:txBody>
           <a:bodyPr/>
           <a:p>
-            <a:pPr marL="0" indent="0">
-              <a:buNone/>
-            </a:pPr>
-            <a:r>
-              <a:rPr lang="en-US" altLang="zh-CN" sz="1400">
-                <a:sym typeface="+mn-ea"/>
-              </a:rPr>
-              <a:t>// </a:t>
-            </a:r>
-            <a:r>
-              <a:rPr lang="zh-CN" altLang="en-US" sz="1400">
-                <a:sym typeface="+mn-ea"/>
-              </a:rPr>
-              <a:t>子组件</a:t>
+            <a:r>
+              <a:rPr lang="en-US" altLang="zh-CN" sz="1400"/>
+              <a:t>&lt;App&gt;</a:t>
+            </a:r>
+            <a:endParaRPr lang="en-US" altLang="zh-CN" sz="1400"/>
+          </a:p>
+          <a:p>
+            <a:r>
+              <a:rPr lang="en-US" altLang="zh-CN" sz="1400"/>
+              <a:t>  &lt;Header /&gt;</a:t>
+            </a:r>
+            <a:endParaRPr lang="en-US" altLang="zh-CN" sz="1400"/>
+          </a:p>
+          <a:p>
+            <a:r>
+              <a:rPr lang="en-US" altLang="zh-CN" sz="1400"/>
+              <a:t>  &lt;Content /&gt;</a:t>
+            </a:r>
+            <a:endParaRPr lang="en-US" altLang="zh-CN" sz="1400"/>
+          </a:p>
+          <a:p>
+            <a:r>
+              <a:rPr lang="en-US" altLang="zh-CN" sz="1400"/>
+              <a:t>&lt;/App&gt;</a:t>
+            </a:r>
+            <a:endParaRPr lang="en-US" altLang="zh-CN" sz="1400"/>
+          </a:p>
+          <a:p>
+            <a:r>
+              <a:rPr lang="zh-CN" altLang="en-US" sz="1400"/>
+              <a:t>递归流程：</a:t>
+            </a:r>
+            <a:endParaRPr lang="en-US" altLang="zh-CN" sz="1400"/>
+          </a:p>
+          <a:p>
+            <a:pPr marL="0" indent="0">
+              <a:buNone/>
+            </a:pPr>
+            <a:r>
+              <a:rPr lang="en-US" altLang="zh-CN" sz="1400"/>
+              <a:t>_render(App) </a:t>
+            </a:r>
+            <a:r>
+              <a:rPr lang="en-US" altLang="en-US" sz="1400"/>
+              <a:t>→</a:t>
+            </a:r>
+            <a:r>
+              <a:rPr lang="en-US" altLang="zh-CN" sz="1400"/>
+              <a:t> </a:t>
+            </a:r>
+            <a:r>
+              <a:rPr lang="zh-CN" altLang="en-US" sz="1400"/>
+              <a:t>发现类组件</a:t>
+            </a:r>
+            <a:r>
+              <a:rPr lang="en-US" altLang="zh-CN" sz="1400"/>
+              <a:t> </a:t>
+            </a:r>
+            <a:r>
+              <a:rPr lang="en-US" altLang="en-US" sz="1400"/>
+              <a:t>→</a:t>
+            </a:r>
+            <a:r>
+              <a:rPr lang="en-US" altLang="zh-CN" sz="1400"/>
+              <a:t> </a:t>
+            </a:r>
+            <a:r>
+              <a:rPr lang="zh-CN" altLang="en-US" sz="1400"/>
+              <a:t>调用</a:t>
+            </a:r>
+            <a:r>
+              <a:rPr lang="en-US" altLang="zh-CN" sz="1400"/>
+              <a:t> App.render()</a:t>
+            </a:r>
+            <a:endParaRPr lang="en-US" altLang="zh-CN" sz="1400"/>
+          </a:p>
+          <a:p>
+            <a:endParaRPr lang="en-US" altLang="zh-CN" sz="1400"/>
+          </a:p>
+          <a:p>
+            <a:pPr marL="0" indent="0">
+              <a:buNone/>
+            </a:pPr>
+            <a:r>
+              <a:rPr lang="zh-CN" altLang="en-US" sz="1400"/>
+              <a:t>得到</a:t>
+            </a:r>
+            <a:r>
+              <a:rPr lang="en-US" altLang="zh-CN" sz="1400"/>
+              <a:t> &lt;div&gt;&lt;Header /&gt;&lt;Content /&gt;&lt;/div&gt;</a:t>
+            </a:r>
+            <a:endParaRPr lang="en-US" altLang="zh-CN" sz="1400"/>
+          </a:p>
+          <a:p>
+            <a:endParaRPr lang="en-US" altLang="zh-CN" sz="1400"/>
+          </a:p>
+          <a:p>
+            <a:pPr marL="0" indent="0">
+              <a:buNone/>
+            </a:pPr>
+            <a:r>
+              <a:rPr lang="en-US" altLang="zh-CN" sz="1400"/>
+              <a:t>_render(div) </a:t>
+            </a:r>
+            <a:r>
+              <a:rPr lang="en-US" altLang="en-US" sz="1400"/>
+              <a:t>→</a:t>
+            </a:r>
+            <a:r>
+              <a:rPr lang="en-US" altLang="zh-CN" sz="1400"/>
+              <a:t> </a:t>
+            </a:r>
+            <a:r>
+              <a:rPr lang="zh-CN" altLang="en-US" sz="1400"/>
+              <a:t>创建</a:t>
+            </a:r>
+            <a:r>
+              <a:rPr lang="en-US" altLang="zh-CN" sz="1400"/>
+              <a:t> &lt;div&gt; </a:t>
+            </a:r>
+            <a:r>
+              <a:rPr lang="en-US" altLang="en-US" sz="1400"/>
+              <a:t>→</a:t>
+            </a:r>
+            <a:r>
+              <a:rPr lang="en-US" altLang="zh-CN" sz="1400"/>
+              <a:t> </a:t>
+            </a:r>
+            <a:r>
+              <a:rPr lang="zh-CN" altLang="en-US" sz="1400"/>
+              <a:t>处理子节点：</a:t>
             </a:r>
             <a:endParaRPr lang="zh-CN" altLang="en-US" sz="1400"/>
           </a:p>
           <a:p>
-            <a:pPr marL="0" indent="0">
-              <a:buNone/>
-            </a:pPr>
-            <a:r>
-              <a:rPr lang="en-US" altLang="zh-CN" sz="1400">
-                <a:sym typeface="+mn-ea"/>
-              </a:rPr>
-              <a:t>const </a:t>
-            </a:r>
-            <a:r>
-              <a:rPr lang="en-US" altLang="zh-CN" sz="1400">
-                <a:solidFill>
-                  <a:srgbClr val="FF0000"/>
-                </a:solidFill>
-                <a:sym typeface="+mn-ea"/>
-              </a:rPr>
-              <a:t>ChildForm </a:t>
-            </a:r>
-            <a:r>
-              <a:rPr lang="en-US" altLang="zh-CN" sz="1400">
-                <a:sym typeface="+mn-ea"/>
-              </a:rPr>
-              <a:t>= forwardRef((props, ref) =&gt; {</a:t>
-            </a:r>
-            <a:endParaRPr lang="en-US" altLang="zh-CN" sz="1400"/>
-          </a:p>
-          <a:p>
-            <a:pPr marL="0" indent="0">
-              <a:buNone/>
-            </a:pPr>
-            <a:r>
-              <a:rPr lang="en-US" altLang="zh-CN" sz="1400">
-                <a:sym typeface="+mn-ea"/>
-              </a:rPr>
-              <a:t>  const [form] = Form.useForm();</a:t>
-            </a:r>
-            <a:endParaRPr lang="en-US" altLang="zh-CN" sz="1400"/>
-          </a:p>
-          <a:p>
-            <a:pPr marL="0" indent="0">
-              <a:buNone/>
-            </a:pPr>
-            <a:r>
-              <a:rPr lang="en-US" altLang="zh-CN" sz="1400">
-                <a:sym typeface="+mn-ea"/>
-              </a:rPr>
-              <a:t>  useImperativeHandle(ref, () =&gt; ({</a:t>
-            </a:r>
-            <a:endParaRPr lang="en-US" altLang="zh-CN" sz="1400"/>
-          </a:p>
-          <a:p>
-            <a:pPr marL="0" indent="0">
-              <a:buNone/>
-            </a:pPr>
-            <a:r>
-              <a:rPr lang="en-US" altLang="zh-CN" sz="1400">
-                <a:sym typeface="+mn-ea"/>
-              </a:rPr>
-              <a:t>    submit: async () =&gt; {</a:t>
-            </a:r>
-            <a:endParaRPr lang="en-US" altLang="zh-CN" sz="1400"/>
-          </a:p>
-          <a:p>
-            <a:pPr marL="0" indent="0">
-              <a:buNone/>
-            </a:pPr>
-            <a:r>
-              <a:rPr lang="en-US" altLang="zh-CN" sz="1400">
-                <a:sym typeface="+mn-ea"/>
-              </a:rPr>
-              <a:t>      try { return await form.validateFields();</a:t>
-            </a:r>
-            <a:endParaRPr lang="en-US" altLang="zh-CN" sz="1400"/>
-          </a:p>
-          <a:p>
-            <a:pPr marL="0" indent="0">
-              <a:buNone/>
-            </a:pPr>
-            <a:r>
-              <a:rPr lang="en-US" altLang="zh-CN" sz="1400">
-                <a:sym typeface="+mn-ea"/>
-              </a:rPr>
-              <a:t>      } catch (e) {</a:t>
-            </a:r>
-            <a:endParaRPr lang="en-US" altLang="zh-CN" sz="1400"/>
-          </a:p>
-          <a:p>
-            <a:pPr marL="0" indent="0">
-              <a:buNone/>
-            </a:pPr>
-            <a:r>
-              <a:rPr lang="en-US" altLang="zh-CN" sz="1400">
-                <a:sym typeface="+mn-ea"/>
-              </a:rPr>
-              <a:t>        console.error('</a:t>
-            </a:r>
-            <a:r>
-              <a:rPr lang="zh-CN" altLang="en-US" sz="1400">
-                <a:sym typeface="+mn-ea"/>
-              </a:rPr>
-              <a:t>验证失败</a:t>
-            </a:r>
-            <a:r>
-              <a:rPr lang="en-US" altLang="zh-CN" sz="1400">
-                <a:sym typeface="+mn-ea"/>
-              </a:rPr>
-              <a:t>', e);</a:t>
-            </a:r>
-            <a:endParaRPr lang="en-US" altLang="zh-CN" sz="1400"/>
-          </a:p>
-          <a:p>
-            <a:pPr marL="0" indent="0">
-              <a:buNone/>
-            </a:pPr>
-            <a:r>
-              <a:rPr lang="en-US" altLang="zh-CN" sz="1400">
-                <a:sym typeface="+mn-ea"/>
-              </a:rPr>
-              <a:t>        throw e;</a:t>
-            </a:r>
-            <a:endParaRPr lang="en-US" altLang="zh-CN" sz="1400"/>
-          </a:p>
-          <a:p>
-            <a:pPr marL="0" indent="0">
-              <a:buNone/>
-            </a:pPr>
-            <a:r>
-              <a:rPr lang="en-US" altLang="zh-CN" sz="1400">
-                <a:sym typeface="+mn-ea"/>
-              </a:rPr>
-              <a:t>      }},</a:t>
-            </a:r>
-            <a:endParaRPr lang="en-US" altLang="zh-CN" sz="1400"/>
-          </a:p>
-          <a:p>
-            <a:pPr marL="0" indent="0">
-              <a:buNone/>
-            </a:pPr>
-            <a:r>
-              <a:rPr lang="en-US" altLang="zh-CN" sz="1400">
-                <a:sym typeface="+mn-ea"/>
-              </a:rPr>
-              <a:t>    reset: () =&gt; form.resetFields()</a:t>
-            </a:r>
-            <a:endParaRPr lang="en-US" altLang="zh-CN" sz="1400"/>
-          </a:p>
-          <a:p>
-            <a:pPr marL="0" indent="0">
-              <a:buNone/>
-            </a:pPr>
-            <a:r>
-              <a:rPr lang="en-US" altLang="zh-CN" sz="1400">
-                <a:sym typeface="+mn-ea"/>
-              </a:rPr>
-              <a:t>  }));</a:t>
-            </a:r>
-            <a:endParaRPr lang="en-US" altLang="zh-CN" sz="1400"/>
-          </a:p>
-          <a:p>
-            <a:pPr marL="0" indent="0">
-              <a:buNone/>
-            </a:pPr>
-            <a:r>
-              <a:rPr lang="en-US" altLang="zh-CN" sz="1400">
-                <a:sym typeface="+mn-ea"/>
-              </a:rPr>
-              <a:t>  return &lt;Form form={form}&gt;{/* ... */}&lt;/Form&gt;;</a:t>
-            </a:r>
-            <a:endParaRPr lang="en-US" altLang="zh-CN" sz="1400"/>
-          </a:p>
-          <a:p>
-            <a:pPr marL="0" indent="0">
-              <a:buNone/>
-            </a:pPr>
-            <a:r>
-              <a:rPr lang="en-US" altLang="zh-CN" sz="1400">
-                <a:sym typeface="+mn-ea"/>
-              </a:rPr>
-              <a:t>});</a:t>
-            </a:r>
-            <a:endParaRPr lang="en-US" altLang="zh-CN" sz="1400">
-              <a:sym typeface="+mn-ea"/>
-            </a:endParaRPr>
-          </a:p>
-          <a:p>
-            <a:pPr marL="0" indent="0">
-              <a:buNone/>
-            </a:pPr>
-            <a:endParaRPr lang="en-US" altLang="zh-CN" sz="1600">
-              <a:sym typeface="+mn-ea"/>
-            </a:endParaRPr>
-          </a:p>
-          <a:p>
-            <a:pPr marL="0" indent="0">
-              <a:buNone/>
-            </a:pPr>
-            <a:endParaRPr lang="en-US" altLang="zh-CN" sz="1600"/>
-          </a:p>
-        </p:txBody>
-      </p:sp>
-      <p:sp>
-        <p:nvSpPr>
-          <p:cNvPr id="6" name="文本框 5"/>
-          <p:cNvSpPr txBox="1"/>
-          <p:nvPr/>
-        </p:nvSpPr>
-        <p:spPr>
-          <a:xfrm>
-            <a:off x="5292090" y="1557020"/>
-            <a:ext cx="4572000" cy="4615815"/>
-          </a:xfrm>
-          <a:prstGeom prst="rect">
-            <a:avLst/>
-          </a:prstGeom>
-          <a:noFill/>
-        </p:spPr>
-        <p:txBody>
-          <a:bodyPr wrap="square" rtlCol="0" anchor="t">
-            <a:spAutoFit/>
-          </a:bodyPr>
-          <a:p>
-            <a:pPr marL="0" indent="0">
-              <a:buNone/>
-            </a:pPr>
-            <a:r>
-              <a:rPr lang="en-US" altLang="zh-CN" sz="1400">
-                <a:sym typeface="+mn-ea"/>
-              </a:rPr>
-              <a:t>// </a:t>
-            </a:r>
-            <a:r>
-              <a:rPr lang="zh-CN" altLang="en-US" sz="1400">
-                <a:sym typeface="+mn-ea"/>
-              </a:rPr>
-              <a:t>父组件</a:t>
+            <a:endParaRPr lang="en-US" altLang="zh-CN" sz="1400"/>
+          </a:p>
+          <a:p>
+            <a:pPr marL="0" indent="0">
+              <a:buNone/>
+            </a:pPr>
+            <a:r>
+              <a:rPr lang="en-US" altLang="zh-CN" sz="1400"/>
+              <a:t>_render(Header) </a:t>
+            </a:r>
+            <a:r>
+              <a:rPr lang="en-US" altLang="en-US" sz="1400"/>
+              <a:t>→</a:t>
+            </a:r>
+            <a:r>
+              <a:rPr lang="en-US" altLang="zh-CN" sz="1400"/>
+              <a:t> </a:t>
+            </a:r>
+            <a:r>
+              <a:rPr lang="zh-CN" altLang="en-US" sz="1400"/>
+              <a:t>函数组件</a:t>
+            </a:r>
+            <a:r>
+              <a:rPr lang="en-US" altLang="zh-CN" sz="1400"/>
+              <a:t> </a:t>
+            </a:r>
+            <a:r>
+              <a:rPr lang="en-US" altLang="en-US" sz="1400"/>
+              <a:t>→</a:t>
+            </a:r>
+            <a:r>
+              <a:rPr lang="en-US" altLang="zh-CN" sz="1400"/>
+              <a:t> </a:t>
+            </a:r>
+            <a:r>
+              <a:rPr lang="zh-CN" altLang="en-US" sz="1400"/>
+              <a:t>调用</a:t>
+            </a:r>
+            <a:r>
+              <a:rPr lang="en-US" altLang="zh-CN" sz="1400"/>
+              <a:t> Header()</a:t>
+            </a:r>
+            <a:endParaRPr lang="en-US" altLang="zh-CN" sz="1400"/>
+          </a:p>
+          <a:p>
+            <a:endParaRPr lang="en-US" altLang="zh-CN" sz="1400"/>
+          </a:p>
+          <a:p>
+            <a:pPr marL="0" indent="0">
+              <a:buNone/>
+            </a:pPr>
+            <a:r>
+              <a:rPr lang="zh-CN" altLang="en-US" sz="1400"/>
+              <a:t>得到</a:t>
+            </a:r>
+            <a:r>
+              <a:rPr lang="en-US" altLang="zh-CN" sz="1400"/>
+              <a:t> &lt;h1&gt;Title&lt;/h1&gt; </a:t>
+            </a:r>
+            <a:r>
+              <a:rPr lang="en-US" altLang="en-US" sz="1400"/>
+              <a:t>→</a:t>
+            </a:r>
+            <a:r>
+              <a:rPr lang="en-US" altLang="zh-CN" sz="1400"/>
+              <a:t> </a:t>
+            </a:r>
+            <a:r>
+              <a:rPr lang="zh-CN" altLang="en-US" sz="1400"/>
+              <a:t>创建</a:t>
+            </a:r>
+            <a:r>
+              <a:rPr lang="en-US" altLang="zh-CN" sz="1400"/>
+              <a:t> &lt;h1&gt;</a:t>
+            </a:r>
+            <a:endParaRPr lang="en-US" altLang="zh-CN" sz="1400"/>
+          </a:p>
+          <a:p>
+            <a:endParaRPr lang="en-US" altLang="zh-CN" sz="1400"/>
+          </a:p>
+          <a:p>
+            <a:pPr marL="0" indent="0">
+              <a:buNone/>
+            </a:pPr>
+            <a:r>
+              <a:rPr lang="en-US" altLang="zh-CN" sz="1400"/>
+              <a:t>_render(Content) </a:t>
+            </a:r>
+            <a:r>
+              <a:rPr lang="en-US" altLang="en-US" sz="1400"/>
+              <a:t>→</a:t>
+            </a:r>
+            <a:r>
+              <a:rPr lang="en-US" altLang="zh-CN" sz="1400"/>
+              <a:t> </a:t>
+            </a:r>
+            <a:r>
+              <a:rPr lang="zh-CN" altLang="en-US" sz="1400"/>
+              <a:t>类组件</a:t>
+            </a:r>
+            <a:r>
+              <a:rPr lang="en-US" altLang="zh-CN" sz="1400"/>
+              <a:t> </a:t>
+            </a:r>
+            <a:r>
+              <a:rPr lang="en-US" altLang="en-US" sz="1400"/>
+              <a:t>→</a:t>
+            </a:r>
+            <a:r>
+              <a:rPr lang="en-US" altLang="zh-CN" sz="1400"/>
+              <a:t> </a:t>
+            </a:r>
+            <a:r>
+              <a:rPr lang="zh-CN" altLang="en-US" sz="1400"/>
+              <a:t>调用</a:t>
+            </a:r>
+            <a:r>
+              <a:rPr lang="en-US" altLang="zh-CN" sz="1400"/>
+              <a:t> Content.render()</a:t>
+            </a:r>
+            <a:endParaRPr lang="en-US" altLang="zh-CN" sz="1400"/>
+          </a:p>
+          <a:p>
+            <a:endParaRPr lang="en-US" altLang="zh-CN" sz="1400"/>
+          </a:p>
+          <a:p>
+            <a:pPr marL="0" indent="0">
+              <a:buNone/>
+            </a:pPr>
+            <a:r>
+              <a:rPr lang="zh-CN" altLang="en-US" sz="1400"/>
+              <a:t>得到</a:t>
+            </a:r>
+            <a:r>
+              <a:rPr lang="en-US" altLang="zh-CN" sz="1400"/>
+              <a:t> &lt;section&gt;...&lt;/section&gt; </a:t>
+            </a:r>
+            <a:r>
+              <a:rPr lang="en-US" altLang="en-US" sz="1400"/>
+              <a:t>→</a:t>
+            </a:r>
+            <a:r>
+              <a:rPr lang="en-US" altLang="zh-CN" sz="1400"/>
+              <a:t> </a:t>
+            </a:r>
+            <a:r>
+              <a:rPr lang="zh-CN" altLang="en-US" sz="1400"/>
+              <a:t>创建</a:t>
+            </a:r>
+            <a:r>
+              <a:rPr lang="en-US" altLang="zh-CN" sz="1400"/>
+              <a:t> &lt;section&gt;</a:t>
+            </a:r>
+            <a:endParaRPr lang="en-US" altLang="zh-CN" sz="1400"/>
+          </a:p>
+          <a:p>
+            <a:endParaRPr lang="en-US" altLang="zh-CN" sz="1400"/>
+          </a:p>
+          <a:p>
+            <a:pPr marL="0" indent="0">
+              <a:buNone/>
+            </a:pPr>
+            <a:r>
+              <a:rPr lang="zh-CN" altLang="en-US" sz="1400"/>
+              <a:t>最终构建完整的</a:t>
+            </a:r>
+            <a:r>
+              <a:rPr lang="en-US" altLang="zh-CN" sz="1400"/>
+              <a:t>DOM</a:t>
+            </a:r>
+            <a:r>
+              <a:rPr lang="zh-CN" altLang="en-US" sz="1400"/>
+              <a:t>树</a:t>
             </a:r>
             <a:endParaRPr lang="zh-CN" altLang="en-US" sz="1400"/>
-          </a:p>
-          <a:p>
-            <a:pPr marL="0" indent="0">
-              <a:buNone/>
-            </a:pPr>
-            <a:r>
-              <a:rPr lang="en-US" altLang="zh-CN" sz="1400">
-                <a:sym typeface="+mn-ea"/>
-              </a:rPr>
-              <a:t>function </a:t>
-            </a:r>
-            <a:r>
-              <a:rPr lang="en-US" altLang="zh-CN" sz="1400">
-                <a:solidFill>
-                  <a:srgbClr val="FF0000"/>
-                </a:solidFill>
-                <a:sym typeface="+mn-ea"/>
-              </a:rPr>
-              <a:t>Parent</a:t>
-            </a:r>
-            <a:r>
-              <a:rPr lang="en-US" altLang="zh-CN" sz="1400">
-                <a:sym typeface="+mn-ea"/>
-              </a:rPr>
-              <a:t>() {</a:t>
-            </a:r>
-            <a:endParaRPr lang="en-US" altLang="zh-CN" sz="1400"/>
-          </a:p>
-          <a:p>
-            <a:pPr marL="0" indent="0">
-              <a:buNone/>
-            </a:pPr>
-            <a:r>
-              <a:rPr lang="en-US" altLang="zh-CN" sz="1400">
-                <a:sym typeface="+mn-ea"/>
-              </a:rPr>
-              <a:t>  const formRef = useRef();</a:t>
-            </a:r>
-            <a:endParaRPr lang="en-US" altLang="zh-CN" sz="1400"/>
-          </a:p>
-          <a:p>
-            <a:pPr marL="0" indent="0">
-              <a:buNone/>
-            </a:pPr>
-            <a:r>
-              <a:rPr lang="en-US" altLang="zh-CN" sz="1400">
-                <a:sym typeface="+mn-ea"/>
-              </a:rPr>
-              <a:t>  </a:t>
-            </a:r>
-            <a:endParaRPr lang="en-US" altLang="zh-CN" sz="1400"/>
-          </a:p>
-          <a:p>
-            <a:pPr marL="0" indent="0">
-              <a:buNone/>
-            </a:pPr>
-            <a:r>
-              <a:rPr lang="en-US" altLang="zh-CN" sz="1400">
-                <a:sym typeface="+mn-ea"/>
-              </a:rPr>
-              <a:t>  const handleSubmit = async () =&gt; {</a:t>
-            </a:r>
-            <a:endParaRPr lang="en-US" altLang="zh-CN" sz="1400"/>
-          </a:p>
-          <a:p>
-            <a:pPr marL="0" indent="0">
-              <a:buNone/>
-            </a:pPr>
-            <a:r>
-              <a:rPr lang="en-US" altLang="zh-CN" sz="1400">
-                <a:sym typeface="+mn-ea"/>
-              </a:rPr>
-              <a:t>    try {</a:t>
-            </a:r>
-            <a:endParaRPr lang="en-US" altLang="zh-CN" sz="1400"/>
-          </a:p>
-          <a:p>
-            <a:pPr marL="0" indent="0">
-              <a:buNone/>
-            </a:pPr>
-            <a:r>
-              <a:rPr lang="en-US" altLang="zh-CN" sz="1400">
-                <a:sym typeface="+mn-ea"/>
-              </a:rPr>
-              <a:t>      const values = await formRef.current?.submit();</a:t>
-            </a:r>
-            <a:endParaRPr lang="en-US" altLang="zh-CN" sz="1400"/>
-          </a:p>
-          <a:p>
-            <a:pPr marL="0" indent="0">
-              <a:buNone/>
-            </a:pPr>
-            <a:r>
-              <a:rPr lang="en-US" altLang="zh-CN" sz="1400">
-                <a:sym typeface="+mn-ea"/>
-              </a:rPr>
-              <a:t>      console.log('</a:t>
-            </a:r>
-            <a:r>
-              <a:rPr lang="zh-CN" altLang="en-US" sz="1400">
-                <a:sym typeface="+mn-ea"/>
-              </a:rPr>
-              <a:t>提交数据</a:t>
-            </a:r>
-            <a:r>
-              <a:rPr lang="en-US" altLang="zh-CN" sz="1400">
-                <a:sym typeface="+mn-ea"/>
-              </a:rPr>
-              <a:t>', values);</a:t>
-            </a:r>
-            <a:endParaRPr lang="en-US" altLang="zh-CN" sz="1400"/>
-          </a:p>
-          <a:p>
-            <a:pPr marL="0" indent="0">
-              <a:buNone/>
-            </a:pPr>
-            <a:r>
-              <a:rPr lang="en-US" altLang="zh-CN" sz="1400">
-                <a:sym typeface="+mn-ea"/>
-              </a:rPr>
-              <a:t>    } catch (e) {</a:t>
-            </a:r>
-            <a:endParaRPr lang="en-US" altLang="zh-CN" sz="1400"/>
-          </a:p>
-          <a:p>
-            <a:pPr marL="0" indent="0">
-              <a:buNone/>
-            </a:pPr>
-            <a:r>
-              <a:rPr lang="en-US" altLang="zh-CN" sz="1400">
-                <a:sym typeface="+mn-ea"/>
-              </a:rPr>
-              <a:t>      // </a:t>
-            </a:r>
-            <a:r>
-              <a:rPr lang="zh-CN" altLang="en-US" sz="1400">
-                <a:sym typeface="+mn-ea"/>
-              </a:rPr>
-              <a:t>处理错误</a:t>
-            </a:r>
-            <a:endParaRPr lang="zh-CN" altLang="en-US" sz="1400"/>
-          </a:p>
-          <a:p>
-            <a:pPr marL="0" indent="0">
-              <a:buNone/>
-            </a:pPr>
-            <a:r>
-              <a:rPr lang="en-US" altLang="zh-CN" sz="1400">
-                <a:sym typeface="+mn-ea"/>
-              </a:rPr>
-              <a:t>    }</a:t>
-            </a:r>
-            <a:endParaRPr lang="en-US" altLang="zh-CN" sz="1400"/>
-          </a:p>
-          <a:p>
-            <a:pPr marL="0" indent="0">
-              <a:buNone/>
-            </a:pPr>
-            <a:r>
-              <a:rPr lang="en-US" altLang="zh-CN" sz="1400">
-                <a:sym typeface="+mn-ea"/>
-              </a:rPr>
-              <a:t>  };</a:t>
-            </a:r>
-            <a:endParaRPr lang="en-US" altLang="zh-CN" sz="1400"/>
-          </a:p>
-          <a:p>
-            <a:pPr marL="0" indent="0">
-              <a:buNone/>
-            </a:pPr>
-            <a:r>
-              <a:rPr lang="en-US" altLang="zh-CN" sz="1400">
-                <a:sym typeface="+mn-ea"/>
-              </a:rPr>
-              <a:t>  return (</a:t>
-            </a:r>
-            <a:endParaRPr lang="en-US" altLang="zh-CN" sz="1400"/>
-          </a:p>
-          <a:p>
-            <a:pPr marL="0" indent="0">
-              <a:buNone/>
-            </a:pPr>
-            <a:r>
-              <a:rPr lang="en-US" altLang="zh-CN" sz="1400">
-                <a:sym typeface="+mn-ea"/>
-              </a:rPr>
-              <a:t>    &lt;&gt;</a:t>
-            </a:r>
-            <a:endParaRPr lang="en-US" altLang="zh-CN" sz="1400"/>
-          </a:p>
-          <a:p>
-            <a:pPr marL="0" indent="0">
-              <a:buNone/>
-            </a:pPr>
-            <a:r>
-              <a:rPr lang="en-US" altLang="zh-CN" sz="1400">
-                <a:sym typeface="+mn-ea"/>
-              </a:rPr>
-              <a:t>      &lt;ChildForm ref={formRef} /&gt;</a:t>
-            </a:r>
-            <a:endParaRPr lang="en-US" altLang="zh-CN" sz="1400"/>
-          </a:p>
-          <a:p>
-            <a:pPr marL="0" indent="0">
-              <a:buNone/>
-            </a:pPr>
-            <a:r>
-              <a:rPr lang="en-US" altLang="zh-CN" sz="1400">
-                <a:sym typeface="+mn-ea"/>
-              </a:rPr>
-              <a:t>      &lt;button onClick={handleSubmit}&gt;</a:t>
-            </a:r>
-            <a:r>
-              <a:rPr lang="zh-CN" altLang="en-US" sz="1400">
-                <a:sym typeface="+mn-ea"/>
-              </a:rPr>
-              <a:t>父组件提交</a:t>
-            </a:r>
-            <a:r>
-              <a:rPr lang="en-US" altLang="zh-CN" sz="1400">
-                <a:sym typeface="+mn-ea"/>
-              </a:rPr>
-              <a:t>&lt;/button&gt;</a:t>
-            </a:r>
-            <a:endParaRPr lang="en-US" altLang="zh-CN" sz="1400"/>
-          </a:p>
-          <a:p>
-            <a:pPr marL="0" indent="0">
-              <a:buNone/>
-            </a:pPr>
-            <a:r>
-              <a:rPr lang="en-US" altLang="zh-CN" sz="1400">
-                <a:sym typeface="+mn-ea"/>
-              </a:rPr>
-              <a:t>    &lt;/&gt;</a:t>
-            </a:r>
-            <a:endParaRPr lang="en-US" altLang="zh-CN" sz="1400"/>
-          </a:p>
-          <a:p>
-            <a:pPr marL="0" indent="0">
-              <a:buNone/>
-            </a:pPr>
-            <a:r>
-              <a:rPr lang="en-US" altLang="zh-CN" sz="1400">
-                <a:sym typeface="+mn-ea"/>
-              </a:rPr>
-              <a:t>  );</a:t>
-            </a:r>
-            <a:endParaRPr lang="en-US" altLang="zh-CN" sz="1400"/>
-          </a:p>
-          <a:p>
-            <a:pPr marL="0" indent="0">
-              <a:buNone/>
-            </a:pPr>
-            <a:r>
-              <a:rPr lang="en-US" altLang="zh-CN" sz="1400">
-                <a:sym typeface="+mn-ea"/>
-              </a:rPr>
-              <a:t>}</a:t>
-            </a:r>
-            <a:endParaRPr lang="en-US" altLang="zh-CN" sz="1400"/>
-          </a:p>
-          <a:p>
-            <a:pPr marL="0" indent="0">
-              <a:buNone/>
-            </a:pPr>
-            <a:endParaRPr lang="en-US" altLang="zh-CN" sz="1400"/>
           </a:p>
         </p:txBody>
       </p:sp>
@@ -14377,7 +14175,7 @@
           <a:p>
             <a:r>
               <a:rPr lang="en-US" altLang="zh-CN"/>
-              <a:t>Simple React</a:t>
+              <a:t>useState,useEffect </a:t>
             </a:r>
             <a:endParaRPr lang="en-US" altLang="zh-CN"/>
           </a:p>
@@ -14385,8 +14183,10 @@
       </p:sp>
       <p:sp>
         <p:nvSpPr>
-          <p:cNvPr id="4" name="内容占位符 3"/>
-          <p:cNvSpPr/>
+          <p:cNvPr id="3" name="内容占位符 2"/>
+          <p:cNvSpPr>
+            <a:spLocks noGrp="1"/>
+          </p:cNvSpPr>
           <p:nvPr>
             <p:ph idx="1"/>
           </p:nvPr>
@@ -14432,16 +14232,18 @@
           <a:bodyPr/>
           <a:p>
             <a:r>
-              <a:rPr lang="en-US" altLang="zh-CN"/>
-              <a:t>Simple React</a:t>
-            </a:r>
-            <a:endParaRPr lang="en-US" altLang="zh-CN"/>
+              <a:rPr lang="en-US" altLang="zh-CN">
+                <a:sym typeface="+mn-ea"/>
+              </a:rPr>
+              <a:t>forwardRef</a:t>
+            </a:r>
+            <a:endParaRPr lang="zh-CN" altLang="en-US"/>
           </a:p>
         </p:txBody>
       </p:sp>
       <p:sp>
         <p:nvSpPr>
-          <p:cNvPr id="3" name="内容占位符 2"/>
+          <p:cNvPr id="5" name="内容占位符 4"/>
           <p:cNvSpPr>
             <a:spLocks noGrp="1"/>
           </p:cNvSpPr>
@@ -14451,323 +14253,535 @@
         </p:nvSpPr>
         <p:spPr>
           <a:xfrm>
-            <a:off x="457200" y="1600200"/>
-            <a:ext cx="8229600" cy="5139690"/>
+            <a:off x="251460" y="1557020"/>
+            <a:ext cx="8229600" cy="4525963"/>
           </a:xfrm>
         </p:spPr>
         <p:txBody>
           <a:bodyPr/>
           <a:p>
-            <a:r>
-              <a:rPr lang="en-US" altLang="zh-CN" sz="1400"/>
-              <a:t>&lt;App&gt;</a:t>
-            </a:r>
-            <a:endParaRPr lang="en-US" altLang="zh-CN" sz="1400"/>
-          </a:p>
-          <a:p>
-            <a:r>
-              <a:rPr lang="en-US" altLang="zh-CN" sz="1400"/>
-              <a:t>  &lt;Header /&gt;</a:t>
-            </a:r>
-            <a:endParaRPr lang="en-US" altLang="zh-CN" sz="1400"/>
-          </a:p>
-          <a:p>
-            <a:r>
-              <a:rPr lang="en-US" altLang="zh-CN" sz="1400"/>
-              <a:t>  &lt;Content /&gt;</a:t>
-            </a:r>
-            <a:endParaRPr lang="en-US" altLang="zh-CN" sz="1400"/>
-          </a:p>
-          <a:p>
-            <a:r>
-              <a:rPr lang="en-US" altLang="zh-CN" sz="1400"/>
-              <a:t>&lt;/App&gt;</a:t>
-            </a:r>
-            <a:endParaRPr lang="en-US" altLang="zh-CN" sz="1400"/>
-          </a:p>
-          <a:p>
-            <a:r>
-              <a:rPr lang="zh-CN" altLang="en-US" sz="1400"/>
-              <a:t>递归流程：</a:t>
-            </a:r>
-            <a:endParaRPr lang="en-US" altLang="zh-CN" sz="1400"/>
-          </a:p>
-          <a:p>
-            <a:pPr marL="0" indent="0">
-              <a:buNone/>
-            </a:pPr>
-            <a:r>
-              <a:rPr lang="en-US" altLang="zh-CN" sz="1400"/>
-              <a:t>_render(App) </a:t>
-            </a:r>
-            <a:r>
-              <a:rPr lang="en-US" altLang="en-US" sz="1400"/>
-              <a:t>→</a:t>
-            </a:r>
-            <a:r>
-              <a:rPr lang="en-US" altLang="zh-CN" sz="1400"/>
-              <a:t> </a:t>
-            </a:r>
-            <a:r>
-              <a:rPr lang="zh-CN" altLang="en-US" sz="1400"/>
-              <a:t>发现类组件</a:t>
-            </a:r>
-            <a:r>
-              <a:rPr lang="en-US" altLang="zh-CN" sz="1400"/>
-              <a:t> </a:t>
-            </a:r>
-            <a:r>
-              <a:rPr lang="en-US" altLang="en-US" sz="1400"/>
-              <a:t>→</a:t>
-            </a:r>
-            <a:r>
-              <a:rPr lang="en-US" altLang="zh-CN" sz="1400"/>
-              <a:t> </a:t>
-            </a:r>
-            <a:r>
-              <a:rPr lang="zh-CN" altLang="en-US" sz="1400"/>
-              <a:t>调用</a:t>
-            </a:r>
-            <a:r>
-              <a:rPr lang="en-US" altLang="zh-CN" sz="1400"/>
-              <a:t> App.render()</a:t>
-            </a:r>
-            <a:endParaRPr lang="en-US" altLang="zh-CN" sz="1400"/>
-          </a:p>
-          <a:p>
-            <a:endParaRPr lang="en-US" altLang="zh-CN" sz="1400"/>
-          </a:p>
-          <a:p>
-            <a:pPr marL="0" indent="0">
-              <a:buNone/>
-            </a:pPr>
-            <a:r>
-              <a:rPr lang="zh-CN" altLang="en-US" sz="1400"/>
-              <a:t>得到</a:t>
-            </a:r>
-            <a:r>
-              <a:rPr lang="en-US" altLang="zh-CN" sz="1400"/>
-              <a:t> &lt;div&gt;&lt;Header /&gt;&lt;Content /&gt;&lt;/div&gt;</a:t>
-            </a:r>
-            <a:endParaRPr lang="en-US" altLang="zh-CN" sz="1400"/>
-          </a:p>
-          <a:p>
-            <a:endParaRPr lang="en-US" altLang="zh-CN" sz="1400"/>
-          </a:p>
-          <a:p>
-            <a:pPr marL="0" indent="0">
-              <a:buNone/>
-            </a:pPr>
-            <a:r>
-              <a:rPr lang="en-US" altLang="zh-CN" sz="1400"/>
-              <a:t>_render(div) </a:t>
-            </a:r>
-            <a:r>
-              <a:rPr lang="en-US" altLang="en-US" sz="1400"/>
-              <a:t>→</a:t>
-            </a:r>
-            <a:r>
-              <a:rPr lang="en-US" altLang="zh-CN" sz="1400"/>
-              <a:t> </a:t>
-            </a:r>
-            <a:r>
-              <a:rPr lang="zh-CN" altLang="en-US" sz="1400"/>
-              <a:t>创建</a:t>
-            </a:r>
-            <a:r>
-              <a:rPr lang="en-US" altLang="zh-CN" sz="1400"/>
-              <a:t> &lt;div&gt; </a:t>
-            </a:r>
-            <a:r>
-              <a:rPr lang="en-US" altLang="en-US" sz="1400"/>
-              <a:t>→</a:t>
-            </a:r>
-            <a:r>
-              <a:rPr lang="en-US" altLang="zh-CN" sz="1400"/>
-              <a:t> </a:t>
-            </a:r>
-            <a:r>
-              <a:rPr lang="zh-CN" altLang="en-US" sz="1400"/>
-              <a:t>处理子节点：</a:t>
+            <a:pPr marL="0" indent="0">
+              <a:buNone/>
+            </a:pPr>
+            <a:r>
+              <a:rPr lang="en-US" altLang="zh-CN" sz="1400">
+                <a:sym typeface="+mn-ea"/>
+              </a:rPr>
+              <a:t>// </a:t>
+            </a:r>
+            <a:r>
+              <a:rPr lang="zh-CN" altLang="en-US" sz="1400">
+                <a:sym typeface="+mn-ea"/>
+              </a:rPr>
+              <a:t>子组件</a:t>
             </a:r>
             <a:endParaRPr lang="zh-CN" altLang="en-US" sz="1400"/>
           </a:p>
           <a:p>
-            <a:endParaRPr lang="en-US" altLang="zh-CN" sz="1400"/>
-          </a:p>
-          <a:p>
-            <a:pPr marL="0" indent="0">
-              <a:buNone/>
-            </a:pPr>
-            <a:r>
-              <a:rPr lang="en-US" altLang="zh-CN" sz="1400"/>
-              <a:t>_render(Header) </a:t>
-            </a:r>
-            <a:r>
-              <a:rPr lang="en-US" altLang="en-US" sz="1400"/>
-              <a:t>→</a:t>
-            </a:r>
-            <a:r>
-              <a:rPr lang="en-US" altLang="zh-CN" sz="1400"/>
-              <a:t> </a:t>
-            </a:r>
-            <a:r>
-              <a:rPr lang="zh-CN" altLang="en-US" sz="1400"/>
-              <a:t>函数组件</a:t>
-            </a:r>
-            <a:r>
-              <a:rPr lang="en-US" altLang="zh-CN" sz="1400"/>
-              <a:t> </a:t>
-            </a:r>
-            <a:r>
-              <a:rPr lang="en-US" altLang="en-US" sz="1400"/>
-              <a:t>→</a:t>
-            </a:r>
-            <a:r>
-              <a:rPr lang="en-US" altLang="zh-CN" sz="1400"/>
-              <a:t> </a:t>
-            </a:r>
-            <a:r>
-              <a:rPr lang="zh-CN" altLang="en-US" sz="1400"/>
-              <a:t>调用</a:t>
-            </a:r>
-            <a:r>
-              <a:rPr lang="en-US" altLang="zh-CN" sz="1400"/>
-              <a:t> Header()</a:t>
-            </a:r>
-            <a:endParaRPr lang="en-US" altLang="zh-CN" sz="1400"/>
-          </a:p>
-          <a:p>
-            <a:endParaRPr lang="en-US" altLang="zh-CN" sz="1400"/>
-          </a:p>
-          <a:p>
-            <a:pPr marL="0" indent="0">
-              <a:buNone/>
-            </a:pPr>
-            <a:r>
-              <a:rPr lang="zh-CN" altLang="en-US" sz="1400"/>
-              <a:t>得到</a:t>
-            </a:r>
-            <a:r>
-              <a:rPr lang="en-US" altLang="zh-CN" sz="1400"/>
-              <a:t> &lt;h1&gt;Title&lt;/h1&gt; </a:t>
-            </a:r>
-            <a:r>
-              <a:rPr lang="en-US" altLang="en-US" sz="1400"/>
-              <a:t>→</a:t>
-            </a:r>
-            <a:r>
-              <a:rPr lang="en-US" altLang="zh-CN" sz="1400"/>
-              <a:t> </a:t>
-            </a:r>
-            <a:r>
-              <a:rPr lang="zh-CN" altLang="en-US" sz="1400"/>
-              <a:t>创建</a:t>
-            </a:r>
-            <a:r>
-              <a:rPr lang="en-US" altLang="zh-CN" sz="1400"/>
-              <a:t> &lt;h1&gt;</a:t>
-            </a:r>
-            <a:endParaRPr lang="en-US" altLang="zh-CN" sz="1400"/>
-          </a:p>
-          <a:p>
-            <a:endParaRPr lang="en-US" altLang="zh-CN" sz="1400"/>
-          </a:p>
-          <a:p>
-            <a:pPr marL="0" indent="0">
-              <a:buNone/>
-            </a:pPr>
-            <a:r>
-              <a:rPr lang="en-US" altLang="zh-CN" sz="1400"/>
-              <a:t>_render(Content) </a:t>
-            </a:r>
-            <a:r>
-              <a:rPr lang="en-US" altLang="en-US" sz="1400"/>
-              <a:t>→</a:t>
-            </a:r>
-            <a:r>
-              <a:rPr lang="en-US" altLang="zh-CN" sz="1400"/>
-              <a:t> </a:t>
-            </a:r>
-            <a:r>
-              <a:rPr lang="zh-CN" altLang="en-US" sz="1400"/>
-              <a:t>类组件</a:t>
-            </a:r>
-            <a:r>
-              <a:rPr lang="en-US" altLang="zh-CN" sz="1400"/>
-              <a:t> </a:t>
-            </a:r>
-            <a:r>
-              <a:rPr lang="en-US" altLang="en-US" sz="1400"/>
-              <a:t>→</a:t>
-            </a:r>
-            <a:r>
-              <a:rPr lang="en-US" altLang="zh-CN" sz="1400"/>
-              <a:t> </a:t>
-            </a:r>
-            <a:r>
-              <a:rPr lang="zh-CN" altLang="en-US" sz="1400"/>
-              <a:t>调用</a:t>
-            </a:r>
-            <a:r>
-              <a:rPr lang="en-US" altLang="zh-CN" sz="1400"/>
-              <a:t> Content.render()</a:t>
-            </a:r>
-            <a:endParaRPr lang="en-US" altLang="zh-CN" sz="1400"/>
-          </a:p>
-          <a:p>
-            <a:endParaRPr lang="en-US" altLang="zh-CN" sz="1400"/>
-          </a:p>
-          <a:p>
-            <a:pPr marL="0" indent="0">
-              <a:buNone/>
-            </a:pPr>
-            <a:r>
-              <a:rPr lang="zh-CN" altLang="en-US" sz="1400"/>
-              <a:t>得到</a:t>
-            </a:r>
-            <a:r>
-              <a:rPr lang="en-US" altLang="zh-CN" sz="1400"/>
-              <a:t> &lt;section&gt;...&lt;/section&gt; </a:t>
-            </a:r>
-            <a:r>
-              <a:rPr lang="en-US" altLang="en-US" sz="1400"/>
-              <a:t>→</a:t>
-            </a:r>
-            <a:r>
-              <a:rPr lang="en-US" altLang="zh-CN" sz="1400"/>
-              <a:t> </a:t>
-            </a:r>
-            <a:r>
-              <a:rPr lang="zh-CN" altLang="en-US" sz="1400"/>
-              <a:t>创建</a:t>
-            </a:r>
-            <a:r>
-              <a:rPr lang="en-US" altLang="zh-CN" sz="1400"/>
-              <a:t> &lt;section&gt;</a:t>
-            </a:r>
-            <a:endParaRPr lang="en-US" altLang="zh-CN" sz="1400"/>
-          </a:p>
-          <a:p>
-            <a:endParaRPr lang="en-US" altLang="zh-CN" sz="1400"/>
-          </a:p>
-          <a:p>
-            <a:pPr marL="0" indent="0">
-              <a:buNone/>
-            </a:pPr>
-            <a:r>
-              <a:rPr lang="zh-CN" altLang="en-US" sz="1400"/>
-              <a:t>最终构建完整的</a:t>
-            </a:r>
-            <a:r>
-              <a:rPr lang="en-US" altLang="zh-CN" sz="1400"/>
-              <a:t>DOM</a:t>
-            </a:r>
-            <a:r>
-              <a:rPr lang="zh-CN" altLang="en-US" sz="1400"/>
-              <a:t>树</a:t>
+            <a:pPr marL="0" indent="0">
+              <a:buNone/>
+            </a:pPr>
+            <a:r>
+              <a:rPr lang="en-US" altLang="zh-CN" sz="1400">
+                <a:sym typeface="+mn-ea"/>
+              </a:rPr>
+              <a:t>const </a:t>
+            </a:r>
+            <a:r>
+              <a:rPr lang="en-US" altLang="zh-CN" sz="1400">
+                <a:solidFill>
+                  <a:srgbClr val="FF0000"/>
+                </a:solidFill>
+                <a:sym typeface="+mn-ea"/>
+              </a:rPr>
+              <a:t>ChildForm </a:t>
+            </a:r>
+            <a:r>
+              <a:rPr lang="en-US" altLang="zh-CN" sz="1400">
+                <a:sym typeface="+mn-ea"/>
+              </a:rPr>
+              <a:t>= forwardRef((props, ref) =&gt; {</a:t>
+            </a:r>
+            <a:endParaRPr lang="en-US" altLang="zh-CN" sz="1400"/>
+          </a:p>
+          <a:p>
+            <a:pPr marL="0" indent="0">
+              <a:buNone/>
+            </a:pPr>
+            <a:r>
+              <a:rPr lang="en-US" altLang="zh-CN" sz="1400">
+                <a:sym typeface="+mn-ea"/>
+              </a:rPr>
+              <a:t>  const [form] = Form.useForm();</a:t>
+            </a:r>
+            <a:endParaRPr lang="en-US" altLang="zh-CN" sz="1400"/>
+          </a:p>
+          <a:p>
+            <a:pPr marL="0" indent="0">
+              <a:buNone/>
+            </a:pPr>
+            <a:r>
+              <a:rPr lang="en-US" altLang="zh-CN" sz="1400">
+                <a:sym typeface="+mn-ea"/>
+              </a:rPr>
+              <a:t>  useImperativeHandle(ref, () =&gt; ({</a:t>
+            </a:r>
+            <a:endParaRPr lang="en-US" altLang="zh-CN" sz="1400"/>
+          </a:p>
+          <a:p>
+            <a:pPr marL="0" indent="0">
+              <a:buNone/>
+            </a:pPr>
+            <a:r>
+              <a:rPr lang="en-US" altLang="zh-CN" sz="1400">
+                <a:sym typeface="+mn-ea"/>
+              </a:rPr>
+              <a:t>    submit: async () =&gt; {</a:t>
+            </a:r>
+            <a:endParaRPr lang="en-US" altLang="zh-CN" sz="1400"/>
+          </a:p>
+          <a:p>
+            <a:pPr marL="0" indent="0">
+              <a:buNone/>
+            </a:pPr>
+            <a:r>
+              <a:rPr lang="en-US" altLang="zh-CN" sz="1400">
+                <a:sym typeface="+mn-ea"/>
+              </a:rPr>
+              <a:t>      try { return await form.validateFields();</a:t>
+            </a:r>
+            <a:endParaRPr lang="en-US" altLang="zh-CN" sz="1400"/>
+          </a:p>
+          <a:p>
+            <a:pPr marL="0" indent="0">
+              <a:buNone/>
+            </a:pPr>
+            <a:r>
+              <a:rPr lang="en-US" altLang="zh-CN" sz="1400">
+                <a:sym typeface="+mn-ea"/>
+              </a:rPr>
+              <a:t>      } catch (e) {</a:t>
+            </a:r>
+            <a:endParaRPr lang="en-US" altLang="zh-CN" sz="1400"/>
+          </a:p>
+          <a:p>
+            <a:pPr marL="0" indent="0">
+              <a:buNone/>
+            </a:pPr>
+            <a:r>
+              <a:rPr lang="en-US" altLang="zh-CN" sz="1400">
+                <a:sym typeface="+mn-ea"/>
+              </a:rPr>
+              <a:t>        console.error('</a:t>
+            </a:r>
+            <a:r>
+              <a:rPr lang="zh-CN" altLang="en-US" sz="1400">
+                <a:sym typeface="+mn-ea"/>
+              </a:rPr>
+              <a:t>验证失败</a:t>
+            </a:r>
+            <a:r>
+              <a:rPr lang="en-US" altLang="zh-CN" sz="1400">
+                <a:sym typeface="+mn-ea"/>
+              </a:rPr>
+              <a:t>', e);</a:t>
+            </a:r>
+            <a:endParaRPr lang="en-US" altLang="zh-CN" sz="1400"/>
+          </a:p>
+          <a:p>
+            <a:pPr marL="0" indent="0">
+              <a:buNone/>
+            </a:pPr>
+            <a:r>
+              <a:rPr lang="en-US" altLang="zh-CN" sz="1400">
+                <a:sym typeface="+mn-ea"/>
+              </a:rPr>
+              <a:t>        throw e;</a:t>
+            </a:r>
+            <a:endParaRPr lang="en-US" altLang="zh-CN" sz="1400"/>
+          </a:p>
+          <a:p>
+            <a:pPr marL="0" indent="0">
+              <a:buNone/>
+            </a:pPr>
+            <a:r>
+              <a:rPr lang="en-US" altLang="zh-CN" sz="1400">
+                <a:sym typeface="+mn-ea"/>
+              </a:rPr>
+              <a:t>      }},</a:t>
+            </a:r>
+            <a:endParaRPr lang="en-US" altLang="zh-CN" sz="1400"/>
+          </a:p>
+          <a:p>
+            <a:pPr marL="0" indent="0">
+              <a:buNone/>
+            </a:pPr>
+            <a:r>
+              <a:rPr lang="en-US" altLang="zh-CN" sz="1400">
+                <a:sym typeface="+mn-ea"/>
+              </a:rPr>
+              <a:t>    reset: () =&gt; form.resetFields()</a:t>
+            </a:r>
+            <a:endParaRPr lang="en-US" altLang="zh-CN" sz="1400"/>
+          </a:p>
+          <a:p>
+            <a:pPr marL="0" indent="0">
+              <a:buNone/>
+            </a:pPr>
+            <a:r>
+              <a:rPr lang="en-US" altLang="zh-CN" sz="1400">
+                <a:sym typeface="+mn-ea"/>
+              </a:rPr>
+              <a:t>  }));</a:t>
+            </a:r>
+            <a:endParaRPr lang="en-US" altLang="zh-CN" sz="1400"/>
+          </a:p>
+          <a:p>
+            <a:pPr marL="0" indent="0">
+              <a:buNone/>
+            </a:pPr>
+            <a:r>
+              <a:rPr lang="en-US" altLang="zh-CN" sz="1400">
+                <a:sym typeface="+mn-ea"/>
+              </a:rPr>
+              <a:t>  return &lt;Form form={form}&gt;{/* ... */}&lt;/Form&gt;;</a:t>
+            </a:r>
+            <a:endParaRPr lang="en-US" altLang="zh-CN" sz="1400"/>
+          </a:p>
+          <a:p>
+            <a:pPr marL="0" indent="0">
+              <a:buNone/>
+            </a:pPr>
+            <a:r>
+              <a:rPr lang="en-US" altLang="zh-CN" sz="1400">
+                <a:sym typeface="+mn-ea"/>
+              </a:rPr>
+              <a:t>});</a:t>
+            </a:r>
+            <a:endParaRPr lang="en-US" altLang="zh-CN" sz="1400">
+              <a:sym typeface="+mn-ea"/>
+            </a:endParaRPr>
+          </a:p>
+          <a:p>
+            <a:pPr marL="0" indent="0">
+              <a:buNone/>
+            </a:pPr>
+            <a:endParaRPr lang="en-US" altLang="zh-CN" sz="1600">
+              <a:sym typeface="+mn-ea"/>
+            </a:endParaRPr>
+          </a:p>
+          <a:p>
+            <a:pPr marL="0" indent="0">
+              <a:buNone/>
+            </a:pPr>
+            <a:endParaRPr lang="en-US" altLang="zh-CN" sz="1600"/>
+          </a:p>
+        </p:txBody>
+      </p:sp>
+      <p:sp>
+        <p:nvSpPr>
+          <p:cNvPr id="6" name="文本框 5"/>
+          <p:cNvSpPr txBox="1"/>
+          <p:nvPr/>
+        </p:nvSpPr>
+        <p:spPr>
+          <a:xfrm>
+            <a:off x="5292090" y="1557020"/>
+            <a:ext cx="4572000" cy="4615815"/>
+          </a:xfrm>
+          <a:prstGeom prst="rect">
+            <a:avLst/>
+          </a:prstGeom>
+          <a:noFill/>
+        </p:spPr>
+        <p:txBody>
+          <a:bodyPr wrap="square" rtlCol="0" anchor="t">
+            <a:spAutoFit/>
+          </a:bodyPr>
+          <a:p>
+            <a:pPr marL="0" indent="0">
+              <a:buNone/>
+            </a:pPr>
+            <a:r>
+              <a:rPr lang="en-US" altLang="zh-CN" sz="1400">
+                <a:sym typeface="+mn-ea"/>
+              </a:rPr>
+              <a:t>// </a:t>
+            </a:r>
+            <a:r>
+              <a:rPr lang="zh-CN" altLang="en-US" sz="1400">
+                <a:sym typeface="+mn-ea"/>
+              </a:rPr>
+              <a:t>父组件</a:t>
             </a:r>
             <a:endParaRPr lang="zh-CN" altLang="en-US" sz="1400"/>
+          </a:p>
+          <a:p>
+            <a:pPr marL="0" indent="0">
+              <a:buNone/>
+            </a:pPr>
+            <a:r>
+              <a:rPr lang="en-US" altLang="zh-CN" sz="1400">
+                <a:sym typeface="+mn-ea"/>
+              </a:rPr>
+              <a:t>function </a:t>
+            </a:r>
+            <a:r>
+              <a:rPr lang="en-US" altLang="zh-CN" sz="1400">
+                <a:solidFill>
+                  <a:srgbClr val="FF0000"/>
+                </a:solidFill>
+                <a:sym typeface="+mn-ea"/>
+              </a:rPr>
+              <a:t>Parent</a:t>
+            </a:r>
+            <a:r>
+              <a:rPr lang="en-US" altLang="zh-CN" sz="1400">
+                <a:sym typeface="+mn-ea"/>
+              </a:rPr>
+              <a:t>() {</a:t>
+            </a:r>
+            <a:endParaRPr lang="en-US" altLang="zh-CN" sz="1400"/>
+          </a:p>
+          <a:p>
+            <a:pPr marL="0" indent="0">
+              <a:buNone/>
+            </a:pPr>
+            <a:r>
+              <a:rPr lang="en-US" altLang="zh-CN" sz="1400">
+                <a:sym typeface="+mn-ea"/>
+              </a:rPr>
+              <a:t>  const formRef = useRef();</a:t>
+            </a:r>
+            <a:endParaRPr lang="en-US" altLang="zh-CN" sz="1400"/>
+          </a:p>
+          <a:p>
+            <a:pPr marL="0" indent="0">
+              <a:buNone/>
+            </a:pPr>
+            <a:r>
+              <a:rPr lang="en-US" altLang="zh-CN" sz="1400">
+                <a:sym typeface="+mn-ea"/>
+              </a:rPr>
+              <a:t>  </a:t>
+            </a:r>
+            <a:endParaRPr lang="en-US" altLang="zh-CN" sz="1400"/>
+          </a:p>
+          <a:p>
+            <a:pPr marL="0" indent="0">
+              <a:buNone/>
+            </a:pPr>
+            <a:r>
+              <a:rPr lang="en-US" altLang="zh-CN" sz="1400">
+                <a:sym typeface="+mn-ea"/>
+              </a:rPr>
+              <a:t>  const handleSubmit = async () =&gt; {</a:t>
+            </a:r>
+            <a:endParaRPr lang="en-US" altLang="zh-CN" sz="1400"/>
+          </a:p>
+          <a:p>
+            <a:pPr marL="0" indent="0">
+              <a:buNone/>
+            </a:pPr>
+            <a:r>
+              <a:rPr lang="en-US" altLang="zh-CN" sz="1400">
+                <a:sym typeface="+mn-ea"/>
+              </a:rPr>
+              <a:t>    try {</a:t>
+            </a:r>
+            <a:endParaRPr lang="en-US" altLang="zh-CN" sz="1400"/>
+          </a:p>
+          <a:p>
+            <a:pPr marL="0" indent="0">
+              <a:buNone/>
+            </a:pPr>
+            <a:r>
+              <a:rPr lang="en-US" altLang="zh-CN" sz="1400">
+                <a:sym typeface="+mn-ea"/>
+              </a:rPr>
+              <a:t>      const values = await formRef.current?.submit();</a:t>
+            </a:r>
+            <a:endParaRPr lang="en-US" altLang="zh-CN" sz="1400"/>
+          </a:p>
+          <a:p>
+            <a:pPr marL="0" indent="0">
+              <a:buNone/>
+            </a:pPr>
+            <a:r>
+              <a:rPr lang="en-US" altLang="zh-CN" sz="1400">
+                <a:sym typeface="+mn-ea"/>
+              </a:rPr>
+              <a:t>      console.log('</a:t>
+            </a:r>
+            <a:r>
+              <a:rPr lang="zh-CN" altLang="en-US" sz="1400">
+                <a:sym typeface="+mn-ea"/>
+              </a:rPr>
+              <a:t>提交数据</a:t>
+            </a:r>
+            <a:r>
+              <a:rPr lang="en-US" altLang="zh-CN" sz="1400">
+                <a:sym typeface="+mn-ea"/>
+              </a:rPr>
+              <a:t>', values);</a:t>
+            </a:r>
+            <a:endParaRPr lang="en-US" altLang="zh-CN" sz="1400"/>
+          </a:p>
+          <a:p>
+            <a:pPr marL="0" indent="0">
+              <a:buNone/>
+            </a:pPr>
+            <a:r>
+              <a:rPr lang="en-US" altLang="zh-CN" sz="1400">
+                <a:sym typeface="+mn-ea"/>
+              </a:rPr>
+              <a:t>    } catch (e) {</a:t>
+            </a:r>
+            <a:endParaRPr lang="en-US" altLang="zh-CN" sz="1400"/>
+          </a:p>
+          <a:p>
+            <a:pPr marL="0" indent="0">
+              <a:buNone/>
+            </a:pPr>
+            <a:r>
+              <a:rPr lang="en-US" altLang="zh-CN" sz="1400">
+                <a:sym typeface="+mn-ea"/>
+              </a:rPr>
+              <a:t>      // </a:t>
+            </a:r>
+            <a:r>
+              <a:rPr lang="zh-CN" altLang="en-US" sz="1400">
+                <a:sym typeface="+mn-ea"/>
+              </a:rPr>
+              <a:t>处理错误</a:t>
+            </a:r>
+            <a:endParaRPr lang="zh-CN" altLang="en-US" sz="1400"/>
+          </a:p>
+          <a:p>
+            <a:pPr marL="0" indent="0">
+              <a:buNone/>
+            </a:pPr>
+            <a:r>
+              <a:rPr lang="en-US" altLang="zh-CN" sz="1400">
+                <a:sym typeface="+mn-ea"/>
+              </a:rPr>
+              <a:t>    }</a:t>
+            </a:r>
+            <a:endParaRPr lang="en-US" altLang="zh-CN" sz="1400"/>
+          </a:p>
+          <a:p>
+            <a:pPr marL="0" indent="0">
+              <a:buNone/>
+            </a:pPr>
+            <a:r>
+              <a:rPr lang="en-US" altLang="zh-CN" sz="1400">
+                <a:sym typeface="+mn-ea"/>
+              </a:rPr>
+              <a:t>  };</a:t>
+            </a:r>
+            <a:endParaRPr lang="en-US" altLang="zh-CN" sz="1400"/>
+          </a:p>
+          <a:p>
+            <a:pPr marL="0" indent="0">
+              <a:buNone/>
+            </a:pPr>
+            <a:r>
+              <a:rPr lang="en-US" altLang="zh-CN" sz="1400">
+                <a:sym typeface="+mn-ea"/>
+              </a:rPr>
+              <a:t>  return (</a:t>
+            </a:r>
+            <a:endParaRPr lang="en-US" altLang="zh-CN" sz="1400"/>
+          </a:p>
+          <a:p>
+            <a:pPr marL="0" indent="0">
+              <a:buNone/>
+            </a:pPr>
+            <a:r>
+              <a:rPr lang="en-US" altLang="zh-CN" sz="1400">
+                <a:sym typeface="+mn-ea"/>
+              </a:rPr>
+              <a:t>    &lt;&gt;</a:t>
+            </a:r>
+            <a:endParaRPr lang="en-US" altLang="zh-CN" sz="1400"/>
+          </a:p>
+          <a:p>
+            <a:pPr marL="0" indent="0">
+              <a:buNone/>
+            </a:pPr>
+            <a:r>
+              <a:rPr lang="en-US" altLang="zh-CN" sz="1400">
+                <a:sym typeface="+mn-ea"/>
+              </a:rPr>
+              <a:t>      &lt;ChildForm ref={formRef} /&gt;</a:t>
+            </a:r>
+            <a:endParaRPr lang="en-US" altLang="zh-CN" sz="1400"/>
+          </a:p>
+          <a:p>
+            <a:pPr marL="0" indent="0">
+              <a:buNone/>
+            </a:pPr>
+            <a:r>
+              <a:rPr lang="en-US" altLang="zh-CN" sz="1400">
+                <a:sym typeface="+mn-ea"/>
+              </a:rPr>
+              <a:t>      &lt;button onClick={handleSubmit}&gt;</a:t>
+            </a:r>
+            <a:r>
+              <a:rPr lang="zh-CN" altLang="en-US" sz="1400">
+                <a:sym typeface="+mn-ea"/>
+              </a:rPr>
+              <a:t>父组件提交</a:t>
+            </a:r>
+            <a:r>
+              <a:rPr lang="en-US" altLang="zh-CN" sz="1400">
+                <a:sym typeface="+mn-ea"/>
+              </a:rPr>
+              <a:t>&lt;/button&gt;</a:t>
+            </a:r>
+            <a:endParaRPr lang="en-US" altLang="zh-CN" sz="1400"/>
+          </a:p>
+          <a:p>
+            <a:pPr marL="0" indent="0">
+              <a:buNone/>
+            </a:pPr>
+            <a:r>
+              <a:rPr lang="en-US" altLang="zh-CN" sz="1400">
+                <a:sym typeface="+mn-ea"/>
+              </a:rPr>
+              <a:t>    &lt;/&gt;</a:t>
+            </a:r>
+            <a:endParaRPr lang="en-US" altLang="zh-CN" sz="1400"/>
+          </a:p>
+          <a:p>
+            <a:pPr marL="0" indent="0">
+              <a:buNone/>
+            </a:pPr>
+            <a:r>
+              <a:rPr lang="en-US" altLang="zh-CN" sz="1400">
+                <a:sym typeface="+mn-ea"/>
+              </a:rPr>
+              <a:t>  );</a:t>
+            </a:r>
+            <a:endParaRPr lang="en-US" altLang="zh-CN" sz="1400"/>
+          </a:p>
+          <a:p>
+            <a:pPr marL="0" indent="0">
+              <a:buNone/>
+            </a:pPr>
+            <a:r>
+              <a:rPr lang="en-US" altLang="zh-CN" sz="1400">
+                <a:sym typeface="+mn-ea"/>
+              </a:rPr>
+              <a:t>}</a:t>
+            </a:r>
+            <a:endParaRPr lang="en-US" altLang="zh-CN" sz="1400"/>
+          </a:p>
+          <a:p>
+            <a:pPr marL="0" indent="0">
+              <a:buNone/>
+            </a:pPr>
+            <a:endParaRPr lang="en-US" altLang="zh-CN" sz="1400"/>
           </a:p>
         </p:txBody>
       </p:sp>
